--- a/CalendarioAgo21/Ejercicios/Ejercicio18/Ejer18.pptx
+++ b/CalendarioAgo21/Ejercicios/Ejercicio18/Ejer18.pptx
@@ -5,10 +5,20 @@
     <p:sldMasterId id="2147483648" r:id="rId1"/>
   </p:sldMasterIdLst>
   <p:notesMasterIdLst>
-    <p:notesMasterId r:id="rId3"/>
+    <p:notesMasterId r:id="rId13"/>
   </p:notesMasterIdLst>
   <p:sldIdLst>
     <p:sldId id="265" r:id="rId2"/>
+    <p:sldId id="266" r:id="rId3"/>
+    <p:sldId id="267" r:id="rId4"/>
+    <p:sldId id="269" r:id="rId5"/>
+    <p:sldId id="270" r:id="rId6"/>
+    <p:sldId id="271" r:id="rId7"/>
+    <p:sldId id="272" r:id="rId8"/>
+    <p:sldId id="273" r:id="rId9"/>
+    <p:sldId id="275" r:id="rId10"/>
+    <p:sldId id="276" r:id="rId11"/>
+    <p:sldId id="274" r:id="rId12"/>
   </p:sldIdLst>
   <p:sldSz cx="12192000" cy="6858000"/>
   <p:notesSz cx="12192000" cy="6858000"/>
@@ -251,6 +261,670 @@
 </p:notesMaster>
 </file>
 
+<file path=ppt/notesSlides/notesSlide1.xml><?xml version="1.0" encoding="utf-8"?>
+<p:notes xmlns:a="http://schemas.openxmlformats.org/drawingml/2006/main" xmlns:r="http://schemas.openxmlformats.org/officeDocument/2006/relationships" xmlns:p="http://schemas.openxmlformats.org/presentationml/2006/main">
+  <p:cSld>
+    <p:spTree>
+      <p:nvGrpSpPr>
+        <p:cNvPr id="1" name=""/>
+        <p:cNvGrpSpPr/>
+        <p:nvPr/>
+      </p:nvGrpSpPr>
+      <p:grpSpPr>
+        <a:xfrm>
+          <a:off x="0" y="0"/>
+          <a:ext cx="0" cy="0"/>
+          <a:chOff x="0" y="0"/>
+          <a:chExt cx="0" cy="0"/>
+        </a:xfrm>
+      </p:grpSpPr>
+      <p:sp>
+        <p:nvSpPr>
+          <p:cNvPr id="2" name="Marcador de imagen de diapositiva 1"/>
+          <p:cNvSpPr>
+            <a:spLocks noGrp="1" noRot="1" noChangeAspect="1"/>
+          </p:cNvSpPr>
+          <p:nvPr>
+            <p:ph type="sldImg"/>
+          </p:nvPr>
+        </p:nvSpPr>
+        <p:spPr>
+          <a:xfrm>
+            <a:off x="4038600" y="857250"/>
+            <a:ext cx="4114800" cy="2314575"/>
+          </a:xfrm>
+          <a:prstGeom prst="rect">
+            <a:avLst/>
+          </a:prstGeom>
+          <a:noFill/>
+          <a:ln w="12700">
+            <a:solidFill>
+              <a:prstClr val="black"/>
+            </a:solidFill>
+          </a:ln>
+        </p:spPr>
+      </p:sp>
+      <p:sp>
+        <p:nvSpPr>
+          <p:cNvPr id="3" name="Marcador de notas 2"/>
+          <p:cNvSpPr>
+            <a:spLocks noGrp="1"/>
+          </p:cNvSpPr>
+          <p:nvPr>
+            <p:ph type="body" idx="1"/>
+          </p:nvPr>
+        </p:nvSpPr>
+        <p:spPr>
+          <a:xfrm>
+            <a:off x="1219200" y="3300413"/>
+            <a:ext cx="9753600" cy="2700337"/>
+          </a:xfrm>
+          <a:prstGeom prst="rect">
+            <a:avLst/>
+          </a:prstGeom>
+        </p:spPr>
+        <p:txBody>
+          <a:bodyPr/>
+          <a:lstStyle/>
+          <a:p>
+            <a:endParaRPr lang="es-MX" dirty="0"/>
+          </a:p>
+        </p:txBody>
+      </p:sp>
+    </p:spTree>
+    <p:extLst>
+      <p:ext uri="{BB962C8B-B14F-4D97-AF65-F5344CB8AC3E}">
+        <p14:creationId xmlns:p14="http://schemas.microsoft.com/office/powerpoint/2010/main" val="2577832104"/>
+      </p:ext>
+    </p:extLst>
+  </p:cSld>
+  <p:clrMapOvr>
+    <a:masterClrMapping/>
+  </p:clrMapOvr>
+</p:notes>
+</file>
+
+<file path=ppt/notesSlides/notesSlide2.xml><?xml version="1.0" encoding="utf-8"?>
+<p:notes xmlns:a="http://schemas.openxmlformats.org/drawingml/2006/main" xmlns:r="http://schemas.openxmlformats.org/officeDocument/2006/relationships" xmlns:p="http://schemas.openxmlformats.org/presentationml/2006/main">
+  <p:cSld>
+    <p:spTree>
+      <p:nvGrpSpPr>
+        <p:cNvPr id="1" name=""/>
+        <p:cNvGrpSpPr/>
+        <p:nvPr/>
+      </p:nvGrpSpPr>
+      <p:grpSpPr>
+        <a:xfrm>
+          <a:off x="0" y="0"/>
+          <a:ext cx="0" cy="0"/>
+          <a:chOff x="0" y="0"/>
+          <a:chExt cx="0" cy="0"/>
+        </a:xfrm>
+      </p:grpSpPr>
+      <p:sp>
+        <p:nvSpPr>
+          <p:cNvPr id="2" name="Marcador de imagen de diapositiva 1"/>
+          <p:cNvSpPr>
+            <a:spLocks noGrp="1" noRot="1" noChangeAspect="1"/>
+          </p:cNvSpPr>
+          <p:nvPr>
+            <p:ph type="sldImg"/>
+          </p:nvPr>
+        </p:nvSpPr>
+        <p:spPr>
+          <a:xfrm>
+            <a:off x="4038600" y="857250"/>
+            <a:ext cx="4114800" cy="2314575"/>
+          </a:xfrm>
+          <a:prstGeom prst="rect">
+            <a:avLst/>
+          </a:prstGeom>
+          <a:noFill/>
+          <a:ln w="12700">
+            <a:solidFill>
+              <a:prstClr val="black"/>
+            </a:solidFill>
+          </a:ln>
+        </p:spPr>
+      </p:sp>
+      <p:sp>
+        <p:nvSpPr>
+          <p:cNvPr id="3" name="Marcador de notas 2"/>
+          <p:cNvSpPr>
+            <a:spLocks noGrp="1"/>
+          </p:cNvSpPr>
+          <p:nvPr>
+            <p:ph type="body" idx="1"/>
+          </p:nvPr>
+        </p:nvSpPr>
+        <p:spPr>
+          <a:xfrm>
+            <a:off x="1219200" y="3300413"/>
+            <a:ext cx="9753600" cy="2700337"/>
+          </a:xfrm>
+          <a:prstGeom prst="rect">
+            <a:avLst/>
+          </a:prstGeom>
+        </p:spPr>
+        <p:txBody>
+          <a:bodyPr/>
+          <a:lstStyle/>
+          <a:p>
+            <a:endParaRPr lang="es-MX" dirty="0"/>
+          </a:p>
+        </p:txBody>
+      </p:sp>
+    </p:spTree>
+    <p:extLst>
+      <p:ext uri="{BB962C8B-B14F-4D97-AF65-F5344CB8AC3E}">
+        <p14:creationId xmlns:p14="http://schemas.microsoft.com/office/powerpoint/2010/main" val="2639121831"/>
+      </p:ext>
+    </p:extLst>
+  </p:cSld>
+  <p:clrMapOvr>
+    <a:masterClrMapping/>
+  </p:clrMapOvr>
+</p:notes>
+</file>
+
+<file path=ppt/notesSlides/notesSlide3.xml><?xml version="1.0" encoding="utf-8"?>
+<p:notes xmlns:a="http://schemas.openxmlformats.org/drawingml/2006/main" xmlns:r="http://schemas.openxmlformats.org/officeDocument/2006/relationships" xmlns:p="http://schemas.openxmlformats.org/presentationml/2006/main">
+  <p:cSld>
+    <p:spTree>
+      <p:nvGrpSpPr>
+        <p:cNvPr id="1" name=""/>
+        <p:cNvGrpSpPr/>
+        <p:nvPr/>
+      </p:nvGrpSpPr>
+      <p:grpSpPr>
+        <a:xfrm>
+          <a:off x="0" y="0"/>
+          <a:ext cx="0" cy="0"/>
+          <a:chOff x="0" y="0"/>
+          <a:chExt cx="0" cy="0"/>
+        </a:xfrm>
+      </p:grpSpPr>
+      <p:sp>
+        <p:nvSpPr>
+          <p:cNvPr id="2" name="Marcador de imagen de diapositiva 1"/>
+          <p:cNvSpPr>
+            <a:spLocks noGrp="1" noRot="1" noChangeAspect="1"/>
+          </p:cNvSpPr>
+          <p:nvPr>
+            <p:ph type="sldImg"/>
+          </p:nvPr>
+        </p:nvSpPr>
+        <p:spPr>
+          <a:xfrm>
+            <a:off x="4038600" y="857250"/>
+            <a:ext cx="4114800" cy="2314575"/>
+          </a:xfrm>
+          <a:prstGeom prst="rect">
+            <a:avLst/>
+          </a:prstGeom>
+          <a:noFill/>
+          <a:ln w="12700">
+            <a:solidFill>
+              <a:prstClr val="black"/>
+            </a:solidFill>
+          </a:ln>
+        </p:spPr>
+      </p:sp>
+      <p:sp>
+        <p:nvSpPr>
+          <p:cNvPr id="3" name="Marcador de notas 2"/>
+          <p:cNvSpPr>
+            <a:spLocks noGrp="1"/>
+          </p:cNvSpPr>
+          <p:nvPr>
+            <p:ph type="body" idx="1"/>
+          </p:nvPr>
+        </p:nvSpPr>
+        <p:spPr>
+          <a:xfrm>
+            <a:off x="1219200" y="3300413"/>
+            <a:ext cx="9753600" cy="2700337"/>
+          </a:xfrm>
+          <a:prstGeom prst="rect">
+            <a:avLst/>
+          </a:prstGeom>
+        </p:spPr>
+        <p:txBody>
+          <a:bodyPr/>
+          <a:lstStyle/>
+          <a:p>
+            <a:endParaRPr lang="es-MX" dirty="0"/>
+          </a:p>
+        </p:txBody>
+      </p:sp>
+    </p:spTree>
+    <p:extLst>
+      <p:ext uri="{BB962C8B-B14F-4D97-AF65-F5344CB8AC3E}">
+        <p14:creationId xmlns:p14="http://schemas.microsoft.com/office/powerpoint/2010/main" val="1416018154"/>
+      </p:ext>
+    </p:extLst>
+  </p:cSld>
+  <p:clrMapOvr>
+    <a:masterClrMapping/>
+  </p:clrMapOvr>
+</p:notes>
+</file>
+
+<file path=ppt/notesSlides/notesSlide4.xml><?xml version="1.0" encoding="utf-8"?>
+<p:notes xmlns:a="http://schemas.openxmlformats.org/drawingml/2006/main" xmlns:r="http://schemas.openxmlformats.org/officeDocument/2006/relationships" xmlns:p="http://schemas.openxmlformats.org/presentationml/2006/main">
+  <p:cSld>
+    <p:spTree>
+      <p:nvGrpSpPr>
+        <p:cNvPr id="1" name=""/>
+        <p:cNvGrpSpPr/>
+        <p:nvPr/>
+      </p:nvGrpSpPr>
+      <p:grpSpPr>
+        <a:xfrm>
+          <a:off x="0" y="0"/>
+          <a:ext cx="0" cy="0"/>
+          <a:chOff x="0" y="0"/>
+          <a:chExt cx="0" cy="0"/>
+        </a:xfrm>
+      </p:grpSpPr>
+      <p:sp>
+        <p:nvSpPr>
+          <p:cNvPr id="2" name="Marcador de imagen de diapositiva 1"/>
+          <p:cNvSpPr>
+            <a:spLocks noGrp="1" noRot="1" noChangeAspect="1"/>
+          </p:cNvSpPr>
+          <p:nvPr>
+            <p:ph type="sldImg"/>
+          </p:nvPr>
+        </p:nvSpPr>
+        <p:spPr>
+          <a:xfrm>
+            <a:off x="4038600" y="857250"/>
+            <a:ext cx="4114800" cy="2314575"/>
+          </a:xfrm>
+          <a:prstGeom prst="rect">
+            <a:avLst/>
+          </a:prstGeom>
+          <a:noFill/>
+          <a:ln w="12700">
+            <a:solidFill>
+              <a:prstClr val="black"/>
+            </a:solidFill>
+          </a:ln>
+        </p:spPr>
+      </p:sp>
+      <p:sp>
+        <p:nvSpPr>
+          <p:cNvPr id="3" name="Marcador de notas 2"/>
+          <p:cNvSpPr>
+            <a:spLocks noGrp="1"/>
+          </p:cNvSpPr>
+          <p:nvPr>
+            <p:ph type="body" idx="1"/>
+          </p:nvPr>
+        </p:nvSpPr>
+        <p:spPr>
+          <a:xfrm>
+            <a:off x="1219200" y="3300413"/>
+            <a:ext cx="9753600" cy="2700337"/>
+          </a:xfrm>
+          <a:prstGeom prst="rect">
+            <a:avLst/>
+          </a:prstGeom>
+        </p:spPr>
+        <p:txBody>
+          <a:bodyPr/>
+          <a:lstStyle/>
+          <a:p>
+            <a:endParaRPr lang="es-MX" dirty="0"/>
+          </a:p>
+        </p:txBody>
+      </p:sp>
+    </p:spTree>
+    <p:extLst>
+      <p:ext uri="{BB962C8B-B14F-4D97-AF65-F5344CB8AC3E}">
+        <p14:creationId xmlns:p14="http://schemas.microsoft.com/office/powerpoint/2010/main" val="3664376714"/>
+      </p:ext>
+    </p:extLst>
+  </p:cSld>
+  <p:clrMapOvr>
+    <a:masterClrMapping/>
+  </p:clrMapOvr>
+</p:notes>
+</file>
+
+<file path=ppt/notesSlides/notesSlide5.xml><?xml version="1.0" encoding="utf-8"?>
+<p:notes xmlns:a="http://schemas.openxmlformats.org/drawingml/2006/main" xmlns:r="http://schemas.openxmlformats.org/officeDocument/2006/relationships" xmlns:p="http://schemas.openxmlformats.org/presentationml/2006/main">
+  <p:cSld>
+    <p:spTree>
+      <p:nvGrpSpPr>
+        <p:cNvPr id="1" name=""/>
+        <p:cNvGrpSpPr/>
+        <p:nvPr/>
+      </p:nvGrpSpPr>
+      <p:grpSpPr>
+        <a:xfrm>
+          <a:off x="0" y="0"/>
+          <a:ext cx="0" cy="0"/>
+          <a:chOff x="0" y="0"/>
+          <a:chExt cx="0" cy="0"/>
+        </a:xfrm>
+      </p:grpSpPr>
+      <p:sp>
+        <p:nvSpPr>
+          <p:cNvPr id="2" name="Marcador de imagen de diapositiva 1"/>
+          <p:cNvSpPr>
+            <a:spLocks noGrp="1" noRot="1" noChangeAspect="1"/>
+          </p:cNvSpPr>
+          <p:nvPr>
+            <p:ph type="sldImg"/>
+          </p:nvPr>
+        </p:nvSpPr>
+        <p:spPr>
+          <a:xfrm>
+            <a:off x="4038600" y="857250"/>
+            <a:ext cx="4114800" cy="2314575"/>
+          </a:xfrm>
+          <a:prstGeom prst="rect">
+            <a:avLst/>
+          </a:prstGeom>
+          <a:noFill/>
+          <a:ln w="12700">
+            <a:solidFill>
+              <a:prstClr val="black"/>
+            </a:solidFill>
+          </a:ln>
+        </p:spPr>
+      </p:sp>
+      <p:sp>
+        <p:nvSpPr>
+          <p:cNvPr id="3" name="Marcador de notas 2"/>
+          <p:cNvSpPr>
+            <a:spLocks noGrp="1"/>
+          </p:cNvSpPr>
+          <p:nvPr>
+            <p:ph type="body" idx="1"/>
+          </p:nvPr>
+        </p:nvSpPr>
+        <p:spPr>
+          <a:xfrm>
+            <a:off x="1219200" y="3300413"/>
+            <a:ext cx="9753600" cy="2700337"/>
+          </a:xfrm>
+          <a:prstGeom prst="rect">
+            <a:avLst/>
+          </a:prstGeom>
+        </p:spPr>
+        <p:txBody>
+          <a:bodyPr/>
+          <a:lstStyle/>
+          <a:p>
+            <a:endParaRPr lang="es-MX" dirty="0"/>
+          </a:p>
+        </p:txBody>
+      </p:sp>
+    </p:spTree>
+    <p:extLst>
+      <p:ext uri="{BB962C8B-B14F-4D97-AF65-F5344CB8AC3E}">
+        <p14:creationId xmlns:p14="http://schemas.microsoft.com/office/powerpoint/2010/main" val="1901883412"/>
+      </p:ext>
+    </p:extLst>
+  </p:cSld>
+  <p:clrMapOvr>
+    <a:masterClrMapping/>
+  </p:clrMapOvr>
+</p:notes>
+</file>
+
+<file path=ppt/notesSlides/notesSlide6.xml><?xml version="1.0" encoding="utf-8"?>
+<p:notes xmlns:a="http://schemas.openxmlformats.org/drawingml/2006/main" xmlns:r="http://schemas.openxmlformats.org/officeDocument/2006/relationships" xmlns:p="http://schemas.openxmlformats.org/presentationml/2006/main">
+  <p:cSld>
+    <p:spTree>
+      <p:nvGrpSpPr>
+        <p:cNvPr id="1" name=""/>
+        <p:cNvGrpSpPr/>
+        <p:nvPr/>
+      </p:nvGrpSpPr>
+      <p:grpSpPr>
+        <a:xfrm>
+          <a:off x="0" y="0"/>
+          <a:ext cx="0" cy="0"/>
+          <a:chOff x="0" y="0"/>
+          <a:chExt cx="0" cy="0"/>
+        </a:xfrm>
+      </p:grpSpPr>
+      <p:sp>
+        <p:nvSpPr>
+          <p:cNvPr id="2" name="Marcador de imagen de diapositiva 1"/>
+          <p:cNvSpPr>
+            <a:spLocks noGrp="1" noRot="1" noChangeAspect="1"/>
+          </p:cNvSpPr>
+          <p:nvPr>
+            <p:ph type="sldImg"/>
+          </p:nvPr>
+        </p:nvSpPr>
+        <p:spPr>
+          <a:xfrm>
+            <a:off x="4038600" y="857250"/>
+            <a:ext cx="4114800" cy="2314575"/>
+          </a:xfrm>
+          <a:prstGeom prst="rect">
+            <a:avLst/>
+          </a:prstGeom>
+          <a:noFill/>
+          <a:ln w="12700">
+            <a:solidFill>
+              <a:prstClr val="black"/>
+            </a:solidFill>
+          </a:ln>
+        </p:spPr>
+      </p:sp>
+      <p:sp>
+        <p:nvSpPr>
+          <p:cNvPr id="3" name="Marcador de notas 2"/>
+          <p:cNvSpPr>
+            <a:spLocks noGrp="1"/>
+          </p:cNvSpPr>
+          <p:nvPr>
+            <p:ph type="body" idx="1"/>
+          </p:nvPr>
+        </p:nvSpPr>
+        <p:spPr>
+          <a:xfrm>
+            <a:off x="1219200" y="3300413"/>
+            <a:ext cx="9753600" cy="2700337"/>
+          </a:xfrm>
+          <a:prstGeom prst="rect">
+            <a:avLst/>
+          </a:prstGeom>
+        </p:spPr>
+        <p:txBody>
+          <a:bodyPr/>
+          <a:lstStyle/>
+          <a:p>
+            <a:endParaRPr lang="es-MX" dirty="0"/>
+          </a:p>
+        </p:txBody>
+      </p:sp>
+    </p:spTree>
+    <p:extLst>
+      <p:ext uri="{BB962C8B-B14F-4D97-AF65-F5344CB8AC3E}">
+        <p14:creationId xmlns:p14="http://schemas.microsoft.com/office/powerpoint/2010/main" val="3862065772"/>
+      </p:ext>
+    </p:extLst>
+  </p:cSld>
+  <p:clrMapOvr>
+    <a:masterClrMapping/>
+  </p:clrMapOvr>
+</p:notes>
+</file>
+
+<file path=ppt/notesSlides/notesSlide7.xml><?xml version="1.0" encoding="utf-8"?>
+<p:notes xmlns:a="http://schemas.openxmlformats.org/drawingml/2006/main" xmlns:r="http://schemas.openxmlformats.org/officeDocument/2006/relationships" xmlns:p="http://schemas.openxmlformats.org/presentationml/2006/main">
+  <p:cSld>
+    <p:spTree>
+      <p:nvGrpSpPr>
+        <p:cNvPr id="1" name=""/>
+        <p:cNvGrpSpPr/>
+        <p:nvPr/>
+      </p:nvGrpSpPr>
+      <p:grpSpPr>
+        <a:xfrm>
+          <a:off x="0" y="0"/>
+          <a:ext cx="0" cy="0"/>
+          <a:chOff x="0" y="0"/>
+          <a:chExt cx="0" cy="0"/>
+        </a:xfrm>
+      </p:grpSpPr>
+      <p:sp>
+        <p:nvSpPr>
+          <p:cNvPr id="2" name="Marcador de imagen de diapositiva 1"/>
+          <p:cNvSpPr>
+            <a:spLocks noGrp="1" noRot="1" noChangeAspect="1"/>
+          </p:cNvSpPr>
+          <p:nvPr>
+            <p:ph type="sldImg"/>
+          </p:nvPr>
+        </p:nvSpPr>
+        <p:spPr>
+          <a:xfrm>
+            <a:off x="4038600" y="857250"/>
+            <a:ext cx="4114800" cy="2314575"/>
+          </a:xfrm>
+          <a:prstGeom prst="rect">
+            <a:avLst/>
+          </a:prstGeom>
+          <a:noFill/>
+          <a:ln w="12700">
+            <a:solidFill>
+              <a:prstClr val="black"/>
+            </a:solidFill>
+          </a:ln>
+        </p:spPr>
+      </p:sp>
+      <p:sp>
+        <p:nvSpPr>
+          <p:cNvPr id="3" name="Marcador de notas 2"/>
+          <p:cNvSpPr>
+            <a:spLocks noGrp="1"/>
+          </p:cNvSpPr>
+          <p:nvPr>
+            <p:ph type="body" idx="1"/>
+          </p:nvPr>
+        </p:nvSpPr>
+        <p:spPr>
+          <a:xfrm>
+            <a:off x="1219200" y="3300413"/>
+            <a:ext cx="9753600" cy="2700337"/>
+          </a:xfrm>
+          <a:prstGeom prst="rect">
+            <a:avLst/>
+          </a:prstGeom>
+        </p:spPr>
+        <p:txBody>
+          <a:bodyPr/>
+          <a:lstStyle/>
+          <a:p>
+            <a:endParaRPr lang="es-MX" dirty="0"/>
+          </a:p>
+        </p:txBody>
+      </p:sp>
+    </p:spTree>
+    <p:extLst>
+      <p:ext uri="{BB962C8B-B14F-4D97-AF65-F5344CB8AC3E}">
+        <p14:creationId xmlns:p14="http://schemas.microsoft.com/office/powerpoint/2010/main" val="3148417328"/>
+      </p:ext>
+    </p:extLst>
+  </p:cSld>
+  <p:clrMapOvr>
+    <a:masterClrMapping/>
+  </p:clrMapOvr>
+</p:notes>
+</file>
+
+<file path=ppt/notesSlides/notesSlide8.xml><?xml version="1.0" encoding="utf-8"?>
+<p:notes xmlns:a="http://schemas.openxmlformats.org/drawingml/2006/main" xmlns:r="http://schemas.openxmlformats.org/officeDocument/2006/relationships" xmlns:p="http://schemas.openxmlformats.org/presentationml/2006/main">
+  <p:cSld>
+    <p:spTree>
+      <p:nvGrpSpPr>
+        <p:cNvPr id="1" name=""/>
+        <p:cNvGrpSpPr/>
+        <p:nvPr/>
+      </p:nvGrpSpPr>
+      <p:grpSpPr>
+        <a:xfrm>
+          <a:off x="0" y="0"/>
+          <a:ext cx="0" cy="0"/>
+          <a:chOff x="0" y="0"/>
+          <a:chExt cx="0" cy="0"/>
+        </a:xfrm>
+      </p:grpSpPr>
+      <p:sp>
+        <p:nvSpPr>
+          <p:cNvPr id="2" name="Marcador de imagen de diapositiva 1"/>
+          <p:cNvSpPr>
+            <a:spLocks noGrp="1" noRot="1" noChangeAspect="1"/>
+          </p:cNvSpPr>
+          <p:nvPr>
+            <p:ph type="sldImg"/>
+          </p:nvPr>
+        </p:nvSpPr>
+        <p:spPr>
+          <a:xfrm>
+            <a:off x="4038600" y="857250"/>
+            <a:ext cx="4114800" cy="2314575"/>
+          </a:xfrm>
+          <a:prstGeom prst="rect">
+            <a:avLst/>
+          </a:prstGeom>
+          <a:noFill/>
+          <a:ln w="12700">
+            <a:solidFill>
+              <a:prstClr val="black"/>
+            </a:solidFill>
+          </a:ln>
+        </p:spPr>
+      </p:sp>
+      <p:sp>
+        <p:nvSpPr>
+          <p:cNvPr id="3" name="Marcador de notas 2"/>
+          <p:cNvSpPr>
+            <a:spLocks noGrp="1"/>
+          </p:cNvSpPr>
+          <p:nvPr>
+            <p:ph type="body" idx="1"/>
+          </p:nvPr>
+        </p:nvSpPr>
+        <p:spPr>
+          <a:xfrm>
+            <a:off x="1219200" y="3300413"/>
+            <a:ext cx="9753600" cy="2700337"/>
+          </a:xfrm>
+          <a:prstGeom prst="rect">
+            <a:avLst/>
+          </a:prstGeom>
+        </p:spPr>
+        <p:txBody>
+          <a:bodyPr/>
+          <a:lstStyle/>
+          <a:p>
+            <a:endParaRPr lang="es-MX" dirty="0"/>
+          </a:p>
+        </p:txBody>
+      </p:sp>
+    </p:spTree>
+    <p:extLst>
+      <p:ext uri="{BB962C8B-B14F-4D97-AF65-F5344CB8AC3E}">
+        <p14:creationId xmlns:p14="http://schemas.microsoft.com/office/powerpoint/2010/main" val="3575949978"/>
+      </p:ext>
+    </p:extLst>
+  </p:cSld>
+  <p:clrMapOvr>
+    <a:masterClrMapping/>
+  </p:clrMapOvr>
+</p:notes>
+</file>
+
 <file path=ppt/slideLayouts/slideLayout1.xml><?xml version="1.0" encoding="utf-8"?>
 <p:sldLayout xmlns:a="http://schemas.openxmlformats.org/drawingml/2006/main" xmlns:r="http://schemas.openxmlformats.org/officeDocument/2006/relationships" xmlns:p="http://schemas.openxmlformats.org/presentationml/2006/main" type="obj" preserve="1">
   <p:cSld name="Title Slide">
@@ -390,7 +1064,7 @@
           <a:p>
             <a:fld id="{1D8BD707-D9CF-40AE-B4C6-C98DA3205C09}" type="datetimeFigureOut">
               <a:rPr lang="en-US"/>
-              <a:t>5/23/2021</a:t>
+              <a:t>11/22/2021</a:t>
             </a:fld>
             <a:endParaRPr lang="en-US"/>
           </a:p>
@@ -567,7 +1241,7 @@
           <a:p>
             <a:fld id="{1D8BD707-D9CF-40AE-B4C6-C98DA3205C09}" type="datetimeFigureOut">
               <a:rPr lang="en-US"/>
-              <a:t>5/23/2021</a:t>
+              <a:t>11/22/2021</a:t>
             </a:fld>
             <a:endParaRPr lang="en-US"/>
           </a:p>
@@ -781,7 +1455,7 @@
           <a:p>
             <a:fld id="{1D8BD707-D9CF-40AE-B4C6-C98DA3205C09}" type="datetimeFigureOut">
               <a:rPr lang="en-US"/>
-              <a:t>5/23/2021</a:t>
+              <a:t>11/22/2021</a:t>
             </a:fld>
             <a:endParaRPr lang="en-US"/>
           </a:p>
@@ -929,7 +1603,7 @@
           <a:p>
             <a:fld id="{1D8BD707-D9CF-40AE-B4C6-C98DA3205C09}" type="datetimeFigureOut">
               <a:rPr lang="en-US"/>
-              <a:t>5/23/2021</a:t>
+              <a:t>11/22/2021</a:t>
             </a:fld>
             <a:endParaRPr lang="en-US"/>
           </a:p>
@@ -1085,7 +1759,7 @@
           <a:p>
             <a:fld id="{1D8BD707-D9CF-40AE-B4C6-C98DA3205C09}" type="datetimeFigureOut">
               <a:rPr lang="en-US"/>
-              <a:t>5/23/2021</a:t>
+              <a:t>11/22/2021</a:t>
             </a:fld>
             <a:endParaRPr lang="en-US"/>
           </a:p>
@@ -1310,7 +1984,7 @@
           <a:p>
             <a:fld id="{1D8BD707-D9CF-40AE-B4C6-C98DA3205C09}" type="datetimeFigureOut">
               <a:rPr lang="en-US"/>
-              <a:t>5/23/2021</a:t>
+              <a:t>11/22/2021</a:t>
             </a:fld>
             <a:endParaRPr lang="en-US"/>
           </a:p>
@@ -1544,7 +2218,7 @@
         <p:spPr>
           <a:xfrm>
             <a:off x="990600" y="152400"/>
-            <a:ext cx="10210800" cy="954107"/>
+            <a:ext cx="10210800" cy="523220"/>
           </a:xfrm>
           <a:prstGeom prst="rect">
             <a:avLst/>
@@ -1568,22 +2242,7 @@
             </a:r>
             <a:r>
               <a:rPr lang="es-ES" sz="2800" b="1" dirty="0"/>
-              <a:t> Store </a:t>
-            </a:r>
-          </a:p>
-          <a:p>
-            <a:pPr algn="ctr"/>
-            <a:r>
-              <a:rPr lang="es-ES" sz="2800" dirty="0"/>
-              <a:t>La interconexión de dos </a:t>
-            </a:r>
-            <a:r>
-              <a:rPr lang="es-ES" sz="2800" dirty="0" err="1"/>
-              <a:t>LANs</a:t>
-            </a:r>
-            <a:r>
-              <a:rPr lang="es-ES" sz="2800" dirty="0"/>
-              <a:t> con protocolos de ruteo distintos</a:t>
+              <a:t> Store</a:t>
             </a:r>
             <a:endParaRPr lang="es-MX" sz="2800" dirty="0"/>
           </a:p>
@@ -1591,10 +2250,10 @@
       </p:sp>
       <p:pic>
         <p:nvPicPr>
-          <p:cNvPr id="3" name="Imagen 2" descr="Mapa&#10;&#10;Descripción generada automáticamente">
+          <p:cNvPr id="4" name="Imagen 3">
             <a:extLst>
               <a:ext uri="{FF2B5EF4-FFF2-40B4-BE49-F238E27FC236}">
-                <a16:creationId xmlns:a16="http://schemas.microsoft.com/office/drawing/2014/main" id="{3933928F-E833-49B6-AD81-507C6CEDBAC2}"/>
+                <a16:creationId xmlns:a16="http://schemas.microsoft.com/office/drawing/2014/main" id="{FC671446-32BA-4723-8369-A75397F08521}"/>
               </a:ext>
             </a:extLst>
           </p:cNvPr>
@@ -1604,7 +2263,2337 @@
           <p:nvPr/>
         </p:nvPicPr>
         <p:blipFill>
-          <a:blip r:embed="rId2">
+          <a:blip r:embed="rId2"/>
+          <a:stretch>
+            <a:fillRect/>
+          </a:stretch>
+        </p:blipFill>
+        <p:spPr>
+          <a:xfrm>
+            <a:off x="1371600" y="1524000"/>
+            <a:ext cx="9220200" cy="4599550"/>
+          </a:xfrm>
+          <a:prstGeom prst="rect">
+            <a:avLst/>
+          </a:prstGeom>
+        </p:spPr>
+      </p:pic>
+      <p:sp>
+        <p:nvSpPr>
+          <p:cNvPr id="6" name="CuadroTexto 5">
+            <a:extLst>
+              <a:ext uri="{FF2B5EF4-FFF2-40B4-BE49-F238E27FC236}">
+                <a16:creationId xmlns:a16="http://schemas.microsoft.com/office/drawing/2014/main" id="{13336C23-8341-4C9F-8F4A-D72E0813E665}"/>
+              </a:ext>
+            </a:extLst>
+          </p:cNvPr>
+          <p:cNvSpPr txBox="1"/>
+          <p:nvPr/>
+        </p:nvSpPr>
+        <p:spPr>
+          <a:xfrm>
+            <a:off x="990600" y="868977"/>
+            <a:ext cx="10210800" cy="461665"/>
+          </a:xfrm>
+          <a:prstGeom prst="rect">
+            <a:avLst/>
+          </a:prstGeom>
+          <a:noFill/>
+        </p:spPr>
+        <p:txBody>
+          <a:bodyPr wrap="square" rtlCol="0">
+            <a:spAutoFit/>
+          </a:bodyPr>
+          <a:lstStyle/>
+          <a:p>
+            <a:pPr algn="ctr"/>
+            <a:r>
+              <a:rPr lang="es-ES" sz="2400" dirty="0"/>
+              <a:t>La interconexión de dos </a:t>
+            </a:r>
+            <a:r>
+              <a:rPr lang="es-ES" sz="2400" dirty="0" err="1"/>
+              <a:t>LANs</a:t>
+            </a:r>
+            <a:r>
+              <a:rPr lang="es-ES" sz="2400" dirty="0"/>
+              <a:t> con protocolos de ruteo distintos</a:t>
+            </a:r>
+            <a:endParaRPr lang="es-MX" sz="2400" dirty="0"/>
+          </a:p>
+        </p:txBody>
+      </p:sp>
+    </p:spTree>
+    <p:extLst>
+      <p:ext uri="{BB962C8B-B14F-4D97-AF65-F5344CB8AC3E}">
+        <p14:creationId xmlns:p14="http://schemas.microsoft.com/office/powerpoint/2010/main" val="3068353970"/>
+      </p:ext>
+    </p:extLst>
+  </p:cSld>
+  <p:clrMapOvr>
+    <a:masterClrMapping/>
+  </p:clrMapOvr>
+</p:sld>
+</file>
+
+<file path=ppt/slides/slide10.xml><?xml version="1.0" encoding="utf-8"?>
+<p:sld xmlns:a="http://schemas.openxmlformats.org/drawingml/2006/main" xmlns:r="http://schemas.openxmlformats.org/officeDocument/2006/relationships" xmlns:p="http://schemas.openxmlformats.org/presentationml/2006/main">
+  <p:cSld>
+    <p:spTree>
+      <p:nvGrpSpPr>
+        <p:cNvPr id="1" name=""/>
+        <p:cNvGrpSpPr/>
+        <p:nvPr/>
+      </p:nvGrpSpPr>
+      <p:grpSpPr>
+        <a:xfrm>
+          <a:off x="0" y="0"/>
+          <a:ext cx="0" cy="0"/>
+          <a:chOff x="0" y="0"/>
+          <a:chExt cx="0" cy="0"/>
+        </a:xfrm>
+      </p:grpSpPr>
+      <p:sp>
+        <p:nvSpPr>
+          <p:cNvPr id="5" name="CuadroTexto 4">
+            <a:extLst>
+              <a:ext uri="{FF2B5EF4-FFF2-40B4-BE49-F238E27FC236}">
+                <a16:creationId xmlns:a16="http://schemas.microsoft.com/office/drawing/2014/main" id="{6AA9D110-6FFC-455A-8208-CF01108FD59E}"/>
+              </a:ext>
+            </a:extLst>
+          </p:cNvPr>
+          <p:cNvSpPr txBox="1"/>
+          <p:nvPr/>
+        </p:nvSpPr>
+        <p:spPr>
+          <a:xfrm>
+            <a:off x="304800" y="108427"/>
+            <a:ext cx="11277600" cy="892552"/>
+          </a:xfrm>
+          <a:prstGeom prst="rect">
+            <a:avLst/>
+          </a:prstGeom>
+          <a:noFill/>
+        </p:spPr>
+        <p:txBody>
+          <a:bodyPr wrap="square" rtlCol="0">
+            <a:spAutoFit/>
+          </a:bodyPr>
+          <a:lstStyle/>
+          <a:p>
+            <a:pPr algn="ctr"/>
+            <a:r>
+              <a:rPr lang="es-ES" sz="2800" b="1" dirty="0"/>
+              <a:t>Proyecto </a:t>
+            </a:r>
+            <a:r>
+              <a:rPr lang="es-ES" sz="2800" b="1" dirty="0" err="1"/>
+              <a:t>YEYO’s</a:t>
+            </a:r>
+            <a:r>
+              <a:rPr lang="es-ES" sz="2800" b="1" dirty="0"/>
+              <a:t> Store</a:t>
+            </a:r>
+          </a:p>
+          <a:p>
+            <a:pPr algn="ctr"/>
+            <a:r>
+              <a:rPr lang="es-ES" sz="2400" dirty="0"/>
+              <a:t>Nueva configuración del </a:t>
+            </a:r>
+            <a:r>
+              <a:rPr lang="es-ES" sz="2400" dirty="0" err="1"/>
+              <a:t>router</a:t>
+            </a:r>
+            <a:r>
+              <a:rPr lang="es-ES" sz="2400" dirty="0"/>
+              <a:t> Querétaro</a:t>
+            </a:r>
+            <a:endParaRPr lang="es-MX" sz="2400" dirty="0"/>
+          </a:p>
+        </p:txBody>
+      </p:sp>
+      <p:sp>
+        <p:nvSpPr>
+          <p:cNvPr id="8" name="CuadroTexto 7">
+            <a:extLst>
+              <a:ext uri="{FF2B5EF4-FFF2-40B4-BE49-F238E27FC236}">
+                <a16:creationId xmlns:a16="http://schemas.microsoft.com/office/drawing/2014/main" id="{F8162220-B66C-48DB-B5AA-BC509244B7E6}"/>
+              </a:ext>
+            </a:extLst>
+          </p:cNvPr>
+          <p:cNvSpPr txBox="1"/>
+          <p:nvPr/>
+        </p:nvSpPr>
+        <p:spPr>
+          <a:xfrm>
+            <a:off x="457200" y="1071362"/>
+            <a:ext cx="11277600" cy="1365438"/>
+          </a:xfrm>
+          <a:prstGeom prst="rect">
+            <a:avLst/>
+          </a:prstGeom>
+          <a:noFill/>
+        </p:spPr>
+        <p:txBody>
+          <a:bodyPr wrap="square">
+            <a:spAutoFit/>
+          </a:bodyPr>
+          <a:lstStyle/>
+          <a:p>
+            <a:pPr marL="265113" indent="-265113" algn="just">
+              <a:lnSpc>
+                <a:spcPct val="107000"/>
+              </a:lnSpc>
+              <a:spcAft>
+                <a:spcPts val="800"/>
+              </a:spcAft>
+            </a:pPr>
+            <a:r>
+              <a:rPr lang="es-ES" sz="1800" b="1" dirty="0">
+                <a:effectLst/>
+                <a:latin typeface="Arial" panose="020B0604020202020204" pitchFamily="34" charset="0"/>
+                <a:ea typeface="Calibri" panose="020F0502020204030204" pitchFamily="34" charset="0"/>
+                <a:cs typeface="Times New Roman" panose="02020603050405020304" pitchFamily="18" charset="0"/>
+              </a:rPr>
+              <a:t>6. </a:t>
+            </a:r>
+            <a:r>
+              <a:rPr lang="es-ES" dirty="0">
+                <a:latin typeface="Arial" panose="020B0604020202020204" pitchFamily="34" charset="0"/>
+                <a:ea typeface="Calibri" panose="020F0502020204030204" pitchFamily="34" charset="0"/>
+                <a:cs typeface="Times New Roman" panose="02020603050405020304" pitchFamily="18" charset="0"/>
+              </a:rPr>
+              <a:t>Se tienen </a:t>
+            </a:r>
+            <a:r>
+              <a:rPr lang="es-ES" b="1" dirty="0">
+                <a:latin typeface="Arial" panose="020B0604020202020204" pitchFamily="34" charset="0"/>
+                <a:ea typeface="Calibri" panose="020F0502020204030204" pitchFamily="34" charset="0"/>
+                <a:cs typeface="Times New Roman" panose="02020603050405020304" pitchFamily="18" charset="0"/>
+              </a:rPr>
+              <a:t>dos protocolos de ruteo </a:t>
+            </a:r>
+            <a:r>
+              <a:rPr lang="es-ES" dirty="0">
+                <a:latin typeface="Arial" panose="020B0604020202020204" pitchFamily="34" charset="0"/>
+                <a:ea typeface="Calibri" panose="020F0502020204030204" pitchFamily="34" charset="0"/>
+                <a:cs typeface="Times New Roman" panose="02020603050405020304" pitchFamily="18" charset="0"/>
+              </a:rPr>
+              <a:t>configurados y p</a:t>
+            </a:r>
+            <a:r>
+              <a:rPr lang="es-ES" sz="1800" dirty="0">
+                <a:effectLst/>
+                <a:latin typeface="Arial" panose="020B0604020202020204" pitchFamily="34" charset="0"/>
+                <a:ea typeface="Calibri" panose="020F0502020204030204" pitchFamily="34" charset="0"/>
+                <a:cs typeface="Times New Roman" panose="02020603050405020304" pitchFamily="18" charset="0"/>
+              </a:rPr>
+              <a:t>ara que puedan comunicarse todos los equipos tenemos que redistribuir el tráfico de </a:t>
+            </a:r>
+            <a:r>
+              <a:rPr lang="es-ES" sz="1800" b="1" dirty="0">
+                <a:effectLst/>
+                <a:latin typeface="Arial" panose="020B0604020202020204" pitchFamily="34" charset="0"/>
+                <a:ea typeface="Calibri" panose="020F0502020204030204" pitchFamily="34" charset="0"/>
+                <a:cs typeface="Times New Roman" panose="02020603050405020304" pitchFamily="18" charset="0"/>
+              </a:rPr>
+              <a:t>EIGRP</a:t>
+            </a:r>
+            <a:r>
+              <a:rPr lang="es-ES" sz="1800" dirty="0">
+                <a:effectLst/>
+                <a:latin typeface="Arial" panose="020B0604020202020204" pitchFamily="34" charset="0"/>
+                <a:ea typeface="Calibri" panose="020F0502020204030204" pitchFamily="34" charset="0"/>
+                <a:cs typeface="Times New Roman" panose="02020603050405020304" pitchFamily="18" charset="0"/>
+              </a:rPr>
+              <a:t> en la tabla de ruteo de </a:t>
+            </a:r>
+            <a:r>
+              <a:rPr lang="es-ES" sz="1800" b="1" dirty="0">
+                <a:effectLst/>
+                <a:latin typeface="Arial" panose="020B0604020202020204" pitchFamily="34" charset="0"/>
+                <a:ea typeface="Calibri" panose="020F0502020204030204" pitchFamily="34" charset="0"/>
+                <a:cs typeface="Times New Roman" panose="02020603050405020304" pitchFamily="18" charset="0"/>
+              </a:rPr>
+              <a:t>OSPF</a:t>
+            </a:r>
+            <a:r>
+              <a:rPr lang="es-ES" sz="1800" dirty="0">
+                <a:effectLst/>
+                <a:latin typeface="Arial" panose="020B0604020202020204" pitchFamily="34" charset="0"/>
+                <a:ea typeface="Calibri" panose="020F0502020204030204" pitchFamily="34" charset="0"/>
+                <a:cs typeface="Times New Roman" panose="02020603050405020304" pitchFamily="18" charset="0"/>
+              </a:rPr>
+              <a:t> y viceversa.</a:t>
+            </a:r>
+            <a:endParaRPr lang="es-MX" sz="1800" dirty="0">
+              <a:effectLst/>
+              <a:latin typeface="Calibri" panose="020F0502020204030204" pitchFamily="34" charset="0"/>
+              <a:ea typeface="Calibri" panose="020F0502020204030204" pitchFamily="34" charset="0"/>
+              <a:cs typeface="Times New Roman" panose="02020603050405020304" pitchFamily="18" charset="0"/>
+            </a:endParaRPr>
+          </a:p>
+          <a:p>
+            <a:pPr marL="800100" lvl="1" indent="-342900" algn="just">
+              <a:lnSpc>
+                <a:spcPct val="107000"/>
+              </a:lnSpc>
+              <a:buFont typeface="Symbol" panose="05050102010706020507" pitchFamily="18" charset="2"/>
+              <a:buChar char=""/>
+            </a:pPr>
+            <a:r>
+              <a:rPr lang="es-ES" b="1" dirty="0">
+                <a:effectLst/>
+                <a:latin typeface="Arial" panose="020B0604020202020204" pitchFamily="34" charset="0"/>
+                <a:ea typeface="Calibri" panose="020F0502020204030204" pitchFamily="34" charset="0"/>
+                <a:cs typeface="Times New Roman" panose="02020603050405020304" pitchFamily="18" charset="0"/>
+              </a:rPr>
+              <a:t>OSPF</a:t>
+            </a:r>
+            <a:r>
+              <a:rPr lang="es-ES" dirty="0">
+                <a:effectLst/>
+                <a:latin typeface="Arial" panose="020B0604020202020204" pitchFamily="34" charset="0"/>
+                <a:ea typeface="Calibri" panose="020F0502020204030204" pitchFamily="34" charset="0"/>
+                <a:cs typeface="Times New Roman" panose="02020603050405020304" pitchFamily="18" charset="0"/>
+              </a:rPr>
+              <a:t> tiene que inyectar su tabla de ruteo a </a:t>
+            </a:r>
+            <a:r>
+              <a:rPr lang="es-ES" b="1" dirty="0">
+                <a:effectLst/>
+                <a:latin typeface="Arial" panose="020B0604020202020204" pitchFamily="34" charset="0"/>
+                <a:ea typeface="Calibri" panose="020F0502020204030204" pitchFamily="34" charset="0"/>
+                <a:cs typeface="Times New Roman" panose="02020603050405020304" pitchFamily="18" charset="0"/>
+              </a:rPr>
+              <a:t>EIGRP</a:t>
+            </a:r>
+            <a:r>
+              <a:rPr lang="es-ES" dirty="0">
+                <a:effectLst/>
+                <a:latin typeface="Arial" panose="020B0604020202020204" pitchFamily="34" charset="0"/>
+                <a:ea typeface="Calibri" panose="020F0502020204030204" pitchFamily="34" charset="0"/>
+                <a:cs typeface="Times New Roman" panose="02020603050405020304" pitchFamily="18" charset="0"/>
+              </a:rPr>
+              <a:t>.</a:t>
+            </a:r>
+            <a:endParaRPr lang="es-MX" dirty="0">
+              <a:effectLst/>
+              <a:latin typeface="Calibri" panose="020F0502020204030204" pitchFamily="34" charset="0"/>
+              <a:ea typeface="Calibri" panose="020F0502020204030204" pitchFamily="34" charset="0"/>
+              <a:cs typeface="Times New Roman" panose="02020603050405020304" pitchFamily="18" charset="0"/>
+            </a:endParaRPr>
+          </a:p>
+          <a:p>
+            <a:pPr marL="800100" lvl="1" indent="-342900" algn="just">
+              <a:lnSpc>
+                <a:spcPct val="107000"/>
+              </a:lnSpc>
+              <a:spcAft>
+                <a:spcPts val="800"/>
+              </a:spcAft>
+              <a:buFont typeface="Symbol" panose="05050102010706020507" pitchFamily="18" charset="2"/>
+              <a:buChar char=""/>
+            </a:pPr>
+            <a:r>
+              <a:rPr lang="es-ES" b="1" dirty="0">
+                <a:effectLst/>
+                <a:latin typeface="Arial" panose="020B0604020202020204" pitchFamily="34" charset="0"/>
+                <a:ea typeface="Calibri" panose="020F0502020204030204" pitchFamily="34" charset="0"/>
+                <a:cs typeface="Times New Roman" panose="02020603050405020304" pitchFamily="18" charset="0"/>
+              </a:rPr>
+              <a:t>EIGRP</a:t>
+            </a:r>
+            <a:r>
+              <a:rPr lang="es-ES" dirty="0">
+                <a:effectLst/>
+                <a:latin typeface="Arial" panose="020B0604020202020204" pitchFamily="34" charset="0"/>
+                <a:ea typeface="Calibri" panose="020F0502020204030204" pitchFamily="34" charset="0"/>
+                <a:cs typeface="Times New Roman" panose="02020603050405020304" pitchFamily="18" charset="0"/>
+              </a:rPr>
+              <a:t> tiene que inyectar su tabla de ruteo a </a:t>
+            </a:r>
+            <a:r>
+              <a:rPr lang="es-ES" b="1" dirty="0">
+                <a:effectLst/>
+                <a:latin typeface="Arial" panose="020B0604020202020204" pitchFamily="34" charset="0"/>
+                <a:ea typeface="Calibri" panose="020F0502020204030204" pitchFamily="34" charset="0"/>
+                <a:cs typeface="Times New Roman" panose="02020603050405020304" pitchFamily="18" charset="0"/>
+              </a:rPr>
+              <a:t>OSPF</a:t>
+            </a:r>
+            <a:r>
+              <a:rPr lang="es-ES" dirty="0">
+                <a:effectLst/>
+                <a:latin typeface="Arial" panose="020B0604020202020204" pitchFamily="34" charset="0"/>
+                <a:ea typeface="Calibri" panose="020F0502020204030204" pitchFamily="34" charset="0"/>
+                <a:cs typeface="Times New Roman" panose="02020603050405020304" pitchFamily="18" charset="0"/>
+              </a:rPr>
+              <a:t>.</a:t>
+            </a:r>
+            <a:endParaRPr lang="es-MX" sz="1800" dirty="0">
+              <a:effectLst/>
+              <a:latin typeface="Calibri" panose="020F0502020204030204" pitchFamily="34" charset="0"/>
+              <a:ea typeface="Calibri" panose="020F0502020204030204" pitchFamily="34" charset="0"/>
+              <a:cs typeface="Times New Roman" panose="02020603050405020304" pitchFamily="18" charset="0"/>
+            </a:endParaRPr>
+          </a:p>
+        </p:txBody>
+      </p:sp>
+      <p:pic>
+        <p:nvPicPr>
+          <p:cNvPr id="7" name="Imagen 6">
+            <a:extLst>
+              <a:ext uri="{FF2B5EF4-FFF2-40B4-BE49-F238E27FC236}">
+                <a16:creationId xmlns:a16="http://schemas.microsoft.com/office/drawing/2014/main" id="{3FA5EDCD-8BE5-4C1A-8A15-F682EAA2B9B2}"/>
+              </a:ext>
+            </a:extLst>
+          </p:cNvPr>
+          <p:cNvPicPr/>
+          <p:nvPr/>
+        </p:nvPicPr>
+        <p:blipFill>
+          <a:blip r:embed="rId3" cstate="print">
+            <a:extLst>
+              <a:ext uri="{28A0092B-C50C-407E-A947-70E740481C1C}">
+                <a14:useLocalDpi xmlns:a14="http://schemas.microsoft.com/office/drawing/2010/main" val="0"/>
+              </a:ext>
+            </a:extLst>
+          </a:blip>
+          <a:srcRect/>
+          <a:stretch>
+            <a:fillRect/>
+          </a:stretch>
+        </p:blipFill>
+        <p:spPr bwMode="auto">
+          <a:xfrm>
+            <a:off x="1866900" y="2482373"/>
+            <a:ext cx="8458200" cy="4267200"/>
+          </a:xfrm>
+          <a:prstGeom prst="rect">
+            <a:avLst/>
+          </a:prstGeom>
+          <a:noFill/>
+          <a:ln>
+            <a:noFill/>
+          </a:ln>
+        </p:spPr>
+      </p:pic>
+    </p:spTree>
+    <p:extLst>
+      <p:ext uri="{BB962C8B-B14F-4D97-AF65-F5344CB8AC3E}">
+        <p14:creationId xmlns:p14="http://schemas.microsoft.com/office/powerpoint/2010/main" val="1777487754"/>
+      </p:ext>
+    </p:extLst>
+  </p:cSld>
+  <p:clrMapOvr>
+    <a:masterClrMapping/>
+  </p:clrMapOvr>
+</p:sld>
+</file>
+
+<file path=ppt/slides/slide11.xml><?xml version="1.0" encoding="utf-8"?>
+<p:sld xmlns:a="http://schemas.openxmlformats.org/drawingml/2006/main" xmlns:r="http://schemas.openxmlformats.org/officeDocument/2006/relationships" xmlns:p="http://schemas.openxmlformats.org/presentationml/2006/main">
+  <p:cSld>
+    <p:spTree>
+      <p:nvGrpSpPr>
+        <p:cNvPr id="1" name=""/>
+        <p:cNvGrpSpPr/>
+        <p:nvPr/>
+      </p:nvGrpSpPr>
+      <p:grpSpPr>
+        <a:xfrm>
+          <a:off x="0" y="0"/>
+          <a:ext cx="0" cy="0"/>
+          <a:chOff x="0" y="0"/>
+          <a:chExt cx="0" cy="0"/>
+        </a:xfrm>
+      </p:grpSpPr>
+      <p:sp>
+        <p:nvSpPr>
+          <p:cNvPr id="5" name="CuadroTexto 4">
+            <a:extLst>
+              <a:ext uri="{FF2B5EF4-FFF2-40B4-BE49-F238E27FC236}">
+                <a16:creationId xmlns:a16="http://schemas.microsoft.com/office/drawing/2014/main" id="{6AA9D110-6FFC-455A-8208-CF01108FD59E}"/>
+              </a:ext>
+            </a:extLst>
+          </p:cNvPr>
+          <p:cNvSpPr txBox="1"/>
+          <p:nvPr/>
+        </p:nvSpPr>
+        <p:spPr>
+          <a:xfrm>
+            <a:off x="304800" y="108427"/>
+            <a:ext cx="11277600" cy="892552"/>
+          </a:xfrm>
+          <a:prstGeom prst="rect">
+            <a:avLst/>
+          </a:prstGeom>
+          <a:noFill/>
+        </p:spPr>
+        <p:txBody>
+          <a:bodyPr wrap="square" rtlCol="0">
+            <a:spAutoFit/>
+          </a:bodyPr>
+          <a:lstStyle/>
+          <a:p>
+            <a:pPr algn="ctr"/>
+            <a:r>
+              <a:rPr lang="es-ES" sz="2800" b="1" dirty="0"/>
+              <a:t>Proyecto </a:t>
+            </a:r>
+            <a:r>
+              <a:rPr lang="es-ES" sz="2800" b="1" dirty="0" err="1"/>
+              <a:t>YEYO’s</a:t>
+            </a:r>
+            <a:r>
+              <a:rPr lang="es-ES" sz="2800" b="1" dirty="0"/>
+              <a:t> Store</a:t>
+            </a:r>
+          </a:p>
+          <a:p>
+            <a:pPr algn="ctr"/>
+            <a:r>
+              <a:rPr lang="es-ES" sz="2400" dirty="0"/>
+              <a:t>Pruebas de conectividad</a:t>
+            </a:r>
+            <a:endParaRPr lang="es-MX" sz="2400" dirty="0"/>
+          </a:p>
+        </p:txBody>
+      </p:sp>
+      <p:sp>
+        <p:nvSpPr>
+          <p:cNvPr id="6" name="CuadroTexto 5">
+            <a:extLst>
+              <a:ext uri="{FF2B5EF4-FFF2-40B4-BE49-F238E27FC236}">
+                <a16:creationId xmlns:a16="http://schemas.microsoft.com/office/drawing/2014/main" id="{08469AA5-1C37-4430-8F13-BFEA1765CEA0}"/>
+              </a:ext>
+            </a:extLst>
+          </p:cNvPr>
+          <p:cNvSpPr txBox="1"/>
+          <p:nvPr/>
+        </p:nvSpPr>
+        <p:spPr>
+          <a:xfrm>
+            <a:off x="723900" y="1524000"/>
+            <a:ext cx="10706100" cy="4517840"/>
+          </a:xfrm>
+          <a:prstGeom prst="rect">
+            <a:avLst/>
+          </a:prstGeom>
+          <a:noFill/>
+        </p:spPr>
+        <p:txBody>
+          <a:bodyPr wrap="square">
+            <a:spAutoFit/>
+          </a:bodyPr>
+          <a:lstStyle/>
+          <a:p>
+            <a:pPr marL="342900" indent="-342900" algn="just">
+              <a:lnSpc>
+                <a:spcPct val="107000"/>
+              </a:lnSpc>
+              <a:spcAft>
+                <a:spcPts val="800"/>
+              </a:spcAft>
+              <a:buAutoNum type="arabicPeriod"/>
+            </a:pPr>
+            <a:r>
+              <a:rPr lang="es-ES" sz="2000" dirty="0">
+                <a:effectLst/>
+                <a:latin typeface="Arial" panose="020B0604020202020204" pitchFamily="34" charset="0"/>
+                <a:ea typeface="Calibri" panose="020F0502020204030204" pitchFamily="34" charset="0"/>
+                <a:cs typeface="Times New Roman" panose="02020603050405020304" pitchFamily="18" charset="0"/>
+              </a:rPr>
+              <a:t>Copiar configuraciones y esperar convergencia de la red. Podemos acelerar el proceso con </a:t>
+            </a:r>
+            <a:r>
+              <a:rPr lang="es-ES" sz="2000" b="1" dirty="0" err="1">
+                <a:effectLst/>
+                <a:latin typeface="Arial" panose="020B0604020202020204" pitchFamily="34" charset="0"/>
+                <a:ea typeface="Calibri" panose="020F0502020204030204" pitchFamily="34" charset="0"/>
+                <a:cs typeface="Times New Roman" panose="02020603050405020304" pitchFamily="18" charset="0"/>
+              </a:rPr>
+              <a:t>fast</a:t>
+            </a:r>
+            <a:r>
+              <a:rPr lang="es-ES" sz="2000" b="1" dirty="0">
+                <a:effectLst/>
+                <a:latin typeface="Arial" panose="020B0604020202020204" pitchFamily="34" charset="0"/>
+                <a:ea typeface="Calibri" panose="020F0502020204030204" pitchFamily="34" charset="0"/>
+                <a:cs typeface="Times New Roman" panose="02020603050405020304" pitchFamily="18" charset="0"/>
+              </a:rPr>
+              <a:t> forward</a:t>
+            </a:r>
+            <a:r>
+              <a:rPr lang="es-ES" sz="2000" dirty="0">
+                <a:effectLst/>
+                <a:latin typeface="Arial" panose="020B0604020202020204" pitchFamily="34" charset="0"/>
+                <a:ea typeface="Calibri" panose="020F0502020204030204" pitchFamily="34" charset="0"/>
+                <a:cs typeface="Times New Roman" panose="02020603050405020304" pitchFamily="18" charset="0"/>
+              </a:rPr>
+              <a:t>.</a:t>
+            </a:r>
+          </a:p>
+          <a:p>
+            <a:pPr marL="342900" indent="-342900" algn="just">
+              <a:lnSpc>
+                <a:spcPct val="107000"/>
+              </a:lnSpc>
+              <a:spcAft>
+                <a:spcPts val="800"/>
+              </a:spcAft>
+              <a:buAutoNum type="arabicPeriod"/>
+            </a:pPr>
+            <a:r>
+              <a:rPr lang="es-ES" sz="2000" dirty="0">
+                <a:latin typeface="Arial" panose="020B0604020202020204" pitchFamily="34" charset="0"/>
+                <a:ea typeface="Calibri" panose="020F0502020204030204" pitchFamily="34" charset="0"/>
+                <a:cs typeface="Times New Roman" panose="02020603050405020304" pitchFamily="18" charset="0"/>
+              </a:rPr>
+              <a:t>Verificar funcionamiento de </a:t>
+            </a:r>
+            <a:r>
+              <a:rPr lang="es-ES" sz="2000" b="1" dirty="0">
+                <a:latin typeface="Arial" panose="020B0604020202020204" pitchFamily="34" charset="0"/>
+                <a:ea typeface="Calibri" panose="020F0502020204030204" pitchFamily="34" charset="0"/>
+                <a:cs typeface="Times New Roman" panose="02020603050405020304" pitchFamily="18" charset="0"/>
+              </a:rPr>
+              <a:t>DHCP</a:t>
+            </a:r>
+            <a:r>
+              <a:rPr lang="es-ES" sz="2000" dirty="0">
+                <a:latin typeface="Arial" panose="020B0604020202020204" pitchFamily="34" charset="0"/>
+                <a:ea typeface="Calibri" panose="020F0502020204030204" pitchFamily="34" charset="0"/>
+                <a:cs typeface="Times New Roman" panose="02020603050405020304" pitchFamily="18" charset="0"/>
+              </a:rPr>
+              <a:t>.</a:t>
+            </a:r>
+          </a:p>
+          <a:p>
+            <a:pPr marL="342900" indent="-342900" algn="just">
+              <a:lnSpc>
+                <a:spcPct val="107000"/>
+              </a:lnSpc>
+              <a:spcAft>
+                <a:spcPts val="800"/>
+              </a:spcAft>
+              <a:buAutoNum type="arabicPeriod"/>
+            </a:pPr>
+            <a:r>
+              <a:rPr lang="es-MX" sz="2000" dirty="0">
+                <a:latin typeface="Arial" panose="020B0604020202020204" pitchFamily="34" charset="0"/>
+                <a:cs typeface="Times New Roman" panose="02020603050405020304" pitchFamily="18" charset="0"/>
+              </a:rPr>
+              <a:t>Probar la conectividad de la red de </a:t>
+            </a:r>
+            <a:r>
+              <a:rPr lang="es-MX" sz="2000" b="1" dirty="0">
+                <a:latin typeface="Arial" panose="020B0604020202020204" pitchFamily="34" charset="0"/>
+                <a:cs typeface="Times New Roman" panose="02020603050405020304" pitchFamily="18" charset="0"/>
+              </a:rPr>
+              <a:t>Querétaro</a:t>
+            </a:r>
+            <a:r>
+              <a:rPr lang="es-MX" sz="2000" dirty="0">
+                <a:latin typeface="Arial" panose="020B0604020202020204" pitchFamily="34" charset="0"/>
+                <a:cs typeface="Times New Roman" panose="02020603050405020304" pitchFamily="18" charset="0"/>
+              </a:rPr>
+              <a:t> hacia el </a:t>
+            </a:r>
+            <a:r>
+              <a:rPr lang="es-MX" sz="2000" b="1" dirty="0">
+                <a:latin typeface="Arial" panose="020B0604020202020204" pitchFamily="34" charset="0"/>
+                <a:cs typeface="Times New Roman" panose="02020603050405020304" pitchFamily="18" charset="0"/>
+              </a:rPr>
+              <a:t>exterior</a:t>
+            </a:r>
+            <a:r>
+              <a:rPr lang="es-MX" sz="2000" dirty="0">
+                <a:latin typeface="Arial" panose="020B0604020202020204" pitchFamily="34" charset="0"/>
+                <a:cs typeface="Times New Roman" panose="02020603050405020304" pitchFamily="18" charset="0"/>
+              </a:rPr>
+              <a:t>.</a:t>
+            </a:r>
+          </a:p>
+          <a:p>
+            <a:pPr marL="342900" indent="-342900" algn="just">
+              <a:lnSpc>
+                <a:spcPct val="107000"/>
+              </a:lnSpc>
+              <a:spcAft>
+                <a:spcPts val="800"/>
+              </a:spcAft>
+              <a:buAutoNum type="arabicPeriod"/>
+            </a:pPr>
+            <a:r>
+              <a:rPr lang="es-MX" sz="2000" dirty="0">
+                <a:latin typeface="Arial" panose="020B0604020202020204" pitchFamily="34" charset="0"/>
+                <a:cs typeface="Times New Roman" panose="02020603050405020304" pitchFamily="18" charset="0"/>
+              </a:rPr>
+              <a:t>Probar la conectividad entre la red de </a:t>
+            </a:r>
+            <a:r>
+              <a:rPr lang="es-MX" sz="2000" b="1" dirty="0">
+                <a:latin typeface="Arial" panose="020B0604020202020204" pitchFamily="34" charset="0"/>
+                <a:cs typeface="Times New Roman" panose="02020603050405020304" pitchFamily="18" charset="0"/>
+              </a:rPr>
+              <a:t>Querétaro</a:t>
+            </a:r>
+            <a:r>
+              <a:rPr lang="es-MX" sz="2000" dirty="0">
+                <a:latin typeface="Arial" panose="020B0604020202020204" pitchFamily="34" charset="0"/>
+                <a:cs typeface="Times New Roman" panose="02020603050405020304" pitchFamily="18" charset="0"/>
+              </a:rPr>
+              <a:t> y </a:t>
+            </a:r>
+            <a:r>
+              <a:rPr lang="es-MX" sz="2000" b="1" dirty="0">
+                <a:latin typeface="Arial" panose="020B0604020202020204" pitchFamily="34" charset="0"/>
+                <a:cs typeface="Times New Roman" panose="02020603050405020304" pitchFamily="18" charset="0"/>
+              </a:rPr>
+              <a:t>Guadalajara</a:t>
+            </a:r>
+            <a:r>
+              <a:rPr lang="es-MX" sz="2000" dirty="0">
+                <a:latin typeface="Arial" panose="020B0604020202020204" pitchFamily="34" charset="0"/>
+                <a:cs typeface="Times New Roman" panose="02020603050405020304" pitchFamily="18" charset="0"/>
+              </a:rPr>
+              <a:t>.</a:t>
+            </a:r>
+          </a:p>
+          <a:p>
+            <a:pPr marL="342900" indent="-342900" algn="just">
+              <a:lnSpc>
+                <a:spcPct val="107000"/>
+              </a:lnSpc>
+              <a:spcAft>
+                <a:spcPts val="800"/>
+              </a:spcAft>
+              <a:buFontTx/>
+              <a:buAutoNum type="arabicPeriod"/>
+            </a:pPr>
+            <a:r>
+              <a:rPr lang="es-MX" sz="2000" dirty="0">
+                <a:latin typeface="Arial" panose="020B0604020202020204" pitchFamily="34" charset="0"/>
+                <a:cs typeface="Times New Roman" panose="02020603050405020304" pitchFamily="18" charset="0"/>
+              </a:rPr>
+              <a:t>Probar la conectividad entre la red de </a:t>
+            </a:r>
+            <a:r>
+              <a:rPr lang="es-MX" sz="2000" b="1" dirty="0">
+                <a:latin typeface="Arial" panose="020B0604020202020204" pitchFamily="34" charset="0"/>
+                <a:cs typeface="Times New Roman" panose="02020603050405020304" pitchFamily="18" charset="0"/>
+              </a:rPr>
+              <a:t>Guadalajara</a:t>
+            </a:r>
+            <a:r>
+              <a:rPr lang="es-MX" sz="2000" dirty="0">
+                <a:latin typeface="Arial" panose="020B0604020202020204" pitchFamily="34" charset="0"/>
+                <a:cs typeface="Times New Roman" panose="02020603050405020304" pitchFamily="18" charset="0"/>
+              </a:rPr>
+              <a:t> y </a:t>
+            </a:r>
+            <a:r>
+              <a:rPr lang="es-MX" sz="2000" b="1" dirty="0">
+                <a:latin typeface="Arial" panose="020B0604020202020204" pitchFamily="34" charset="0"/>
+                <a:cs typeface="Times New Roman" panose="02020603050405020304" pitchFamily="18" charset="0"/>
+              </a:rPr>
+              <a:t>Querétaro</a:t>
+            </a:r>
+            <a:r>
+              <a:rPr lang="es-MX" sz="2000" dirty="0">
+                <a:latin typeface="Arial" panose="020B0604020202020204" pitchFamily="34" charset="0"/>
+                <a:cs typeface="Times New Roman" panose="02020603050405020304" pitchFamily="18" charset="0"/>
+              </a:rPr>
+              <a:t>.</a:t>
+            </a:r>
+            <a:r>
+              <a:rPr lang="es-ES" sz="1800" dirty="0">
+                <a:effectLst/>
+                <a:latin typeface="Arial" panose="020B0604020202020204" pitchFamily="34" charset="0"/>
+                <a:ea typeface="Calibri" panose="020F0502020204030204" pitchFamily="34" charset="0"/>
+                <a:cs typeface="Times New Roman" panose="02020603050405020304" pitchFamily="18" charset="0"/>
+              </a:rPr>
+              <a:t> </a:t>
+            </a:r>
+          </a:p>
+          <a:p>
+            <a:pPr lvl="1" algn="just">
+              <a:lnSpc>
+                <a:spcPct val="107000"/>
+              </a:lnSpc>
+              <a:spcAft>
+                <a:spcPts val="800"/>
+              </a:spcAft>
+            </a:pPr>
+            <a:r>
+              <a:rPr lang="es-ES" b="1" dirty="0">
+                <a:effectLst/>
+                <a:latin typeface="Arial" panose="020B0604020202020204" pitchFamily="34" charset="0"/>
+                <a:ea typeface="Calibri" panose="020F0502020204030204" pitchFamily="34" charset="0"/>
+                <a:cs typeface="Times New Roman" panose="02020603050405020304" pitchFamily="18" charset="0"/>
+              </a:rPr>
+              <a:t>NOTA: </a:t>
+            </a:r>
+            <a:r>
+              <a:rPr lang="es-ES" dirty="0">
+                <a:effectLst/>
+                <a:latin typeface="Arial" panose="020B0604020202020204" pitchFamily="34" charset="0"/>
+                <a:ea typeface="Calibri" panose="020F0502020204030204" pitchFamily="34" charset="0"/>
+                <a:cs typeface="Times New Roman" panose="02020603050405020304" pitchFamily="18" charset="0"/>
+              </a:rPr>
+              <a:t>Este direccionamiento interno privado lo resuelve el </a:t>
+            </a:r>
+            <a:r>
+              <a:rPr lang="es-ES" dirty="0" err="1">
+                <a:effectLst/>
+                <a:latin typeface="Arial" panose="020B0604020202020204" pitchFamily="34" charset="0"/>
+                <a:ea typeface="Calibri" panose="020F0502020204030204" pitchFamily="34" charset="0"/>
+                <a:cs typeface="Times New Roman" panose="02020603050405020304" pitchFamily="18" charset="0"/>
+              </a:rPr>
+              <a:t>router</a:t>
+            </a:r>
+            <a:r>
+              <a:rPr lang="es-ES" dirty="0">
+                <a:effectLst/>
+                <a:latin typeface="Arial" panose="020B0604020202020204" pitchFamily="34" charset="0"/>
+                <a:ea typeface="Calibri" panose="020F0502020204030204" pitchFamily="34" charset="0"/>
+                <a:cs typeface="Times New Roman" panose="02020603050405020304" pitchFamily="18" charset="0"/>
+              </a:rPr>
+              <a:t> central (Querétaro)</a:t>
+            </a:r>
+            <a:endParaRPr lang="es-MX" dirty="0">
+              <a:effectLst/>
+              <a:latin typeface="Calibri" panose="020F0502020204030204" pitchFamily="34" charset="0"/>
+              <a:ea typeface="Calibri" panose="020F0502020204030204" pitchFamily="34" charset="0"/>
+              <a:cs typeface="Times New Roman" panose="02020603050405020304" pitchFamily="18" charset="0"/>
+            </a:endParaRPr>
+          </a:p>
+          <a:p>
+            <a:pPr marL="342900" indent="-342900" algn="just">
+              <a:lnSpc>
+                <a:spcPct val="107000"/>
+              </a:lnSpc>
+              <a:spcAft>
+                <a:spcPts val="800"/>
+              </a:spcAft>
+              <a:buFontTx/>
+              <a:buAutoNum type="arabicPeriod"/>
+            </a:pPr>
+            <a:r>
+              <a:rPr lang="es-MX" sz="2000" dirty="0">
+                <a:latin typeface="Arial" panose="020B0604020202020204" pitchFamily="34" charset="0"/>
+                <a:cs typeface="Times New Roman" panose="02020603050405020304" pitchFamily="18" charset="0"/>
+              </a:rPr>
+              <a:t>Probar la conectividad de la red de </a:t>
+            </a:r>
+            <a:r>
+              <a:rPr lang="es-MX" sz="2000" b="1" dirty="0">
+                <a:latin typeface="Arial" panose="020B0604020202020204" pitchFamily="34" charset="0"/>
+                <a:cs typeface="Times New Roman" panose="02020603050405020304" pitchFamily="18" charset="0"/>
+              </a:rPr>
+              <a:t>Guadalajara</a:t>
+            </a:r>
+            <a:r>
+              <a:rPr lang="es-MX" sz="2000" dirty="0">
+                <a:latin typeface="Arial" panose="020B0604020202020204" pitchFamily="34" charset="0"/>
+                <a:cs typeface="Times New Roman" panose="02020603050405020304" pitchFamily="18" charset="0"/>
+              </a:rPr>
+              <a:t> hacia el </a:t>
+            </a:r>
+            <a:r>
+              <a:rPr lang="es-MX" sz="2000" b="1" dirty="0">
+                <a:latin typeface="Arial" panose="020B0604020202020204" pitchFamily="34" charset="0"/>
+                <a:cs typeface="Times New Roman" panose="02020603050405020304" pitchFamily="18" charset="0"/>
+              </a:rPr>
+              <a:t>exterior</a:t>
+            </a:r>
+            <a:r>
+              <a:rPr lang="es-MX" sz="2000" dirty="0">
+                <a:latin typeface="Arial" panose="020B0604020202020204" pitchFamily="34" charset="0"/>
+                <a:cs typeface="Times New Roman" panose="02020603050405020304" pitchFamily="18" charset="0"/>
+              </a:rPr>
+              <a:t>.</a:t>
+            </a:r>
+          </a:p>
+          <a:p>
+            <a:pPr marL="342900" indent="-342900" algn="just">
+              <a:lnSpc>
+                <a:spcPct val="107000"/>
+              </a:lnSpc>
+              <a:spcAft>
+                <a:spcPts val="800"/>
+              </a:spcAft>
+              <a:buFontTx/>
+              <a:buAutoNum type="arabicPeriod"/>
+            </a:pPr>
+            <a:r>
+              <a:rPr lang="es-MX" sz="2000" dirty="0">
+                <a:latin typeface="Arial" panose="020B0604020202020204" pitchFamily="34" charset="0"/>
+                <a:cs typeface="Times New Roman" panose="02020603050405020304" pitchFamily="18" charset="0"/>
+              </a:rPr>
+              <a:t>Probar la conectividad del </a:t>
+            </a:r>
+            <a:r>
+              <a:rPr lang="es-MX" sz="2000" b="1" dirty="0">
+                <a:latin typeface="Arial" panose="020B0604020202020204" pitchFamily="34" charset="0"/>
+                <a:cs typeface="Times New Roman" panose="02020603050405020304" pitchFamily="18" charset="0"/>
+              </a:rPr>
+              <a:t>exterior</a:t>
+            </a:r>
+            <a:r>
+              <a:rPr lang="es-MX" sz="2000" dirty="0">
+                <a:latin typeface="Arial" panose="020B0604020202020204" pitchFamily="34" charset="0"/>
+                <a:cs typeface="Times New Roman" panose="02020603050405020304" pitchFamily="18" charset="0"/>
+              </a:rPr>
+              <a:t> hacia las </a:t>
+            </a:r>
+            <a:r>
+              <a:rPr lang="es-MX" sz="2000" b="1" dirty="0">
+                <a:latin typeface="Arial" panose="020B0604020202020204" pitchFamily="34" charset="0"/>
+                <a:cs typeface="Times New Roman" panose="02020603050405020304" pitchFamily="18" charset="0"/>
+              </a:rPr>
+              <a:t>direcciones públicas</a:t>
+            </a:r>
+            <a:r>
+              <a:rPr lang="es-MX" sz="2000" dirty="0">
+                <a:latin typeface="Arial" panose="020B0604020202020204" pitchFamily="34" charset="0"/>
+                <a:cs typeface="Times New Roman" panose="02020603050405020304" pitchFamily="18" charset="0"/>
+              </a:rPr>
+              <a:t>. </a:t>
+            </a:r>
+          </a:p>
+          <a:p>
+            <a:pPr marL="342900" indent="-342900" algn="just">
+              <a:lnSpc>
+                <a:spcPct val="107000"/>
+              </a:lnSpc>
+              <a:spcAft>
+                <a:spcPts val="800"/>
+              </a:spcAft>
+              <a:buAutoNum type="arabicPeriod"/>
+            </a:pPr>
+            <a:endParaRPr lang="es-MX" dirty="0">
+              <a:latin typeface="Arial" panose="020B0604020202020204" pitchFamily="34" charset="0"/>
+              <a:cs typeface="Times New Roman" panose="02020603050405020304" pitchFamily="18" charset="0"/>
+            </a:endParaRPr>
+          </a:p>
+          <a:p>
+            <a:pPr marL="342900" indent="-342900" algn="just">
+              <a:lnSpc>
+                <a:spcPct val="107000"/>
+              </a:lnSpc>
+              <a:spcAft>
+                <a:spcPts val="800"/>
+              </a:spcAft>
+              <a:buAutoNum type="arabicPeriod"/>
+            </a:pPr>
+            <a:endParaRPr lang="es-MX" dirty="0">
+              <a:latin typeface="Arial" panose="020B0604020202020204" pitchFamily="34" charset="0"/>
+              <a:cs typeface="Times New Roman" panose="02020603050405020304" pitchFamily="18" charset="0"/>
+            </a:endParaRPr>
+          </a:p>
+        </p:txBody>
+      </p:sp>
+    </p:spTree>
+    <p:extLst>
+      <p:ext uri="{BB962C8B-B14F-4D97-AF65-F5344CB8AC3E}">
+        <p14:creationId xmlns:p14="http://schemas.microsoft.com/office/powerpoint/2010/main" val="3322806923"/>
+      </p:ext>
+    </p:extLst>
+  </p:cSld>
+  <p:clrMapOvr>
+    <a:masterClrMapping/>
+  </p:clrMapOvr>
+</p:sld>
+</file>
+
+<file path=ppt/slides/slide2.xml><?xml version="1.0" encoding="utf-8"?>
+<p:sld xmlns:a="http://schemas.openxmlformats.org/drawingml/2006/main" xmlns:r="http://schemas.openxmlformats.org/officeDocument/2006/relationships" xmlns:p="http://schemas.openxmlformats.org/presentationml/2006/main">
+  <p:cSld>
+    <p:spTree>
+      <p:nvGrpSpPr>
+        <p:cNvPr id="1" name=""/>
+        <p:cNvGrpSpPr/>
+        <p:nvPr/>
+      </p:nvGrpSpPr>
+      <p:grpSpPr>
+        <a:xfrm>
+          <a:off x="0" y="0"/>
+          <a:ext cx="0" cy="0"/>
+          <a:chOff x="0" y="0"/>
+          <a:chExt cx="0" cy="0"/>
+        </a:xfrm>
+      </p:grpSpPr>
+      <p:pic>
+        <p:nvPicPr>
+          <p:cNvPr id="11" name="Imagen 10">
+            <a:extLst>
+              <a:ext uri="{FF2B5EF4-FFF2-40B4-BE49-F238E27FC236}">
+                <a16:creationId xmlns:a16="http://schemas.microsoft.com/office/drawing/2014/main" id="{1947FDDA-8E50-471D-8024-0AC0FF472EDF}"/>
+              </a:ext>
+            </a:extLst>
+          </p:cNvPr>
+          <p:cNvPicPr>
+            <a:picLocks noChangeAspect="1"/>
+          </p:cNvPicPr>
+          <p:nvPr/>
+        </p:nvPicPr>
+        <p:blipFill>
+          <a:blip r:embed="rId2"/>
+          <a:stretch>
+            <a:fillRect/>
+          </a:stretch>
+        </p:blipFill>
+        <p:spPr>
+          <a:xfrm>
+            <a:off x="4191000" y="2209800"/>
+            <a:ext cx="7892778" cy="3937358"/>
+          </a:xfrm>
+          <a:prstGeom prst="rect">
+            <a:avLst/>
+          </a:prstGeom>
+        </p:spPr>
+      </p:pic>
+      <p:sp>
+        <p:nvSpPr>
+          <p:cNvPr id="5" name="CuadroTexto 4">
+            <a:extLst>
+              <a:ext uri="{FF2B5EF4-FFF2-40B4-BE49-F238E27FC236}">
+                <a16:creationId xmlns:a16="http://schemas.microsoft.com/office/drawing/2014/main" id="{6AA9D110-6FFC-455A-8208-CF01108FD59E}"/>
+              </a:ext>
+            </a:extLst>
+          </p:cNvPr>
+          <p:cNvSpPr txBox="1"/>
+          <p:nvPr/>
+        </p:nvSpPr>
+        <p:spPr>
+          <a:xfrm>
+            <a:off x="457200" y="152400"/>
+            <a:ext cx="11277600" cy="523220"/>
+          </a:xfrm>
+          <a:prstGeom prst="rect">
+            <a:avLst/>
+          </a:prstGeom>
+          <a:noFill/>
+        </p:spPr>
+        <p:txBody>
+          <a:bodyPr wrap="square" rtlCol="0">
+            <a:spAutoFit/>
+          </a:bodyPr>
+          <a:lstStyle/>
+          <a:p>
+            <a:pPr algn="ctr"/>
+            <a:r>
+              <a:rPr lang="es-ES" sz="2800" b="1" dirty="0"/>
+              <a:t>Proyecto </a:t>
+            </a:r>
+            <a:r>
+              <a:rPr lang="es-ES" sz="2800" b="1" dirty="0" err="1"/>
+              <a:t>YEYO’s</a:t>
+            </a:r>
+            <a:r>
+              <a:rPr lang="es-ES" sz="2800" b="1" dirty="0"/>
+              <a:t> Store</a:t>
+            </a:r>
+            <a:endParaRPr lang="es-MX" sz="2400" dirty="0"/>
+          </a:p>
+        </p:txBody>
+      </p:sp>
+      <p:sp>
+        <p:nvSpPr>
+          <p:cNvPr id="6" name="CuadroTexto 5">
+            <a:extLst>
+              <a:ext uri="{FF2B5EF4-FFF2-40B4-BE49-F238E27FC236}">
+                <a16:creationId xmlns:a16="http://schemas.microsoft.com/office/drawing/2014/main" id="{718BCBB5-DD5B-4B82-A91F-6CBB6EE527D3}"/>
+              </a:ext>
+            </a:extLst>
+          </p:cNvPr>
+          <p:cNvSpPr txBox="1"/>
+          <p:nvPr/>
+        </p:nvSpPr>
+        <p:spPr>
+          <a:xfrm>
+            <a:off x="397472" y="1003024"/>
+            <a:ext cx="10825163" cy="670120"/>
+          </a:xfrm>
+          <a:prstGeom prst="rect">
+            <a:avLst/>
+          </a:prstGeom>
+          <a:noFill/>
+        </p:spPr>
+        <p:txBody>
+          <a:bodyPr wrap="square">
+            <a:spAutoFit/>
+          </a:bodyPr>
+          <a:lstStyle/>
+          <a:p>
+            <a:pPr>
+              <a:lnSpc>
+                <a:spcPct val="107000"/>
+              </a:lnSpc>
+              <a:spcAft>
+                <a:spcPts val="800"/>
+              </a:spcAft>
+            </a:pPr>
+            <a:r>
+              <a:rPr lang="es-ES" sz="1800" dirty="0">
+                <a:effectLst/>
+                <a:latin typeface="Arial" panose="020B0604020202020204" pitchFamily="34" charset="0"/>
+                <a:ea typeface="Calibri" panose="020F0502020204030204" pitchFamily="34" charset="0"/>
+                <a:cs typeface="Times New Roman" panose="02020603050405020304" pitchFamily="18" charset="0"/>
+              </a:rPr>
+              <a:t>Se nos ha solicitado interconectar el </a:t>
+            </a:r>
+            <a:r>
+              <a:rPr lang="es-ES" sz="1800" b="1" dirty="0" err="1">
+                <a:effectLst/>
+                <a:latin typeface="Arial" panose="020B0604020202020204" pitchFamily="34" charset="0"/>
+                <a:ea typeface="Calibri" panose="020F0502020204030204" pitchFamily="34" charset="0"/>
+                <a:cs typeface="Times New Roman" panose="02020603050405020304" pitchFamily="18" charset="0"/>
+              </a:rPr>
+              <a:t>router</a:t>
+            </a:r>
+            <a:r>
+              <a:rPr lang="es-ES" sz="1800" b="1" dirty="0">
+                <a:effectLst/>
+                <a:latin typeface="Arial" panose="020B0604020202020204" pitchFamily="34" charset="0"/>
+                <a:ea typeface="Calibri" panose="020F0502020204030204" pitchFamily="34" charset="0"/>
+                <a:cs typeface="Times New Roman" panose="02020603050405020304" pitchFamily="18" charset="0"/>
+              </a:rPr>
+              <a:t> de Guadalajara</a:t>
+            </a:r>
+            <a:r>
+              <a:rPr lang="es-ES" sz="1800" dirty="0">
+                <a:effectLst/>
+                <a:latin typeface="Arial" panose="020B0604020202020204" pitchFamily="34" charset="0"/>
+                <a:ea typeface="Calibri" panose="020F0502020204030204" pitchFamily="34" charset="0"/>
+                <a:cs typeface="Times New Roman" panose="02020603050405020304" pitchFamily="18" charset="0"/>
+              </a:rPr>
+              <a:t> con el </a:t>
+            </a:r>
+            <a:r>
+              <a:rPr lang="es-ES" sz="1800" b="1" dirty="0" err="1">
+                <a:effectLst/>
+                <a:latin typeface="Arial" panose="020B0604020202020204" pitchFamily="34" charset="0"/>
+                <a:ea typeface="Calibri" panose="020F0502020204030204" pitchFamily="34" charset="0"/>
+                <a:cs typeface="Times New Roman" panose="02020603050405020304" pitchFamily="18" charset="0"/>
+              </a:rPr>
+              <a:t>router</a:t>
+            </a:r>
+            <a:r>
+              <a:rPr lang="es-ES" sz="1800" b="1" dirty="0">
+                <a:effectLst/>
+                <a:latin typeface="Arial" panose="020B0604020202020204" pitchFamily="34" charset="0"/>
+                <a:ea typeface="Calibri" panose="020F0502020204030204" pitchFamily="34" charset="0"/>
+                <a:cs typeface="Times New Roman" panose="02020603050405020304" pitchFamily="18" charset="0"/>
+              </a:rPr>
+              <a:t> de Querétaro</a:t>
+            </a:r>
+            <a:r>
+              <a:rPr lang="es-ES" sz="1800" dirty="0">
+                <a:effectLst/>
+                <a:latin typeface="Arial" panose="020B0604020202020204" pitchFamily="34" charset="0"/>
+                <a:ea typeface="Calibri" panose="020F0502020204030204" pitchFamily="34" charset="0"/>
+                <a:cs typeface="Times New Roman" panose="02020603050405020304" pitchFamily="18" charset="0"/>
+              </a:rPr>
+              <a:t> y verificar que todo sea funcional. </a:t>
+            </a:r>
+            <a:endParaRPr lang="es-MX" sz="1600" dirty="0">
+              <a:effectLst/>
+              <a:latin typeface="Calibri" panose="020F0502020204030204" pitchFamily="34" charset="0"/>
+              <a:ea typeface="Calibri" panose="020F0502020204030204" pitchFamily="34" charset="0"/>
+              <a:cs typeface="Times New Roman" panose="02020603050405020304" pitchFamily="18" charset="0"/>
+            </a:endParaRPr>
+          </a:p>
+        </p:txBody>
+      </p:sp>
+      <p:sp>
+        <p:nvSpPr>
+          <p:cNvPr id="7" name="CuadroTexto 6">
+            <a:extLst>
+              <a:ext uri="{FF2B5EF4-FFF2-40B4-BE49-F238E27FC236}">
+                <a16:creationId xmlns:a16="http://schemas.microsoft.com/office/drawing/2014/main" id="{9C6F5B87-A063-4898-98C5-31B1714463B1}"/>
+              </a:ext>
+            </a:extLst>
+          </p:cNvPr>
+          <p:cNvSpPr txBox="1"/>
+          <p:nvPr/>
+        </p:nvSpPr>
+        <p:spPr>
+          <a:xfrm>
+            <a:off x="378618" y="1845642"/>
+            <a:ext cx="7241382" cy="1171667"/>
+          </a:xfrm>
+          <a:prstGeom prst="rect">
+            <a:avLst/>
+          </a:prstGeom>
+          <a:noFill/>
+        </p:spPr>
+        <p:txBody>
+          <a:bodyPr wrap="square">
+            <a:spAutoFit/>
+          </a:bodyPr>
+          <a:lstStyle/>
+          <a:p>
+            <a:pPr>
+              <a:lnSpc>
+                <a:spcPct val="107000"/>
+              </a:lnSpc>
+              <a:spcAft>
+                <a:spcPts val="800"/>
+              </a:spcAft>
+            </a:pPr>
+            <a:r>
+              <a:rPr lang="es-ES" dirty="0">
+                <a:effectLst/>
+                <a:latin typeface="Arial" panose="020B0604020202020204" pitchFamily="34" charset="0"/>
+                <a:ea typeface="Calibri" panose="020F0502020204030204" pitchFamily="34" charset="0"/>
+                <a:cs typeface="Times New Roman" panose="02020603050405020304" pitchFamily="18" charset="0"/>
+              </a:rPr>
+              <a:t>Realizar pruebas de conectividad de la residencia (Guadalajara):</a:t>
+            </a:r>
+          </a:p>
+          <a:p>
+            <a:pPr marL="285750" indent="-285750">
+              <a:lnSpc>
+                <a:spcPct val="107000"/>
+              </a:lnSpc>
+              <a:spcAft>
+                <a:spcPts val="800"/>
+              </a:spcAft>
+              <a:buFont typeface="Arial" panose="020B0604020202020204" pitchFamily="34" charset="0"/>
+              <a:buChar char="•"/>
+            </a:pPr>
+            <a:r>
+              <a:rPr lang="es-ES" dirty="0">
+                <a:latin typeface="Arial" panose="020B0604020202020204" pitchFamily="34" charset="0"/>
+                <a:ea typeface="Calibri" panose="020F0502020204030204" pitchFamily="34" charset="0"/>
+                <a:cs typeface="Times New Roman" panose="02020603050405020304" pitchFamily="18" charset="0"/>
+              </a:rPr>
+              <a:t>H</a:t>
+            </a:r>
+            <a:r>
+              <a:rPr lang="es-ES" dirty="0">
+                <a:effectLst/>
+                <a:latin typeface="Arial" panose="020B0604020202020204" pitchFamily="34" charset="0"/>
+                <a:ea typeface="Calibri" panose="020F0502020204030204" pitchFamily="34" charset="0"/>
+                <a:cs typeface="Times New Roman" panose="02020603050405020304" pitchFamily="18" charset="0"/>
+              </a:rPr>
+              <a:t>acia el exterior.</a:t>
+            </a:r>
+          </a:p>
+          <a:p>
+            <a:pPr marL="285750" indent="-285750">
+              <a:lnSpc>
+                <a:spcPct val="107000"/>
+              </a:lnSpc>
+              <a:spcAft>
+                <a:spcPts val="800"/>
+              </a:spcAft>
+              <a:buFont typeface="Arial" panose="020B0604020202020204" pitchFamily="34" charset="0"/>
+              <a:buChar char="•"/>
+            </a:pPr>
+            <a:r>
+              <a:rPr lang="es-ES" dirty="0">
+                <a:effectLst/>
+                <a:latin typeface="Arial" panose="020B0604020202020204" pitchFamily="34" charset="0"/>
+                <a:ea typeface="Calibri" panose="020F0502020204030204" pitchFamily="34" charset="0"/>
+                <a:cs typeface="Times New Roman" panose="02020603050405020304" pitchFamily="18" charset="0"/>
+              </a:rPr>
+              <a:t>Hacia la red de </a:t>
+            </a:r>
+            <a:r>
+              <a:rPr lang="es-ES" dirty="0" err="1">
+                <a:effectLst/>
+                <a:latin typeface="Arial" panose="020B0604020202020204" pitchFamily="34" charset="0"/>
+                <a:ea typeface="Calibri" panose="020F0502020204030204" pitchFamily="34" charset="0"/>
+                <a:cs typeface="Times New Roman" panose="02020603050405020304" pitchFamily="18" charset="0"/>
+              </a:rPr>
+              <a:t>YEYO’s</a:t>
+            </a:r>
+            <a:r>
+              <a:rPr lang="es-ES" dirty="0">
+                <a:effectLst/>
+                <a:latin typeface="Arial" panose="020B0604020202020204" pitchFamily="34" charset="0"/>
+                <a:ea typeface="Calibri" panose="020F0502020204030204" pitchFamily="34" charset="0"/>
+                <a:cs typeface="Times New Roman" panose="02020603050405020304" pitchFamily="18" charset="0"/>
+              </a:rPr>
+              <a:t>  Store (servidor y cámara web).</a:t>
+            </a:r>
+            <a:endParaRPr lang="es-MX" dirty="0">
+              <a:effectLst/>
+              <a:latin typeface="Calibri" panose="020F0502020204030204" pitchFamily="34" charset="0"/>
+              <a:ea typeface="Calibri" panose="020F0502020204030204" pitchFamily="34" charset="0"/>
+              <a:cs typeface="Times New Roman" panose="02020603050405020304" pitchFamily="18" charset="0"/>
+            </a:endParaRPr>
+          </a:p>
+        </p:txBody>
+      </p:sp>
+      <p:sp>
+        <p:nvSpPr>
+          <p:cNvPr id="9" name="CuadroTexto 8">
+            <a:extLst>
+              <a:ext uri="{FF2B5EF4-FFF2-40B4-BE49-F238E27FC236}">
+                <a16:creationId xmlns:a16="http://schemas.microsoft.com/office/drawing/2014/main" id="{B1C29966-A590-4849-8245-9A12FA046E39}"/>
+              </a:ext>
+            </a:extLst>
+          </p:cNvPr>
+          <p:cNvSpPr txBox="1"/>
+          <p:nvPr/>
+        </p:nvSpPr>
+        <p:spPr>
+          <a:xfrm>
+            <a:off x="378618" y="3276600"/>
+            <a:ext cx="3507582" cy="1661802"/>
+          </a:xfrm>
+          <a:prstGeom prst="rect">
+            <a:avLst/>
+          </a:prstGeom>
+          <a:noFill/>
+        </p:spPr>
+        <p:txBody>
+          <a:bodyPr wrap="square">
+            <a:spAutoFit/>
+          </a:bodyPr>
+          <a:lstStyle/>
+          <a:p>
+            <a:pPr>
+              <a:lnSpc>
+                <a:spcPct val="107000"/>
+              </a:lnSpc>
+              <a:spcAft>
+                <a:spcPts val="800"/>
+              </a:spcAft>
+            </a:pPr>
+            <a:r>
+              <a:rPr lang="es-ES" dirty="0">
+                <a:latin typeface="Arial" panose="020B0604020202020204" pitchFamily="34" charset="0"/>
+                <a:cs typeface="Times New Roman" panose="02020603050405020304" pitchFamily="18" charset="0"/>
+              </a:rPr>
+              <a:t>Tenemos dos direccionamientos privados distintos.</a:t>
+            </a:r>
+            <a:endParaRPr lang="es-MX" dirty="0">
+              <a:latin typeface="Arial" panose="020B0604020202020204" pitchFamily="34" charset="0"/>
+              <a:cs typeface="Times New Roman" panose="02020603050405020304" pitchFamily="18" charset="0"/>
+            </a:endParaRPr>
+          </a:p>
+          <a:p>
+            <a:pPr>
+              <a:lnSpc>
+                <a:spcPct val="107000"/>
+              </a:lnSpc>
+              <a:spcAft>
+                <a:spcPts val="800"/>
+              </a:spcAft>
+            </a:pPr>
+            <a:r>
+              <a:rPr lang="es-ES" dirty="0">
+                <a:solidFill>
+                  <a:schemeClr val="tx1">
+                    <a:lumMod val="95000"/>
+                    <a:lumOff val="5000"/>
+                  </a:schemeClr>
+                </a:solidFill>
+                <a:latin typeface="Arial" panose="020B0604020202020204" pitchFamily="34" charset="0"/>
+                <a:ea typeface="Calibri" panose="020F0502020204030204" pitchFamily="34" charset="0"/>
+                <a:cs typeface="Times New Roman" panose="02020603050405020304" pitchFamily="18" charset="0"/>
+              </a:rPr>
+              <a:t>NOTA: </a:t>
+            </a:r>
+            <a:r>
+              <a:rPr lang="es-ES" dirty="0">
+                <a:solidFill>
+                  <a:schemeClr val="tx1">
+                    <a:lumMod val="95000"/>
+                    <a:lumOff val="5000"/>
+                  </a:schemeClr>
+                </a:solidFill>
+                <a:effectLst/>
+                <a:latin typeface="Arial" panose="020B0604020202020204" pitchFamily="34" charset="0"/>
+                <a:ea typeface="Calibri" panose="020F0502020204030204" pitchFamily="34" charset="0"/>
+                <a:cs typeface="Times New Roman" panose="02020603050405020304" pitchFamily="18" charset="0"/>
+              </a:rPr>
+              <a:t>No hay intercambio de información entre redes privadas. </a:t>
+            </a:r>
+            <a:endParaRPr lang="es-MX" dirty="0">
+              <a:solidFill>
+                <a:schemeClr val="tx1">
+                  <a:lumMod val="95000"/>
+                  <a:lumOff val="5000"/>
+                </a:schemeClr>
+              </a:solidFill>
+              <a:effectLst/>
+              <a:latin typeface="Calibri" panose="020F0502020204030204" pitchFamily="34" charset="0"/>
+              <a:ea typeface="Calibri" panose="020F0502020204030204" pitchFamily="34" charset="0"/>
+              <a:cs typeface="Times New Roman" panose="02020603050405020304" pitchFamily="18" charset="0"/>
+            </a:endParaRPr>
+          </a:p>
+        </p:txBody>
+      </p:sp>
+    </p:spTree>
+    <p:extLst>
+      <p:ext uri="{BB962C8B-B14F-4D97-AF65-F5344CB8AC3E}">
+        <p14:creationId xmlns:p14="http://schemas.microsoft.com/office/powerpoint/2010/main" val="4084882597"/>
+      </p:ext>
+    </p:extLst>
+  </p:cSld>
+  <p:clrMapOvr>
+    <a:masterClrMapping/>
+  </p:clrMapOvr>
+</p:sld>
+</file>
+
+<file path=ppt/slides/slide3.xml><?xml version="1.0" encoding="utf-8"?>
+<p:sld xmlns:a="http://schemas.openxmlformats.org/drawingml/2006/main" xmlns:r="http://schemas.openxmlformats.org/officeDocument/2006/relationships" xmlns:p="http://schemas.openxmlformats.org/presentationml/2006/main">
+  <p:cSld>
+    <p:spTree>
+      <p:nvGrpSpPr>
+        <p:cNvPr id="1" name=""/>
+        <p:cNvGrpSpPr/>
+        <p:nvPr/>
+      </p:nvGrpSpPr>
+      <p:grpSpPr>
+        <a:xfrm>
+          <a:off x="0" y="0"/>
+          <a:ext cx="0" cy="0"/>
+          <a:chOff x="0" y="0"/>
+          <a:chExt cx="0" cy="0"/>
+        </a:xfrm>
+      </p:grpSpPr>
+      <p:sp>
+        <p:nvSpPr>
+          <p:cNvPr id="5" name="CuadroTexto 4">
+            <a:extLst>
+              <a:ext uri="{FF2B5EF4-FFF2-40B4-BE49-F238E27FC236}">
+                <a16:creationId xmlns:a16="http://schemas.microsoft.com/office/drawing/2014/main" id="{6AA9D110-6FFC-455A-8208-CF01108FD59E}"/>
+              </a:ext>
+            </a:extLst>
+          </p:cNvPr>
+          <p:cNvSpPr txBox="1"/>
+          <p:nvPr/>
+        </p:nvSpPr>
+        <p:spPr>
+          <a:xfrm>
+            <a:off x="457200" y="152400"/>
+            <a:ext cx="11277600" cy="523220"/>
+          </a:xfrm>
+          <a:prstGeom prst="rect">
+            <a:avLst/>
+          </a:prstGeom>
+          <a:noFill/>
+        </p:spPr>
+        <p:txBody>
+          <a:bodyPr wrap="square" rtlCol="0">
+            <a:spAutoFit/>
+          </a:bodyPr>
+          <a:lstStyle/>
+          <a:p>
+            <a:pPr algn="ctr"/>
+            <a:r>
+              <a:rPr lang="es-ES" sz="2800" b="1" dirty="0"/>
+              <a:t>Proyecto </a:t>
+            </a:r>
+            <a:r>
+              <a:rPr lang="es-ES" sz="2800" b="1" dirty="0" err="1"/>
+              <a:t>YEYO’s</a:t>
+            </a:r>
+            <a:r>
+              <a:rPr lang="es-ES" sz="2800" b="1" dirty="0"/>
+              <a:t> Store</a:t>
+            </a:r>
+            <a:endParaRPr lang="es-MX" sz="2400" dirty="0"/>
+          </a:p>
+        </p:txBody>
+      </p:sp>
+      <p:sp>
+        <p:nvSpPr>
+          <p:cNvPr id="6" name="CuadroTexto 5">
+            <a:extLst>
+              <a:ext uri="{FF2B5EF4-FFF2-40B4-BE49-F238E27FC236}">
+                <a16:creationId xmlns:a16="http://schemas.microsoft.com/office/drawing/2014/main" id="{718BCBB5-DD5B-4B82-A91F-6CBB6EE527D3}"/>
+              </a:ext>
+            </a:extLst>
+          </p:cNvPr>
+          <p:cNvSpPr txBox="1"/>
+          <p:nvPr/>
+        </p:nvSpPr>
+        <p:spPr>
+          <a:xfrm>
+            <a:off x="608409" y="1066800"/>
+            <a:ext cx="10975182" cy="1069075"/>
+          </a:xfrm>
+          <a:prstGeom prst="rect">
+            <a:avLst/>
+          </a:prstGeom>
+          <a:noFill/>
+        </p:spPr>
+        <p:txBody>
+          <a:bodyPr wrap="square">
+            <a:spAutoFit/>
+          </a:bodyPr>
+          <a:lstStyle/>
+          <a:p>
+            <a:pPr>
+              <a:lnSpc>
+                <a:spcPct val="107000"/>
+              </a:lnSpc>
+              <a:spcAft>
+                <a:spcPts val="800"/>
+              </a:spcAft>
+            </a:pPr>
+            <a:r>
+              <a:rPr lang="es-ES" sz="1800" dirty="0">
+                <a:effectLst/>
+                <a:latin typeface="Arial" panose="020B0604020202020204" pitchFamily="34" charset="0"/>
+                <a:ea typeface="Calibri" panose="020F0502020204030204" pitchFamily="34" charset="0"/>
+                <a:cs typeface="Times New Roman" panose="02020603050405020304" pitchFamily="18" charset="0"/>
+              </a:rPr>
+              <a:t>Tenemos </a:t>
+            </a:r>
+            <a:r>
+              <a:rPr lang="es-ES" sz="1800" b="1" dirty="0">
+                <a:effectLst/>
+                <a:latin typeface="Arial" panose="020B0604020202020204" pitchFamily="34" charset="0"/>
+                <a:ea typeface="Calibri" panose="020F0502020204030204" pitchFamily="34" charset="0"/>
+                <a:cs typeface="Times New Roman" panose="02020603050405020304" pitchFamily="18" charset="0"/>
+              </a:rPr>
+              <a:t>dos proveedores de servicios distintos</a:t>
+            </a:r>
+            <a:r>
+              <a:rPr lang="es-ES" sz="1800" dirty="0">
+                <a:effectLst/>
+                <a:latin typeface="Arial" panose="020B0604020202020204" pitchFamily="34" charset="0"/>
+                <a:ea typeface="Calibri" panose="020F0502020204030204" pitchFamily="34" charset="0"/>
+                <a:cs typeface="Times New Roman" panose="02020603050405020304" pitchFamily="18" charset="0"/>
+              </a:rPr>
+              <a:t>.</a:t>
+            </a:r>
+          </a:p>
+          <a:p>
+            <a:pPr algn="just">
+              <a:lnSpc>
+                <a:spcPct val="107000"/>
+              </a:lnSpc>
+              <a:spcAft>
+                <a:spcPts val="800"/>
+              </a:spcAft>
+            </a:pPr>
+            <a:r>
+              <a:rPr lang="es-ES" sz="1800" dirty="0">
+                <a:effectLst/>
+                <a:latin typeface="Arial" panose="020B0604020202020204" pitchFamily="34" charset="0"/>
+                <a:ea typeface="Calibri" panose="020F0502020204030204" pitchFamily="34" charset="0"/>
+              </a:rPr>
+              <a:t>El reto es interconectar la red de </a:t>
+            </a:r>
+            <a:r>
+              <a:rPr lang="es-ES" sz="1800" b="1" dirty="0">
+                <a:effectLst/>
+                <a:latin typeface="Arial" panose="020B0604020202020204" pitchFamily="34" charset="0"/>
+                <a:ea typeface="Calibri" panose="020F0502020204030204" pitchFamily="34" charset="0"/>
+              </a:rPr>
+              <a:t>Guadalajara </a:t>
+            </a:r>
+            <a:r>
+              <a:rPr lang="es-ES" sz="1800" dirty="0">
+                <a:effectLst/>
+                <a:latin typeface="Arial" panose="020B0604020202020204" pitchFamily="34" charset="0"/>
+                <a:ea typeface="Calibri" panose="020F0502020204030204" pitchFamily="34" charset="0"/>
+              </a:rPr>
+              <a:t>con la red de</a:t>
+            </a:r>
+            <a:r>
+              <a:rPr lang="es-ES" sz="1800" b="1" dirty="0">
+                <a:effectLst/>
+                <a:latin typeface="Arial" panose="020B0604020202020204" pitchFamily="34" charset="0"/>
+                <a:ea typeface="Calibri" panose="020F0502020204030204" pitchFamily="34" charset="0"/>
+              </a:rPr>
+              <a:t> Querétaro </a:t>
+            </a:r>
+            <a:r>
+              <a:rPr lang="es-ES" sz="1800" dirty="0">
+                <a:effectLst/>
+                <a:latin typeface="Arial" panose="020B0604020202020204" pitchFamily="34" charset="0"/>
+                <a:ea typeface="Calibri" panose="020F0502020204030204" pitchFamily="34" charset="0"/>
+              </a:rPr>
+              <a:t>y no depender del proveedor de servicios </a:t>
+            </a:r>
+            <a:r>
+              <a:rPr lang="es-ES" sz="1800" b="1" dirty="0">
+                <a:effectLst/>
+                <a:latin typeface="Arial" panose="020B0604020202020204" pitchFamily="34" charset="0"/>
+                <a:ea typeface="Calibri" panose="020F0502020204030204" pitchFamily="34" charset="0"/>
+              </a:rPr>
+              <a:t>IZZI</a:t>
+            </a:r>
+            <a:r>
+              <a:rPr lang="es-ES" sz="1800" dirty="0">
+                <a:effectLst/>
+                <a:latin typeface="Arial" panose="020B0604020202020204" pitchFamily="34" charset="0"/>
+                <a:ea typeface="Calibri" panose="020F0502020204030204" pitchFamily="34" charset="0"/>
+              </a:rPr>
+              <a:t>. </a:t>
+            </a:r>
+            <a:endParaRPr lang="es-MX" sz="1600" dirty="0">
+              <a:effectLst/>
+              <a:latin typeface="Calibri" panose="020F0502020204030204" pitchFamily="34" charset="0"/>
+              <a:ea typeface="Calibri" panose="020F0502020204030204" pitchFamily="34" charset="0"/>
+              <a:cs typeface="Times New Roman" panose="02020603050405020304" pitchFamily="18" charset="0"/>
+            </a:endParaRPr>
+          </a:p>
+        </p:txBody>
+      </p:sp>
+      <p:pic>
+        <p:nvPicPr>
+          <p:cNvPr id="8" name="Imagen 7">
+            <a:extLst>
+              <a:ext uri="{FF2B5EF4-FFF2-40B4-BE49-F238E27FC236}">
+                <a16:creationId xmlns:a16="http://schemas.microsoft.com/office/drawing/2014/main" id="{8731809B-4A13-45C3-817E-BB3E4AF8B0BF}"/>
+              </a:ext>
+            </a:extLst>
+          </p:cNvPr>
+          <p:cNvPicPr>
+            <a:picLocks noChangeAspect="1"/>
+          </p:cNvPicPr>
+          <p:nvPr/>
+        </p:nvPicPr>
+        <p:blipFill>
+          <a:blip r:embed="rId2"/>
+          <a:stretch>
+            <a:fillRect/>
+          </a:stretch>
+        </p:blipFill>
+        <p:spPr>
+          <a:xfrm>
+            <a:off x="2209800" y="1981200"/>
+            <a:ext cx="8248476" cy="4114800"/>
+          </a:xfrm>
+          <a:prstGeom prst="rect">
+            <a:avLst/>
+          </a:prstGeom>
+        </p:spPr>
+      </p:pic>
+    </p:spTree>
+    <p:extLst>
+      <p:ext uri="{BB962C8B-B14F-4D97-AF65-F5344CB8AC3E}">
+        <p14:creationId xmlns:p14="http://schemas.microsoft.com/office/powerpoint/2010/main" val="4242598266"/>
+      </p:ext>
+    </p:extLst>
+  </p:cSld>
+  <p:clrMapOvr>
+    <a:masterClrMapping/>
+  </p:clrMapOvr>
+</p:sld>
+</file>
+
+<file path=ppt/slides/slide4.xml><?xml version="1.0" encoding="utf-8"?>
+<p:sld xmlns:a="http://schemas.openxmlformats.org/drawingml/2006/main" xmlns:r="http://schemas.openxmlformats.org/officeDocument/2006/relationships" xmlns:p="http://schemas.openxmlformats.org/presentationml/2006/main">
+  <p:cSld>
+    <p:spTree>
+      <p:nvGrpSpPr>
+        <p:cNvPr id="1" name=""/>
+        <p:cNvGrpSpPr/>
+        <p:nvPr/>
+      </p:nvGrpSpPr>
+      <p:grpSpPr>
+        <a:xfrm>
+          <a:off x="0" y="0"/>
+          <a:ext cx="0" cy="0"/>
+          <a:chOff x="0" y="0"/>
+          <a:chExt cx="0" cy="0"/>
+        </a:xfrm>
+      </p:grpSpPr>
+      <p:pic>
+        <p:nvPicPr>
+          <p:cNvPr id="9" name="Imagen 8">
+            <a:extLst>
+              <a:ext uri="{FF2B5EF4-FFF2-40B4-BE49-F238E27FC236}">
+                <a16:creationId xmlns:a16="http://schemas.microsoft.com/office/drawing/2014/main" id="{903CC553-A97D-4C02-ACD9-DE23AB6B5B66}"/>
+              </a:ext>
+            </a:extLst>
+          </p:cNvPr>
+          <p:cNvPicPr>
+            <a:picLocks noChangeAspect="1"/>
+          </p:cNvPicPr>
+          <p:nvPr/>
+        </p:nvPicPr>
+        <p:blipFill>
+          <a:blip r:embed="rId3"/>
+          <a:stretch>
+            <a:fillRect/>
+          </a:stretch>
+        </p:blipFill>
+        <p:spPr>
+          <a:xfrm>
+            <a:off x="850812" y="1272694"/>
+            <a:ext cx="9928721" cy="4953000"/>
+          </a:xfrm>
+          <a:prstGeom prst="rect">
+            <a:avLst/>
+          </a:prstGeom>
+        </p:spPr>
+      </p:pic>
+      <p:sp>
+        <p:nvSpPr>
+          <p:cNvPr id="5" name="CuadroTexto 4">
+            <a:extLst>
+              <a:ext uri="{FF2B5EF4-FFF2-40B4-BE49-F238E27FC236}">
+                <a16:creationId xmlns:a16="http://schemas.microsoft.com/office/drawing/2014/main" id="{6AA9D110-6FFC-455A-8208-CF01108FD59E}"/>
+              </a:ext>
+            </a:extLst>
+          </p:cNvPr>
+          <p:cNvSpPr txBox="1"/>
+          <p:nvPr/>
+        </p:nvSpPr>
+        <p:spPr>
+          <a:xfrm>
+            <a:off x="457200" y="152400"/>
+            <a:ext cx="11277600" cy="523220"/>
+          </a:xfrm>
+          <a:prstGeom prst="rect">
+            <a:avLst/>
+          </a:prstGeom>
+          <a:noFill/>
+        </p:spPr>
+        <p:txBody>
+          <a:bodyPr wrap="square" rtlCol="0">
+            <a:spAutoFit/>
+          </a:bodyPr>
+          <a:lstStyle/>
+          <a:p>
+            <a:pPr algn="ctr"/>
+            <a:r>
+              <a:rPr lang="es-ES" sz="2800" b="1" dirty="0"/>
+              <a:t>Proyecto </a:t>
+            </a:r>
+            <a:r>
+              <a:rPr lang="es-ES" sz="2800" b="1" dirty="0" err="1"/>
+              <a:t>YEYO’s</a:t>
+            </a:r>
+            <a:r>
+              <a:rPr lang="es-ES" sz="2800" b="1" dirty="0"/>
+              <a:t> Store </a:t>
+            </a:r>
+          </a:p>
+        </p:txBody>
+      </p:sp>
+      <p:sp>
+        <p:nvSpPr>
+          <p:cNvPr id="7" name="CuadroTexto 6">
+            <a:extLst>
+              <a:ext uri="{FF2B5EF4-FFF2-40B4-BE49-F238E27FC236}">
+                <a16:creationId xmlns:a16="http://schemas.microsoft.com/office/drawing/2014/main" id="{39BBC1FD-ECED-4BEA-AA3B-5A3D4FAA429D}"/>
+              </a:ext>
+            </a:extLst>
+          </p:cNvPr>
+          <p:cNvSpPr txBox="1"/>
+          <p:nvPr/>
+        </p:nvSpPr>
+        <p:spPr>
+          <a:xfrm>
+            <a:off x="327581" y="1066800"/>
+            <a:ext cx="10975182" cy="1141979"/>
+          </a:xfrm>
+          <a:prstGeom prst="rect">
+            <a:avLst/>
+          </a:prstGeom>
+          <a:noFill/>
+        </p:spPr>
+        <p:txBody>
+          <a:bodyPr wrap="square">
+            <a:spAutoFit/>
+          </a:bodyPr>
+          <a:lstStyle/>
+          <a:p>
+            <a:pPr>
+              <a:lnSpc>
+                <a:spcPct val="107000"/>
+              </a:lnSpc>
+              <a:spcAft>
+                <a:spcPts val="800"/>
+              </a:spcAft>
+            </a:pPr>
+            <a:r>
+              <a:rPr lang="es-ES" sz="1800" dirty="0">
+                <a:effectLst/>
+                <a:latin typeface="Arial" panose="020B0604020202020204" pitchFamily="34" charset="0"/>
+                <a:ea typeface="Calibri" panose="020F0502020204030204" pitchFamily="34" charset="0"/>
+                <a:cs typeface="Times New Roman" panose="02020603050405020304" pitchFamily="18" charset="0"/>
+              </a:rPr>
+              <a:t>Revisar configuración de </a:t>
+            </a:r>
+            <a:r>
+              <a:rPr lang="es-ES" sz="1800" b="1" dirty="0" err="1">
+                <a:effectLst/>
+                <a:latin typeface="Arial" panose="020B0604020202020204" pitchFamily="34" charset="0"/>
+                <a:ea typeface="Calibri" panose="020F0502020204030204" pitchFamily="34" charset="0"/>
+                <a:cs typeface="Times New Roman" panose="02020603050405020304" pitchFamily="18" charset="0"/>
+              </a:rPr>
+              <a:t>rGuadalajara</a:t>
+            </a:r>
+            <a:r>
+              <a:rPr lang="es-ES" sz="1800" b="1" dirty="0">
+                <a:effectLst/>
+                <a:latin typeface="Arial" panose="020B0604020202020204" pitchFamily="34" charset="0"/>
+                <a:ea typeface="Calibri" panose="020F0502020204030204" pitchFamily="34" charset="0"/>
+                <a:cs typeface="Times New Roman" panose="02020603050405020304" pitchFamily="18" charset="0"/>
+              </a:rPr>
+              <a:t> </a:t>
+            </a:r>
+            <a:r>
+              <a:rPr lang="es-ES" sz="1800" dirty="0">
+                <a:effectLst/>
+                <a:latin typeface="Arial" panose="020B0604020202020204" pitchFamily="34" charset="0"/>
+                <a:ea typeface="Calibri" panose="020F0502020204030204" pitchFamily="34" charset="0"/>
+                <a:cs typeface="Times New Roman" panose="02020603050405020304" pitchFamily="18" charset="0"/>
+              </a:rPr>
+              <a:t>y</a:t>
+            </a:r>
+            <a:r>
+              <a:rPr lang="es-ES" sz="1800" b="1" dirty="0">
+                <a:effectLst/>
+                <a:latin typeface="Arial" panose="020B0604020202020204" pitchFamily="34" charset="0"/>
+                <a:ea typeface="Calibri" panose="020F0502020204030204" pitchFamily="34" charset="0"/>
+                <a:cs typeface="Times New Roman" panose="02020603050405020304" pitchFamily="18" charset="0"/>
+              </a:rPr>
+              <a:t> </a:t>
+            </a:r>
+            <a:r>
+              <a:rPr lang="es-ES" sz="1800" b="1" dirty="0" err="1">
+                <a:effectLst/>
+                <a:latin typeface="Arial" panose="020B0604020202020204" pitchFamily="34" charset="0"/>
+                <a:ea typeface="Calibri" panose="020F0502020204030204" pitchFamily="34" charset="0"/>
+                <a:cs typeface="Times New Roman" panose="02020603050405020304" pitchFamily="18" charset="0"/>
+              </a:rPr>
+              <a:t>rAlberca</a:t>
+            </a:r>
+            <a:r>
+              <a:rPr lang="es-ES" sz="1800" dirty="0">
+                <a:effectLst/>
+                <a:latin typeface="Arial" panose="020B0604020202020204" pitchFamily="34" charset="0"/>
+                <a:ea typeface="Calibri" panose="020F0502020204030204" pitchFamily="34" charset="0"/>
+                <a:cs typeface="Times New Roman" panose="02020603050405020304" pitchFamily="18" charset="0"/>
+              </a:rPr>
+              <a:t>.</a:t>
+            </a:r>
+          </a:p>
+          <a:p>
+            <a:pPr marL="285750" indent="-285750">
+              <a:lnSpc>
+                <a:spcPct val="107000"/>
+              </a:lnSpc>
+              <a:spcAft>
+                <a:spcPts val="800"/>
+              </a:spcAft>
+              <a:buFont typeface="Arial" panose="020B0604020202020204" pitchFamily="34" charset="0"/>
+              <a:buChar char="•"/>
+            </a:pPr>
+            <a:r>
+              <a:rPr lang="es-ES" dirty="0">
+                <a:latin typeface="Arial" panose="020B0604020202020204" pitchFamily="34" charset="0"/>
+                <a:ea typeface="Calibri" panose="020F0502020204030204" pitchFamily="34" charset="0"/>
+                <a:cs typeface="Times New Roman" panose="02020603050405020304" pitchFamily="18" charset="0"/>
+              </a:rPr>
+              <a:t>Servicio DHCP</a:t>
+            </a:r>
+          </a:p>
+          <a:p>
+            <a:pPr marL="285750" indent="-285750">
+              <a:lnSpc>
+                <a:spcPct val="107000"/>
+              </a:lnSpc>
+              <a:spcAft>
+                <a:spcPts val="800"/>
+              </a:spcAft>
+              <a:buFont typeface="Arial" panose="020B0604020202020204" pitchFamily="34" charset="0"/>
+              <a:buChar char="•"/>
+            </a:pPr>
+            <a:r>
+              <a:rPr lang="es-ES" sz="1600" dirty="0">
+                <a:effectLst/>
+                <a:latin typeface="Arial" panose="020B0604020202020204" pitchFamily="34" charset="0"/>
+                <a:ea typeface="Calibri" panose="020F0502020204030204" pitchFamily="34" charset="0"/>
+                <a:cs typeface="Times New Roman" panose="02020603050405020304" pitchFamily="18" charset="0"/>
+              </a:rPr>
+              <a:t>Protocolo de enrutamiento.</a:t>
+            </a:r>
+            <a:endParaRPr lang="es-MX" sz="1600" dirty="0">
+              <a:effectLst/>
+              <a:latin typeface="Calibri" panose="020F0502020204030204" pitchFamily="34" charset="0"/>
+              <a:ea typeface="Calibri" panose="020F0502020204030204" pitchFamily="34" charset="0"/>
+              <a:cs typeface="Times New Roman" panose="02020603050405020304" pitchFamily="18" charset="0"/>
+            </a:endParaRPr>
+          </a:p>
+        </p:txBody>
+      </p:sp>
+    </p:spTree>
+    <p:extLst>
+      <p:ext uri="{BB962C8B-B14F-4D97-AF65-F5344CB8AC3E}">
+        <p14:creationId xmlns:p14="http://schemas.microsoft.com/office/powerpoint/2010/main" val="2741008480"/>
+      </p:ext>
+    </p:extLst>
+  </p:cSld>
+  <p:clrMapOvr>
+    <a:masterClrMapping/>
+  </p:clrMapOvr>
+</p:sld>
+</file>
+
+<file path=ppt/slides/slide5.xml><?xml version="1.0" encoding="utf-8"?>
+<p:sld xmlns:a="http://schemas.openxmlformats.org/drawingml/2006/main" xmlns:r="http://schemas.openxmlformats.org/officeDocument/2006/relationships" xmlns:p="http://schemas.openxmlformats.org/presentationml/2006/main">
+  <p:cSld>
+    <p:spTree>
+      <p:nvGrpSpPr>
+        <p:cNvPr id="1" name=""/>
+        <p:cNvGrpSpPr/>
+        <p:nvPr/>
+      </p:nvGrpSpPr>
+      <p:grpSpPr>
+        <a:xfrm>
+          <a:off x="0" y="0"/>
+          <a:ext cx="0" cy="0"/>
+          <a:chOff x="0" y="0"/>
+          <a:chExt cx="0" cy="0"/>
+        </a:xfrm>
+      </p:grpSpPr>
+      <p:pic>
+        <p:nvPicPr>
+          <p:cNvPr id="9" name="Imagen 8">
+            <a:extLst>
+              <a:ext uri="{FF2B5EF4-FFF2-40B4-BE49-F238E27FC236}">
+                <a16:creationId xmlns:a16="http://schemas.microsoft.com/office/drawing/2014/main" id="{B8EC4D3F-5556-454F-84A8-AD05B0B904D6}"/>
+              </a:ext>
+            </a:extLst>
+          </p:cNvPr>
+          <p:cNvPicPr>
+            <a:picLocks noChangeAspect="1"/>
+          </p:cNvPicPr>
+          <p:nvPr/>
+        </p:nvPicPr>
+        <p:blipFill>
+          <a:blip r:embed="rId3"/>
+          <a:stretch>
+            <a:fillRect/>
+          </a:stretch>
+        </p:blipFill>
+        <p:spPr>
+          <a:xfrm>
+            <a:off x="4354201" y="2311855"/>
+            <a:ext cx="7620000" cy="3801281"/>
+          </a:xfrm>
+          <a:prstGeom prst="rect">
+            <a:avLst/>
+          </a:prstGeom>
+        </p:spPr>
+      </p:pic>
+      <p:sp>
+        <p:nvSpPr>
+          <p:cNvPr id="5" name="CuadroTexto 4">
+            <a:extLst>
+              <a:ext uri="{FF2B5EF4-FFF2-40B4-BE49-F238E27FC236}">
+                <a16:creationId xmlns:a16="http://schemas.microsoft.com/office/drawing/2014/main" id="{6AA9D110-6FFC-455A-8208-CF01108FD59E}"/>
+              </a:ext>
+            </a:extLst>
+          </p:cNvPr>
+          <p:cNvSpPr txBox="1"/>
+          <p:nvPr/>
+        </p:nvSpPr>
+        <p:spPr>
+          <a:xfrm>
+            <a:off x="457200" y="152400"/>
+            <a:ext cx="11277600" cy="523220"/>
+          </a:xfrm>
+          <a:prstGeom prst="rect">
+            <a:avLst/>
+          </a:prstGeom>
+          <a:noFill/>
+        </p:spPr>
+        <p:txBody>
+          <a:bodyPr wrap="square" rtlCol="0">
+            <a:spAutoFit/>
+          </a:bodyPr>
+          <a:lstStyle/>
+          <a:p>
+            <a:pPr algn="ctr"/>
+            <a:r>
+              <a:rPr lang="es-ES" sz="2800" b="1" dirty="0"/>
+              <a:t>Proyecto </a:t>
+            </a:r>
+            <a:r>
+              <a:rPr lang="es-ES" sz="2800" b="1" dirty="0" err="1"/>
+              <a:t>YEYO’s</a:t>
+            </a:r>
+            <a:r>
+              <a:rPr lang="es-ES" sz="2800" b="1" dirty="0"/>
+              <a:t> Store</a:t>
+            </a:r>
+            <a:endParaRPr lang="es-MX" sz="2400" dirty="0"/>
+          </a:p>
+        </p:txBody>
+      </p:sp>
+      <p:sp>
+        <p:nvSpPr>
+          <p:cNvPr id="8" name="CuadroTexto 7">
+            <a:extLst>
+              <a:ext uri="{FF2B5EF4-FFF2-40B4-BE49-F238E27FC236}">
+                <a16:creationId xmlns:a16="http://schemas.microsoft.com/office/drawing/2014/main" id="{F8162220-B66C-48DB-B5AA-BC509244B7E6}"/>
+              </a:ext>
+            </a:extLst>
+          </p:cNvPr>
+          <p:cNvSpPr txBox="1"/>
+          <p:nvPr/>
+        </p:nvSpPr>
+        <p:spPr>
+          <a:xfrm>
+            <a:off x="609600" y="914400"/>
+            <a:ext cx="11125200" cy="878574"/>
+          </a:xfrm>
+          <a:prstGeom prst="rect">
+            <a:avLst/>
+          </a:prstGeom>
+          <a:noFill/>
+        </p:spPr>
+        <p:txBody>
+          <a:bodyPr wrap="square">
+            <a:spAutoFit/>
+          </a:bodyPr>
+          <a:lstStyle/>
+          <a:p>
+            <a:pPr algn="just">
+              <a:lnSpc>
+                <a:spcPct val="150000"/>
+              </a:lnSpc>
+              <a:spcAft>
+                <a:spcPts val="800"/>
+              </a:spcAft>
+            </a:pPr>
+            <a:r>
+              <a:rPr lang="es-ES" sz="1800" b="1" dirty="0">
+                <a:effectLst/>
+                <a:latin typeface="Arial" panose="020B0604020202020204" pitchFamily="34" charset="0"/>
+                <a:ea typeface="Calibri" panose="020F0502020204030204" pitchFamily="34" charset="0"/>
+                <a:cs typeface="Times New Roman" panose="02020603050405020304" pitchFamily="18" charset="0"/>
+              </a:rPr>
+              <a:t>Yeyo </a:t>
+            </a:r>
+            <a:r>
+              <a:rPr lang="es-ES" sz="1800" b="1" dirty="0" err="1">
+                <a:effectLst/>
+                <a:latin typeface="Arial" panose="020B0604020202020204" pitchFamily="34" charset="0"/>
+                <a:ea typeface="Calibri" panose="020F0502020204030204" pitchFamily="34" charset="0"/>
+                <a:cs typeface="Times New Roman" panose="02020603050405020304" pitchFamily="18" charset="0"/>
+              </a:rPr>
+              <a:t>Bermudez</a:t>
+            </a:r>
+            <a:r>
+              <a:rPr lang="es-ES" sz="1800" b="1" dirty="0">
+                <a:effectLst/>
+                <a:latin typeface="Arial" panose="020B0604020202020204" pitchFamily="34" charset="0"/>
+                <a:ea typeface="Calibri" panose="020F0502020204030204" pitchFamily="34" charset="0"/>
+                <a:cs typeface="Times New Roman" panose="02020603050405020304" pitchFamily="18" charset="0"/>
+              </a:rPr>
+              <a:t> </a:t>
+            </a:r>
+            <a:r>
+              <a:rPr lang="es-ES" sz="1800" dirty="0">
+                <a:effectLst/>
+                <a:latin typeface="Arial" panose="020B0604020202020204" pitchFamily="34" charset="0"/>
+                <a:ea typeface="Calibri" panose="020F0502020204030204" pitchFamily="34" charset="0"/>
+                <a:cs typeface="Times New Roman" panose="02020603050405020304" pitchFamily="18" charset="0"/>
+              </a:rPr>
+              <a:t>no quiere seguir pagando desde la residencia en Guadalajara el enlace que tiene contratado con el</a:t>
+            </a:r>
+            <a:r>
+              <a:rPr lang="es-ES" sz="1800" b="1" dirty="0">
+                <a:effectLst/>
+                <a:latin typeface="Arial" panose="020B0604020202020204" pitchFamily="34" charset="0"/>
+                <a:ea typeface="Calibri" panose="020F0502020204030204" pitchFamily="34" charset="0"/>
+                <a:cs typeface="Times New Roman" panose="02020603050405020304" pitchFamily="18" charset="0"/>
+              </a:rPr>
+              <a:t> proveedor de servicios ISP de IZZI.</a:t>
+            </a:r>
+            <a:endParaRPr lang="es-MX" sz="1600" dirty="0">
+              <a:effectLst/>
+              <a:latin typeface="Calibri" panose="020F0502020204030204" pitchFamily="34" charset="0"/>
+              <a:ea typeface="Calibri" panose="020F0502020204030204" pitchFamily="34" charset="0"/>
+              <a:cs typeface="Times New Roman" panose="02020603050405020304" pitchFamily="18" charset="0"/>
+            </a:endParaRPr>
+          </a:p>
+        </p:txBody>
+      </p:sp>
+      <p:sp>
+        <p:nvSpPr>
+          <p:cNvPr id="6" name="CuadroTexto 5">
+            <a:extLst>
+              <a:ext uri="{FF2B5EF4-FFF2-40B4-BE49-F238E27FC236}">
+                <a16:creationId xmlns:a16="http://schemas.microsoft.com/office/drawing/2014/main" id="{E77D42E5-31DE-45C4-8512-18CEA9402B20}"/>
+              </a:ext>
+            </a:extLst>
+          </p:cNvPr>
+          <p:cNvSpPr txBox="1"/>
+          <p:nvPr/>
+        </p:nvSpPr>
+        <p:spPr>
+          <a:xfrm>
+            <a:off x="608029" y="1794445"/>
+            <a:ext cx="11419591" cy="463075"/>
+          </a:xfrm>
+          <a:prstGeom prst="rect">
+            <a:avLst/>
+          </a:prstGeom>
+          <a:noFill/>
+        </p:spPr>
+        <p:txBody>
+          <a:bodyPr wrap="square">
+            <a:spAutoFit/>
+          </a:bodyPr>
+          <a:lstStyle/>
+          <a:p>
+            <a:pPr>
+              <a:lnSpc>
+                <a:spcPct val="150000"/>
+              </a:lnSpc>
+              <a:spcAft>
+                <a:spcPts val="800"/>
+              </a:spcAft>
+            </a:pPr>
+            <a:r>
+              <a:rPr lang="es-ES" dirty="0">
+                <a:latin typeface="Arial" panose="020B0604020202020204" pitchFamily="34" charset="0"/>
+                <a:ea typeface="Calibri" panose="020F0502020204030204" pitchFamily="34" charset="0"/>
+                <a:cs typeface="Times New Roman" panose="02020603050405020304" pitchFamily="18" charset="0"/>
+              </a:rPr>
+              <a:t>Se creará u</a:t>
+            </a:r>
+            <a:r>
+              <a:rPr lang="es-ES" dirty="0">
+                <a:effectLst/>
+                <a:latin typeface="Arial" panose="020B0604020202020204" pitchFamily="34" charset="0"/>
+                <a:ea typeface="Calibri" panose="020F0502020204030204" pitchFamily="34" charset="0"/>
+                <a:cs typeface="Times New Roman" panose="02020603050405020304" pitchFamily="18" charset="0"/>
+              </a:rPr>
+              <a:t>na sola red con un solo proveedor de servicios entre</a:t>
+            </a:r>
+            <a:r>
+              <a:rPr lang="es-ES" b="1" dirty="0">
+                <a:effectLst/>
+                <a:latin typeface="Arial" panose="020B0604020202020204" pitchFamily="34" charset="0"/>
+                <a:ea typeface="Calibri" panose="020F0502020204030204" pitchFamily="34" charset="0"/>
+                <a:cs typeface="Times New Roman" panose="02020603050405020304" pitchFamily="18" charset="0"/>
+              </a:rPr>
+              <a:t> Querétaro</a:t>
+            </a:r>
+            <a:r>
+              <a:rPr lang="es-ES" dirty="0">
+                <a:effectLst/>
+                <a:latin typeface="Arial" panose="020B0604020202020204" pitchFamily="34" charset="0"/>
+                <a:ea typeface="Calibri" panose="020F0502020204030204" pitchFamily="34" charset="0"/>
+                <a:cs typeface="Times New Roman" panose="02020603050405020304" pitchFamily="18" charset="0"/>
+              </a:rPr>
+              <a:t> y</a:t>
+            </a:r>
+            <a:r>
+              <a:rPr lang="es-ES" b="1" dirty="0">
+                <a:effectLst/>
+                <a:latin typeface="Arial" panose="020B0604020202020204" pitchFamily="34" charset="0"/>
+                <a:ea typeface="Calibri" panose="020F0502020204030204" pitchFamily="34" charset="0"/>
+                <a:cs typeface="Times New Roman" panose="02020603050405020304" pitchFamily="18" charset="0"/>
+              </a:rPr>
+              <a:t> Guadalajara.</a:t>
+            </a:r>
+            <a:endParaRPr lang="es-MX" dirty="0">
+              <a:effectLst/>
+              <a:latin typeface="Calibri" panose="020F0502020204030204" pitchFamily="34" charset="0"/>
+              <a:ea typeface="Calibri" panose="020F0502020204030204" pitchFamily="34" charset="0"/>
+              <a:cs typeface="Times New Roman" panose="02020603050405020304" pitchFamily="18" charset="0"/>
+            </a:endParaRPr>
+          </a:p>
+        </p:txBody>
+      </p:sp>
+      <p:sp>
+        <p:nvSpPr>
+          <p:cNvPr id="10" name="CuadroTexto 9">
+            <a:extLst>
+              <a:ext uri="{FF2B5EF4-FFF2-40B4-BE49-F238E27FC236}">
+                <a16:creationId xmlns:a16="http://schemas.microsoft.com/office/drawing/2014/main" id="{D3F32AE4-8A04-4FDD-9941-D0198D667710}"/>
+              </a:ext>
+            </a:extLst>
+          </p:cNvPr>
+          <p:cNvSpPr txBox="1"/>
+          <p:nvPr/>
+        </p:nvSpPr>
+        <p:spPr>
+          <a:xfrm>
+            <a:off x="631596" y="2409920"/>
+            <a:ext cx="3483203" cy="2540567"/>
+          </a:xfrm>
+          <a:prstGeom prst="rect">
+            <a:avLst/>
+          </a:prstGeom>
+          <a:noFill/>
+        </p:spPr>
+        <p:txBody>
+          <a:bodyPr wrap="square">
+            <a:spAutoFit/>
+          </a:bodyPr>
+          <a:lstStyle/>
+          <a:p>
+            <a:pPr>
+              <a:lnSpc>
+                <a:spcPct val="150000"/>
+              </a:lnSpc>
+              <a:spcAft>
+                <a:spcPts val="800"/>
+              </a:spcAft>
+            </a:pPr>
+            <a:r>
+              <a:rPr lang="es-ES" dirty="0">
+                <a:effectLst/>
+                <a:latin typeface="Arial" panose="020B0604020202020204" pitchFamily="34" charset="0"/>
+                <a:ea typeface="Calibri" panose="020F0502020204030204" pitchFamily="34" charset="0"/>
+                <a:cs typeface="Times New Roman" panose="02020603050405020304" pitchFamily="18" charset="0"/>
+              </a:rPr>
+              <a:t>El tráfico va a fluir de </a:t>
+            </a:r>
+            <a:r>
+              <a:rPr lang="es-ES" b="1" dirty="0">
+                <a:effectLst/>
+                <a:latin typeface="Arial" panose="020B0604020202020204" pitchFamily="34" charset="0"/>
+                <a:ea typeface="Calibri" panose="020F0502020204030204" pitchFamily="34" charset="0"/>
+                <a:cs typeface="Times New Roman" panose="02020603050405020304" pitchFamily="18" charset="0"/>
+              </a:rPr>
+              <a:t>Guadalajara</a:t>
+            </a:r>
+            <a:r>
+              <a:rPr lang="es-ES" dirty="0">
+                <a:effectLst/>
+                <a:latin typeface="Arial" panose="020B0604020202020204" pitchFamily="34" charset="0"/>
+                <a:ea typeface="Calibri" panose="020F0502020204030204" pitchFamily="34" charset="0"/>
+                <a:cs typeface="Times New Roman" panose="02020603050405020304" pitchFamily="18" charset="0"/>
+              </a:rPr>
+              <a:t> a </a:t>
+            </a:r>
+            <a:r>
+              <a:rPr lang="es-ES" b="1" dirty="0">
+                <a:effectLst/>
+                <a:latin typeface="Arial" panose="020B0604020202020204" pitchFamily="34" charset="0"/>
+                <a:ea typeface="Calibri" panose="020F0502020204030204" pitchFamily="34" charset="0"/>
+                <a:cs typeface="Times New Roman" panose="02020603050405020304" pitchFamily="18" charset="0"/>
+              </a:rPr>
+              <a:t>Querétaro</a:t>
+            </a:r>
+            <a:r>
+              <a:rPr lang="es-ES" dirty="0">
+                <a:effectLst/>
+                <a:latin typeface="Arial" panose="020B0604020202020204" pitchFamily="34" charset="0"/>
+                <a:ea typeface="Calibri" panose="020F0502020204030204" pitchFamily="34" charset="0"/>
+                <a:cs typeface="Times New Roman" panose="02020603050405020304" pitchFamily="18" charset="0"/>
+              </a:rPr>
+              <a:t> y de </a:t>
+            </a:r>
+            <a:r>
+              <a:rPr lang="es-ES" b="1" dirty="0">
+                <a:effectLst/>
+                <a:latin typeface="Arial" panose="020B0604020202020204" pitchFamily="34" charset="0"/>
+                <a:ea typeface="Calibri" panose="020F0502020204030204" pitchFamily="34" charset="0"/>
+                <a:cs typeface="Times New Roman" panose="02020603050405020304" pitchFamily="18" charset="0"/>
+              </a:rPr>
+              <a:t>Querétaro</a:t>
+            </a:r>
+            <a:r>
+              <a:rPr lang="es-ES" dirty="0">
+                <a:effectLst/>
+                <a:latin typeface="Arial" panose="020B0604020202020204" pitchFamily="34" charset="0"/>
+                <a:ea typeface="Calibri" panose="020F0502020204030204" pitchFamily="34" charset="0"/>
+                <a:cs typeface="Times New Roman" panose="02020603050405020304" pitchFamily="18" charset="0"/>
+              </a:rPr>
+              <a:t> subirá a </a:t>
+            </a:r>
+            <a:r>
+              <a:rPr lang="es-ES" b="1" dirty="0">
+                <a:effectLst/>
+                <a:latin typeface="Arial" panose="020B0604020202020204" pitchFamily="34" charset="0"/>
+                <a:ea typeface="Calibri" panose="020F0502020204030204" pitchFamily="34" charset="0"/>
+                <a:cs typeface="Times New Roman" panose="02020603050405020304" pitchFamily="18" charset="0"/>
+              </a:rPr>
+              <a:t>Internet</a:t>
+            </a:r>
+            <a:r>
+              <a:rPr lang="es-ES" dirty="0">
+                <a:effectLst/>
+                <a:latin typeface="Arial" panose="020B0604020202020204" pitchFamily="34" charset="0"/>
+                <a:ea typeface="Calibri" panose="020F0502020204030204" pitchFamily="34" charset="0"/>
+                <a:cs typeface="Times New Roman" panose="02020603050405020304" pitchFamily="18" charset="0"/>
+              </a:rPr>
+              <a:t> para responder a todas las necesidades de conexión con el exterior</a:t>
+            </a:r>
+            <a:r>
+              <a:rPr lang="es-ES" b="1" dirty="0">
+                <a:effectLst/>
+                <a:latin typeface="Arial" panose="020B0604020202020204" pitchFamily="34" charset="0"/>
+                <a:ea typeface="Calibri" panose="020F0502020204030204" pitchFamily="34" charset="0"/>
+                <a:cs typeface="Times New Roman" panose="02020603050405020304" pitchFamily="18" charset="0"/>
+              </a:rPr>
+              <a:t>.</a:t>
+            </a:r>
+            <a:endParaRPr lang="es-MX" dirty="0">
+              <a:effectLst/>
+              <a:latin typeface="Calibri" panose="020F0502020204030204" pitchFamily="34" charset="0"/>
+              <a:ea typeface="Calibri" panose="020F0502020204030204" pitchFamily="34" charset="0"/>
+              <a:cs typeface="Times New Roman" panose="02020603050405020304" pitchFamily="18" charset="0"/>
+            </a:endParaRPr>
+          </a:p>
+        </p:txBody>
+      </p:sp>
+    </p:spTree>
+    <p:extLst>
+      <p:ext uri="{BB962C8B-B14F-4D97-AF65-F5344CB8AC3E}">
+        <p14:creationId xmlns:p14="http://schemas.microsoft.com/office/powerpoint/2010/main" val="1869962593"/>
+      </p:ext>
+    </p:extLst>
+  </p:cSld>
+  <p:clrMapOvr>
+    <a:masterClrMapping/>
+  </p:clrMapOvr>
+</p:sld>
+</file>
+
+<file path=ppt/slides/slide6.xml><?xml version="1.0" encoding="utf-8"?>
+<p:sld xmlns:a="http://schemas.openxmlformats.org/drawingml/2006/main" xmlns:r="http://schemas.openxmlformats.org/officeDocument/2006/relationships" xmlns:p="http://schemas.openxmlformats.org/presentationml/2006/main">
+  <p:cSld>
+    <p:spTree>
+      <p:nvGrpSpPr>
+        <p:cNvPr id="1" name=""/>
+        <p:cNvGrpSpPr/>
+        <p:nvPr/>
+      </p:nvGrpSpPr>
+      <p:grpSpPr>
+        <a:xfrm>
+          <a:off x="0" y="0"/>
+          <a:ext cx="0" cy="0"/>
+          <a:chOff x="0" y="0"/>
+          <a:chExt cx="0" cy="0"/>
+        </a:xfrm>
+      </p:grpSpPr>
+      <p:pic>
+        <p:nvPicPr>
+          <p:cNvPr id="7" name="Imagen 6" descr="Mapa&#10;&#10;Descripción generada automáticamente">
+            <a:extLst>
+              <a:ext uri="{FF2B5EF4-FFF2-40B4-BE49-F238E27FC236}">
+                <a16:creationId xmlns:a16="http://schemas.microsoft.com/office/drawing/2014/main" id="{2A4EE168-3578-447A-B239-4B6549A3E7A4}"/>
+              </a:ext>
+            </a:extLst>
+          </p:cNvPr>
+          <p:cNvPicPr>
+            <a:picLocks noChangeAspect="1"/>
+          </p:cNvPicPr>
+          <p:nvPr/>
+        </p:nvPicPr>
+        <p:blipFill>
+          <a:blip r:embed="rId3">
             <a:extLst>
               <a:ext uri="{28A0092B-C50C-407E-A947-70E740481C1C}">
                 <a14:useLocalDpi xmlns:a14="http://schemas.microsoft.com/office/drawing/2010/main" val="0"/>
@@ -1617,8 +4606,1547 @@
         </p:blipFill>
         <p:spPr>
           <a:xfrm>
-            <a:off x="1133475" y="1371600"/>
-            <a:ext cx="10067925" cy="5076825"/>
+            <a:off x="3200400" y="2253917"/>
+            <a:ext cx="8915400" cy="4495656"/>
+          </a:xfrm>
+          <a:prstGeom prst="rect">
+            <a:avLst/>
+          </a:prstGeom>
+        </p:spPr>
+      </p:pic>
+      <p:sp>
+        <p:nvSpPr>
+          <p:cNvPr id="5" name="CuadroTexto 4">
+            <a:extLst>
+              <a:ext uri="{FF2B5EF4-FFF2-40B4-BE49-F238E27FC236}">
+                <a16:creationId xmlns:a16="http://schemas.microsoft.com/office/drawing/2014/main" id="{6AA9D110-6FFC-455A-8208-CF01108FD59E}"/>
+              </a:ext>
+            </a:extLst>
+          </p:cNvPr>
+          <p:cNvSpPr txBox="1"/>
+          <p:nvPr/>
+        </p:nvSpPr>
+        <p:spPr>
+          <a:xfrm>
+            <a:off x="304800" y="108427"/>
+            <a:ext cx="11277600" cy="892552"/>
+          </a:xfrm>
+          <a:prstGeom prst="rect">
+            <a:avLst/>
+          </a:prstGeom>
+          <a:noFill/>
+        </p:spPr>
+        <p:txBody>
+          <a:bodyPr wrap="square" rtlCol="0">
+            <a:spAutoFit/>
+          </a:bodyPr>
+          <a:lstStyle/>
+          <a:p>
+            <a:pPr algn="ctr"/>
+            <a:r>
+              <a:rPr lang="es-ES" sz="2800" b="1" dirty="0"/>
+              <a:t>Proyecto </a:t>
+            </a:r>
+            <a:r>
+              <a:rPr lang="es-ES" sz="2800" b="1" dirty="0" err="1"/>
+              <a:t>YEYO’s</a:t>
+            </a:r>
+            <a:r>
+              <a:rPr lang="es-ES" sz="2800" b="1" dirty="0"/>
+              <a:t> Store</a:t>
+            </a:r>
+          </a:p>
+          <a:p>
+            <a:pPr algn="ctr"/>
+            <a:r>
+              <a:rPr lang="es-ES" sz="2400" dirty="0"/>
+              <a:t>Nueva configuración del </a:t>
+            </a:r>
+            <a:r>
+              <a:rPr lang="es-ES" sz="2400" dirty="0" err="1"/>
+              <a:t>router</a:t>
+            </a:r>
+            <a:r>
+              <a:rPr lang="es-ES" sz="2400" dirty="0"/>
+              <a:t> Guadalajara</a:t>
+            </a:r>
+            <a:endParaRPr lang="es-MX" sz="2400" dirty="0"/>
+          </a:p>
+        </p:txBody>
+      </p:sp>
+      <p:sp>
+        <p:nvSpPr>
+          <p:cNvPr id="8" name="CuadroTexto 7">
+            <a:extLst>
+              <a:ext uri="{FF2B5EF4-FFF2-40B4-BE49-F238E27FC236}">
+                <a16:creationId xmlns:a16="http://schemas.microsoft.com/office/drawing/2014/main" id="{F8162220-B66C-48DB-B5AA-BC509244B7E6}"/>
+              </a:ext>
+            </a:extLst>
+          </p:cNvPr>
+          <p:cNvSpPr txBox="1"/>
+          <p:nvPr/>
+        </p:nvSpPr>
+        <p:spPr>
+          <a:xfrm>
+            <a:off x="580533" y="1173347"/>
+            <a:ext cx="11125200" cy="463075"/>
+          </a:xfrm>
+          <a:prstGeom prst="rect">
+            <a:avLst/>
+          </a:prstGeom>
+          <a:noFill/>
+        </p:spPr>
+        <p:txBody>
+          <a:bodyPr wrap="square">
+            <a:spAutoFit/>
+          </a:bodyPr>
+          <a:lstStyle/>
+          <a:p>
+            <a:pPr>
+              <a:lnSpc>
+                <a:spcPct val="150000"/>
+              </a:lnSpc>
+              <a:spcAft>
+                <a:spcPts val="800"/>
+              </a:spcAft>
+            </a:pPr>
+            <a:r>
+              <a:rPr lang="es-ES" sz="1800" b="1" dirty="0">
+                <a:effectLst/>
+                <a:latin typeface="Arial" panose="020B0604020202020204" pitchFamily="34" charset="0"/>
+                <a:ea typeface="Calibri" panose="020F0502020204030204" pitchFamily="34" charset="0"/>
+                <a:cs typeface="Times New Roman" panose="02020603050405020304" pitchFamily="18" charset="0"/>
+              </a:rPr>
+              <a:t>1. </a:t>
+            </a:r>
+            <a:r>
+              <a:rPr lang="es-ES" sz="1800" dirty="0">
+                <a:effectLst/>
+                <a:latin typeface="Arial" panose="020B0604020202020204" pitchFamily="34" charset="0"/>
+                <a:ea typeface="Calibri" panose="020F0502020204030204" pitchFamily="34" charset="0"/>
+                <a:cs typeface="Times New Roman" panose="02020603050405020304" pitchFamily="18" charset="0"/>
+              </a:rPr>
+              <a:t>Eliminar la conexión física entre el </a:t>
+            </a:r>
+            <a:r>
+              <a:rPr lang="es-ES" sz="1800" b="1" dirty="0" err="1">
+                <a:effectLst/>
+                <a:latin typeface="Arial" panose="020B0604020202020204" pitchFamily="34" charset="0"/>
+                <a:ea typeface="Calibri" panose="020F0502020204030204" pitchFamily="34" charset="0"/>
+                <a:cs typeface="Times New Roman" panose="02020603050405020304" pitchFamily="18" charset="0"/>
+              </a:rPr>
+              <a:t>router</a:t>
+            </a:r>
+            <a:r>
+              <a:rPr lang="es-ES" sz="1800" b="1" dirty="0">
+                <a:effectLst/>
+                <a:latin typeface="Arial" panose="020B0604020202020204" pitchFamily="34" charset="0"/>
+                <a:ea typeface="Calibri" panose="020F0502020204030204" pitchFamily="34" charset="0"/>
+                <a:cs typeface="Times New Roman" panose="02020603050405020304" pitchFamily="18" charset="0"/>
+              </a:rPr>
+              <a:t> Guadalajara </a:t>
+            </a:r>
+            <a:r>
+              <a:rPr lang="es-ES" sz="1800" dirty="0">
+                <a:effectLst/>
+                <a:latin typeface="Arial" panose="020B0604020202020204" pitchFamily="34" charset="0"/>
+                <a:ea typeface="Calibri" panose="020F0502020204030204" pitchFamily="34" charset="0"/>
+                <a:cs typeface="Times New Roman" panose="02020603050405020304" pitchFamily="18" charset="0"/>
+              </a:rPr>
+              <a:t>y el </a:t>
+            </a:r>
+            <a:r>
+              <a:rPr lang="es-ES" sz="1800" b="1" dirty="0">
+                <a:effectLst/>
+                <a:latin typeface="Arial" panose="020B0604020202020204" pitchFamily="34" charset="0"/>
+                <a:ea typeface="Calibri" panose="020F0502020204030204" pitchFamily="34" charset="0"/>
+                <a:cs typeface="Times New Roman" panose="02020603050405020304" pitchFamily="18" charset="0"/>
+              </a:rPr>
+              <a:t>ISP </a:t>
+            </a:r>
+            <a:r>
+              <a:rPr lang="es-ES" sz="1800" dirty="0">
+                <a:effectLst/>
+                <a:latin typeface="Arial" panose="020B0604020202020204" pitchFamily="34" charset="0"/>
+                <a:ea typeface="Calibri" panose="020F0502020204030204" pitchFamily="34" charset="0"/>
+                <a:cs typeface="Times New Roman" panose="02020603050405020304" pitchFamily="18" charset="0"/>
+              </a:rPr>
+              <a:t>de</a:t>
+            </a:r>
+            <a:r>
+              <a:rPr lang="es-ES" sz="1800" b="1" dirty="0">
+                <a:effectLst/>
+                <a:latin typeface="Arial" panose="020B0604020202020204" pitchFamily="34" charset="0"/>
+                <a:ea typeface="Calibri" panose="020F0502020204030204" pitchFamily="34" charset="0"/>
+                <a:cs typeface="Times New Roman" panose="02020603050405020304" pitchFamily="18" charset="0"/>
+              </a:rPr>
+              <a:t> IZZI.</a:t>
+            </a:r>
+            <a:endParaRPr lang="es-MX" sz="1600" dirty="0">
+              <a:effectLst/>
+              <a:latin typeface="Calibri" panose="020F0502020204030204" pitchFamily="34" charset="0"/>
+              <a:ea typeface="Calibri" panose="020F0502020204030204" pitchFamily="34" charset="0"/>
+              <a:cs typeface="Times New Roman" panose="02020603050405020304" pitchFamily="18" charset="0"/>
+            </a:endParaRPr>
+          </a:p>
+        </p:txBody>
+      </p:sp>
+      <p:sp>
+        <p:nvSpPr>
+          <p:cNvPr id="6" name="CuadroTexto 5">
+            <a:extLst>
+              <a:ext uri="{FF2B5EF4-FFF2-40B4-BE49-F238E27FC236}">
+                <a16:creationId xmlns:a16="http://schemas.microsoft.com/office/drawing/2014/main" id="{E77D42E5-31DE-45C4-8512-18CEA9402B20}"/>
+              </a:ext>
+            </a:extLst>
+          </p:cNvPr>
+          <p:cNvSpPr txBox="1"/>
+          <p:nvPr/>
+        </p:nvSpPr>
+        <p:spPr>
+          <a:xfrm>
+            <a:off x="580532" y="1604999"/>
+            <a:ext cx="10392267" cy="463075"/>
+          </a:xfrm>
+          <a:prstGeom prst="rect">
+            <a:avLst/>
+          </a:prstGeom>
+          <a:noFill/>
+        </p:spPr>
+        <p:txBody>
+          <a:bodyPr wrap="square">
+            <a:spAutoFit/>
+          </a:bodyPr>
+          <a:lstStyle/>
+          <a:p>
+            <a:pPr>
+              <a:lnSpc>
+                <a:spcPct val="150000"/>
+              </a:lnSpc>
+              <a:spcAft>
+                <a:spcPts val="800"/>
+              </a:spcAft>
+            </a:pPr>
+            <a:r>
+              <a:rPr lang="es-ES" b="1" dirty="0">
+                <a:latin typeface="Arial" panose="020B0604020202020204" pitchFamily="34" charset="0"/>
+                <a:ea typeface="Calibri" panose="020F0502020204030204" pitchFamily="34" charset="0"/>
+                <a:cs typeface="Times New Roman" panose="02020603050405020304" pitchFamily="18" charset="0"/>
+              </a:rPr>
+              <a:t>2.</a:t>
+            </a:r>
+            <a:r>
+              <a:rPr lang="es-ES" dirty="0">
+                <a:latin typeface="Arial" panose="020B0604020202020204" pitchFamily="34" charset="0"/>
+                <a:ea typeface="Calibri" panose="020F0502020204030204" pitchFamily="34" charset="0"/>
+                <a:cs typeface="Times New Roman" panose="02020603050405020304" pitchFamily="18" charset="0"/>
+              </a:rPr>
+              <a:t> Desaparecer la configuración que conecta al </a:t>
+            </a:r>
+            <a:r>
+              <a:rPr lang="es-ES" b="1" dirty="0" err="1">
+                <a:latin typeface="Arial" panose="020B0604020202020204" pitchFamily="34" charset="0"/>
+                <a:ea typeface="Calibri" panose="020F0502020204030204" pitchFamily="34" charset="0"/>
+                <a:cs typeface="Times New Roman" panose="02020603050405020304" pitchFamily="18" charset="0"/>
+              </a:rPr>
+              <a:t>router</a:t>
+            </a:r>
+            <a:r>
+              <a:rPr lang="es-ES" b="1" dirty="0">
+                <a:latin typeface="Arial" panose="020B0604020202020204" pitchFamily="34" charset="0"/>
+                <a:ea typeface="Calibri" panose="020F0502020204030204" pitchFamily="34" charset="0"/>
+                <a:cs typeface="Times New Roman" panose="02020603050405020304" pitchFamily="18" charset="0"/>
+              </a:rPr>
+              <a:t> Guadalajara </a:t>
+            </a:r>
+            <a:r>
+              <a:rPr lang="es-ES" dirty="0">
+                <a:latin typeface="Arial" panose="020B0604020202020204" pitchFamily="34" charset="0"/>
+                <a:ea typeface="Calibri" panose="020F0502020204030204" pitchFamily="34" charset="0"/>
+                <a:cs typeface="Times New Roman" panose="02020603050405020304" pitchFamily="18" charset="0"/>
+              </a:rPr>
+              <a:t>con el </a:t>
+            </a:r>
+            <a:r>
+              <a:rPr lang="es-ES" b="1" dirty="0">
+                <a:latin typeface="Arial" panose="020B0604020202020204" pitchFamily="34" charset="0"/>
+                <a:ea typeface="Calibri" panose="020F0502020204030204" pitchFamily="34" charset="0"/>
+                <a:cs typeface="Times New Roman" panose="02020603050405020304" pitchFamily="18" charset="0"/>
+              </a:rPr>
+              <a:t>ISP</a:t>
+            </a:r>
+            <a:r>
+              <a:rPr lang="es-ES" dirty="0">
+                <a:latin typeface="Arial" panose="020B0604020202020204" pitchFamily="34" charset="0"/>
+                <a:ea typeface="Calibri" panose="020F0502020204030204" pitchFamily="34" charset="0"/>
+                <a:cs typeface="Times New Roman" panose="02020603050405020304" pitchFamily="18" charset="0"/>
+              </a:rPr>
+              <a:t> de </a:t>
+            </a:r>
+            <a:r>
+              <a:rPr lang="es-ES" b="1" dirty="0">
+                <a:latin typeface="Arial" panose="020B0604020202020204" pitchFamily="34" charset="0"/>
+                <a:ea typeface="Calibri" panose="020F0502020204030204" pitchFamily="34" charset="0"/>
+                <a:cs typeface="Times New Roman" panose="02020603050405020304" pitchFamily="18" charset="0"/>
+              </a:rPr>
+              <a:t>IZZI</a:t>
+            </a:r>
+            <a:r>
+              <a:rPr lang="es-ES" dirty="0">
+                <a:latin typeface="Arial" panose="020B0604020202020204" pitchFamily="34" charset="0"/>
+                <a:ea typeface="Calibri" panose="020F0502020204030204" pitchFamily="34" charset="0"/>
+                <a:cs typeface="Times New Roman" panose="02020603050405020304" pitchFamily="18" charset="0"/>
+              </a:rPr>
+              <a:t>.</a:t>
+            </a:r>
+            <a:endParaRPr lang="es-MX" dirty="0">
+              <a:effectLst/>
+              <a:latin typeface="Calibri" panose="020F0502020204030204" pitchFamily="34" charset="0"/>
+              <a:ea typeface="Calibri" panose="020F0502020204030204" pitchFamily="34" charset="0"/>
+              <a:cs typeface="Times New Roman" panose="02020603050405020304" pitchFamily="18" charset="0"/>
+            </a:endParaRPr>
+          </a:p>
+        </p:txBody>
+      </p:sp>
+      <p:sp>
+        <p:nvSpPr>
+          <p:cNvPr id="10" name="CuadroTexto 9">
+            <a:extLst>
+              <a:ext uri="{FF2B5EF4-FFF2-40B4-BE49-F238E27FC236}">
+                <a16:creationId xmlns:a16="http://schemas.microsoft.com/office/drawing/2014/main" id="{D3F32AE4-8A04-4FDD-9941-D0198D667710}"/>
+              </a:ext>
+            </a:extLst>
+          </p:cNvPr>
+          <p:cNvSpPr txBox="1"/>
+          <p:nvPr/>
+        </p:nvSpPr>
+        <p:spPr>
+          <a:xfrm>
+            <a:off x="580532" y="2041780"/>
+            <a:ext cx="6658467" cy="463075"/>
+          </a:xfrm>
+          <a:prstGeom prst="rect">
+            <a:avLst/>
+          </a:prstGeom>
+          <a:noFill/>
+        </p:spPr>
+        <p:txBody>
+          <a:bodyPr wrap="square">
+            <a:spAutoFit/>
+          </a:bodyPr>
+          <a:lstStyle/>
+          <a:p>
+            <a:pPr>
+              <a:lnSpc>
+                <a:spcPct val="150000"/>
+              </a:lnSpc>
+              <a:spcAft>
+                <a:spcPts val="800"/>
+              </a:spcAft>
+            </a:pPr>
+            <a:r>
+              <a:rPr lang="es-ES" b="1" dirty="0">
+                <a:effectLst/>
+                <a:latin typeface="Arial" panose="020B0604020202020204" pitchFamily="34" charset="0"/>
+                <a:ea typeface="Calibri" panose="020F0502020204030204" pitchFamily="34" charset="0"/>
+                <a:cs typeface="Times New Roman" panose="02020603050405020304" pitchFamily="18" charset="0"/>
+              </a:rPr>
+              <a:t>3. </a:t>
+            </a:r>
+            <a:r>
+              <a:rPr lang="es-ES" dirty="0">
+                <a:effectLst/>
+                <a:latin typeface="Arial" panose="020B0604020202020204" pitchFamily="34" charset="0"/>
+                <a:ea typeface="Calibri" panose="020F0502020204030204" pitchFamily="34" charset="0"/>
+                <a:cs typeface="Times New Roman" panose="02020603050405020304" pitchFamily="18" charset="0"/>
+              </a:rPr>
+              <a:t>Revisar configuración de interfaces del </a:t>
+            </a:r>
+            <a:r>
+              <a:rPr lang="es-ES" b="1" dirty="0" err="1">
+                <a:effectLst/>
+                <a:latin typeface="Arial" panose="020B0604020202020204" pitchFamily="34" charset="0"/>
+                <a:ea typeface="Calibri" panose="020F0502020204030204" pitchFamily="34" charset="0"/>
+                <a:cs typeface="Times New Roman" panose="02020603050405020304" pitchFamily="18" charset="0"/>
+              </a:rPr>
+              <a:t>router</a:t>
+            </a:r>
+            <a:r>
+              <a:rPr lang="es-ES" b="1" dirty="0">
+                <a:effectLst/>
+                <a:latin typeface="Arial" panose="020B0604020202020204" pitchFamily="34" charset="0"/>
+                <a:ea typeface="Calibri" panose="020F0502020204030204" pitchFamily="34" charset="0"/>
+                <a:cs typeface="Times New Roman" panose="02020603050405020304" pitchFamily="18" charset="0"/>
+              </a:rPr>
+              <a:t> Guadalajara</a:t>
+            </a:r>
+            <a:r>
+              <a:rPr lang="es-ES" dirty="0">
+                <a:effectLst/>
+                <a:latin typeface="Arial" panose="020B0604020202020204" pitchFamily="34" charset="0"/>
+                <a:ea typeface="Calibri" panose="020F0502020204030204" pitchFamily="34" charset="0"/>
+                <a:cs typeface="Times New Roman" panose="02020603050405020304" pitchFamily="18" charset="0"/>
+              </a:rPr>
+              <a:t>.</a:t>
+            </a:r>
+            <a:endParaRPr lang="es-MX" dirty="0">
+              <a:effectLst/>
+              <a:latin typeface="Calibri" panose="020F0502020204030204" pitchFamily="34" charset="0"/>
+              <a:ea typeface="Calibri" panose="020F0502020204030204" pitchFamily="34" charset="0"/>
+              <a:cs typeface="Times New Roman" panose="02020603050405020304" pitchFamily="18" charset="0"/>
+            </a:endParaRPr>
+          </a:p>
+        </p:txBody>
+      </p:sp>
+      <p:sp>
+        <p:nvSpPr>
+          <p:cNvPr id="11" name="CuadroTexto 10">
+            <a:extLst>
+              <a:ext uri="{FF2B5EF4-FFF2-40B4-BE49-F238E27FC236}">
+                <a16:creationId xmlns:a16="http://schemas.microsoft.com/office/drawing/2014/main" id="{416DB48E-E401-4199-83C6-39F639FE3A8C}"/>
+              </a:ext>
+            </a:extLst>
+          </p:cNvPr>
+          <p:cNvSpPr txBox="1"/>
+          <p:nvPr/>
+        </p:nvSpPr>
+        <p:spPr>
+          <a:xfrm>
+            <a:off x="580532" y="2504855"/>
+            <a:ext cx="6887068" cy="878574"/>
+          </a:xfrm>
+          <a:prstGeom prst="rect">
+            <a:avLst/>
+          </a:prstGeom>
+          <a:noFill/>
+        </p:spPr>
+        <p:txBody>
+          <a:bodyPr wrap="square">
+            <a:spAutoFit/>
+          </a:bodyPr>
+          <a:lstStyle/>
+          <a:p>
+            <a:pPr marL="263525" indent="-263525">
+              <a:lnSpc>
+                <a:spcPct val="150000"/>
+              </a:lnSpc>
+              <a:spcAft>
+                <a:spcPts val="800"/>
+              </a:spcAft>
+            </a:pPr>
+            <a:r>
+              <a:rPr lang="es-ES" b="1" dirty="0">
+                <a:effectLst/>
+                <a:latin typeface="Arial" panose="020B0604020202020204" pitchFamily="34" charset="0"/>
+                <a:ea typeface="Calibri" panose="020F0502020204030204" pitchFamily="34" charset="0"/>
+                <a:cs typeface="Times New Roman" panose="02020603050405020304" pitchFamily="18" charset="0"/>
+              </a:rPr>
+              <a:t>4. </a:t>
+            </a:r>
+            <a:r>
+              <a:rPr lang="es-ES" dirty="0">
+                <a:effectLst/>
+                <a:latin typeface="Arial" panose="020B0604020202020204" pitchFamily="34" charset="0"/>
+                <a:ea typeface="Calibri" panose="020F0502020204030204" pitchFamily="34" charset="0"/>
+                <a:cs typeface="Times New Roman" panose="02020603050405020304" pitchFamily="18" charset="0"/>
+              </a:rPr>
+              <a:t>Interconectar el </a:t>
+            </a:r>
+            <a:r>
+              <a:rPr lang="es-ES" b="1" dirty="0" err="1">
+                <a:effectLst/>
+                <a:latin typeface="Arial" panose="020B0604020202020204" pitchFamily="34" charset="0"/>
+                <a:ea typeface="Calibri" panose="020F0502020204030204" pitchFamily="34" charset="0"/>
+                <a:cs typeface="Times New Roman" panose="02020603050405020304" pitchFamily="18" charset="0"/>
+              </a:rPr>
+              <a:t>router</a:t>
+            </a:r>
+            <a:r>
+              <a:rPr lang="es-ES" b="1" dirty="0">
+                <a:effectLst/>
+                <a:latin typeface="Arial" panose="020B0604020202020204" pitchFamily="34" charset="0"/>
+                <a:ea typeface="Calibri" panose="020F0502020204030204" pitchFamily="34" charset="0"/>
+                <a:cs typeface="Times New Roman" panose="02020603050405020304" pitchFamily="18" charset="0"/>
+              </a:rPr>
+              <a:t> Guadalajara</a:t>
+            </a:r>
+            <a:r>
+              <a:rPr lang="es-ES" dirty="0">
+                <a:effectLst/>
+                <a:latin typeface="Arial" panose="020B0604020202020204" pitchFamily="34" charset="0"/>
+                <a:ea typeface="Calibri" panose="020F0502020204030204" pitchFamily="34" charset="0"/>
+                <a:cs typeface="Times New Roman" panose="02020603050405020304" pitchFamily="18" charset="0"/>
+              </a:rPr>
+              <a:t> con el </a:t>
+            </a:r>
+            <a:r>
+              <a:rPr lang="es-ES" b="1" dirty="0" err="1">
+                <a:effectLst/>
+                <a:latin typeface="Arial" panose="020B0604020202020204" pitchFamily="34" charset="0"/>
+                <a:ea typeface="Calibri" panose="020F0502020204030204" pitchFamily="34" charset="0"/>
+                <a:cs typeface="Times New Roman" panose="02020603050405020304" pitchFamily="18" charset="0"/>
+              </a:rPr>
+              <a:t>router</a:t>
+            </a:r>
+            <a:r>
+              <a:rPr lang="es-ES" b="1" dirty="0">
+                <a:effectLst/>
+                <a:latin typeface="Arial" panose="020B0604020202020204" pitchFamily="34" charset="0"/>
+                <a:ea typeface="Calibri" panose="020F0502020204030204" pitchFamily="34" charset="0"/>
+                <a:cs typeface="Times New Roman" panose="02020603050405020304" pitchFamily="18" charset="0"/>
+              </a:rPr>
+              <a:t> Querétaro </a:t>
+            </a:r>
+            <a:r>
+              <a:rPr lang="es-ES" dirty="0">
+                <a:effectLst/>
+                <a:latin typeface="Arial" panose="020B0604020202020204" pitchFamily="34" charset="0"/>
+                <a:ea typeface="Calibri" panose="020F0502020204030204" pitchFamily="34" charset="0"/>
+                <a:cs typeface="Times New Roman" panose="02020603050405020304" pitchFamily="18" charset="0"/>
+              </a:rPr>
+              <a:t>por la interface </a:t>
+            </a:r>
+            <a:r>
+              <a:rPr lang="es-ES" b="1" dirty="0">
+                <a:effectLst/>
+                <a:latin typeface="Arial" panose="020B0604020202020204" pitchFamily="34" charset="0"/>
+                <a:ea typeface="Calibri" panose="020F0502020204030204" pitchFamily="34" charset="0"/>
+                <a:cs typeface="Times New Roman" panose="02020603050405020304" pitchFamily="18" charset="0"/>
+              </a:rPr>
+              <a:t>g0/1 </a:t>
+            </a:r>
+            <a:r>
+              <a:rPr lang="es-ES" dirty="0">
+                <a:effectLst/>
+                <a:latin typeface="Arial" panose="020B0604020202020204" pitchFamily="34" charset="0"/>
+                <a:ea typeface="Calibri" panose="020F0502020204030204" pitchFamily="34" charset="0"/>
+                <a:cs typeface="Times New Roman" panose="02020603050405020304" pitchFamily="18" charset="0"/>
+              </a:rPr>
+              <a:t>de cada </a:t>
+            </a:r>
+            <a:r>
+              <a:rPr lang="es-ES" dirty="0" err="1">
+                <a:effectLst/>
+                <a:latin typeface="Arial" panose="020B0604020202020204" pitchFamily="34" charset="0"/>
+                <a:ea typeface="Calibri" panose="020F0502020204030204" pitchFamily="34" charset="0"/>
+                <a:cs typeface="Times New Roman" panose="02020603050405020304" pitchFamily="18" charset="0"/>
+              </a:rPr>
+              <a:t>router</a:t>
+            </a:r>
+            <a:r>
+              <a:rPr lang="es-ES" dirty="0">
+                <a:effectLst/>
+                <a:latin typeface="Arial" panose="020B0604020202020204" pitchFamily="34" charset="0"/>
+                <a:ea typeface="Calibri" panose="020F0502020204030204" pitchFamily="34" charset="0"/>
+                <a:cs typeface="Times New Roman" panose="02020603050405020304" pitchFamily="18" charset="0"/>
+              </a:rPr>
+              <a:t>.</a:t>
+            </a:r>
+            <a:endParaRPr lang="es-MX" dirty="0">
+              <a:effectLst/>
+              <a:latin typeface="Calibri" panose="020F0502020204030204" pitchFamily="34" charset="0"/>
+              <a:ea typeface="Calibri" panose="020F0502020204030204" pitchFamily="34" charset="0"/>
+              <a:cs typeface="Times New Roman" panose="02020603050405020304" pitchFamily="18" charset="0"/>
+            </a:endParaRPr>
+          </a:p>
+        </p:txBody>
+      </p:sp>
+    </p:spTree>
+    <p:extLst>
+      <p:ext uri="{BB962C8B-B14F-4D97-AF65-F5344CB8AC3E}">
+        <p14:creationId xmlns:p14="http://schemas.microsoft.com/office/powerpoint/2010/main" val="2623255795"/>
+      </p:ext>
+    </p:extLst>
+  </p:cSld>
+  <p:clrMapOvr>
+    <a:masterClrMapping/>
+  </p:clrMapOvr>
+</p:sld>
+</file>
+
+<file path=ppt/slides/slide7.xml><?xml version="1.0" encoding="utf-8"?>
+<p:sld xmlns:a="http://schemas.openxmlformats.org/drawingml/2006/main" xmlns:r="http://schemas.openxmlformats.org/officeDocument/2006/relationships" xmlns:p="http://schemas.openxmlformats.org/presentationml/2006/main">
+  <p:cSld>
+    <p:spTree>
+      <p:nvGrpSpPr>
+        <p:cNvPr id="1" name=""/>
+        <p:cNvGrpSpPr/>
+        <p:nvPr/>
+      </p:nvGrpSpPr>
+      <p:grpSpPr>
+        <a:xfrm>
+          <a:off x="0" y="0"/>
+          <a:ext cx="0" cy="0"/>
+          <a:chOff x="0" y="0"/>
+          <a:chExt cx="0" cy="0"/>
+        </a:xfrm>
+      </p:grpSpPr>
+      <p:sp>
+        <p:nvSpPr>
+          <p:cNvPr id="5" name="CuadroTexto 4">
+            <a:extLst>
+              <a:ext uri="{FF2B5EF4-FFF2-40B4-BE49-F238E27FC236}">
+                <a16:creationId xmlns:a16="http://schemas.microsoft.com/office/drawing/2014/main" id="{6AA9D110-6FFC-455A-8208-CF01108FD59E}"/>
+              </a:ext>
+            </a:extLst>
+          </p:cNvPr>
+          <p:cNvSpPr txBox="1"/>
+          <p:nvPr/>
+        </p:nvSpPr>
+        <p:spPr>
+          <a:xfrm>
+            <a:off x="304800" y="108427"/>
+            <a:ext cx="11277600" cy="892552"/>
+          </a:xfrm>
+          <a:prstGeom prst="rect">
+            <a:avLst/>
+          </a:prstGeom>
+          <a:noFill/>
+        </p:spPr>
+        <p:txBody>
+          <a:bodyPr wrap="square" rtlCol="0">
+            <a:spAutoFit/>
+          </a:bodyPr>
+          <a:lstStyle/>
+          <a:p>
+            <a:pPr algn="ctr"/>
+            <a:r>
+              <a:rPr lang="es-ES" sz="2800" b="1" dirty="0"/>
+              <a:t>Proyecto </a:t>
+            </a:r>
+            <a:r>
+              <a:rPr lang="es-ES" sz="2800" b="1" dirty="0" err="1"/>
+              <a:t>YEYO’s</a:t>
+            </a:r>
+            <a:r>
+              <a:rPr lang="es-ES" sz="2800" b="1" dirty="0"/>
+              <a:t> Store</a:t>
+            </a:r>
+          </a:p>
+          <a:p>
+            <a:pPr algn="ctr"/>
+            <a:r>
+              <a:rPr lang="es-ES" sz="2400" dirty="0"/>
+              <a:t>Nueva configuración del </a:t>
+            </a:r>
+            <a:r>
+              <a:rPr lang="es-ES" sz="2400" dirty="0" err="1"/>
+              <a:t>router</a:t>
+            </a:r>
+            <a:r>
+              <a:rPr lang="es-ES" sz="2400" dirty="0"/>
+              <a:t> Guadalajara</a:t>
+            </a:r>
+            <a:endParaRPr lang="es-MX" sz="2400" dirty="0"/>
+          </a:p>
+        </p:txBody>
+      </p:sp>
+      <p:sp>
+        <p:nvSpPr>
+          <p:cNvPr id="8" name="CuadroTexto 7">
+            <a:extLst>
+              <a:ext uri="{FF2B5EF4-FFF2-40B4-BE49-F238E27FC236}">
+                <a16:creationId xmlns:a16="http://schemas.microsoft.com/office/drawing/2014/main" id="{F8162220-B66C-48DB-B5AA-BC509244B7E6}"/>
+              </a:ext>
+            </a:extLst>
+          </p:cNvPr>
+          <p:cNvSpPr txBox="1"/>
+          <p:nvPr/>
+        </p:nvSpPr>
+        <p:spPr>
+          <a:xfrm>
+            <a:off x="457200" y="1185224"/>
+            <a:ext cx="11277600" cy="670120"/>
+          </a:xfrm>
+          <a:prstGeom prst="rect">
+            <a:avLst/>
+          </a:prstGeom>
+          <a:noFill/>
+        </p:spPr>
+        <p:txBody>
+          <a:bodyPr wrap="square">
+            <a:spAutoFit/>
+          </a:bodyPr>
+          <a:lstStyle/>
+          <a:p>
+            <a:pPr marL="263525" indent="-263525" algn="just">
+              <a:lnSpc>
+                <a:spcPct val="107000"/>
+              </a:lnSpc>
+              <a:spcAft>
+                <a:spcPts val="800"/>
+              </a:spcAft>
+            </a:pPr>
+            <a:r>
+              <a:rPr lang="es-ES" sz="1800" b="1" dirty="0">
+                <a:effectLst/>
+                <a:latin typeface="Arial" panose="020B0604020202020204" pitchFamily="34" charset="0"/>
+                <a:ea typeface="Calibri" panose="020F0502020204030204" pitchFamily="34" charset="0"/>
+                <a:cs typeface="Times New Roman" panose="02020603050405020304" pitchFamily="18" charset="0"/>
+              </a:rPr>
+              <a:t>5. </a:t>
+            </a:r>
+            <a:r>
+              <a:rPr lang="es-ES" sz="1800" dirty="0">
+                <a:effectLst/>
+                <a:latin typeface="Arial" panose="020B0604020202020204" pitchFamily="34" charset="0"/>
+                <a:ea typeface="Calibri" panose="020F0502020204030204" pitchFamily="34" charset="0"/>
+                <a:cs typeface="Times New Roman" panose="02020603050405020304" pitchFamily="18" charset="0"/>
+              </a:rPr>
+              <a:t>Configurar las interfaces </a:t>
+            </a:r>
+            <a:r>
+              <a:rPr lang="es-ES" sz="1800" b="1" dirty="0">
+                <a:effectLst/>
+                <a:latin typeface="Arial" panose="020B0604020202020204" pitchFamily="34" charset="0"/>
+                <a:ea typeface="Calibri" panose="020F0502020204030204" pitchFamily="34" charset="0"/>
+                <a:cs typeface="Times New Roman" panose="02020603050405020304" pitchFamily="18" charset="0"/>
+              </a:rPr>
+              <a:t>g0/1</a:t>
+            </a:r>
+            <a:r>
+              <a:rPr lang="es-ES" sz="1800" dirty="0">
+                <a:effectLst/>
+                <a:latin typeface="Arial" panose="020B0604020202020204" pitchFamily="34" charset="0"/>
+                <a:ea typeface="Calibri" panose="020F0502020204030204" pitchFamily="34" charset="0"/>
+                <a:cs typeface="Times New Roman" panose="02020603050405020304" pitchFamily="18" charset="0"/>
+              </a:rPr>
+              <a:t> en cada </a:t>
+            </a:r>
+            <a:r>
+              <a:rPr lang="es-ES" sz="1800" dirty="0" err="1">
+                <a:effectLst/>
+                <a:latin typeface="Arial" panose="020B0604020202020204" pitchFamily="34" charset="0"/>
+                <a:ea typeface="Calibri" panose="020F0502020204030204" pitchFamily="34" charset="0"/>
+                <a:cs typeface="Times New Roman" panose="02020603050405020304" pitchFamily="18" charset="0"/>
+              </a:rPr>
+              <a:t>router</a:t>
+            </a:r>
+            <a:r>
+              <a:rPr lang="es-ES" sz="1800" dirty="0">
+                <a:effectLst/>
+                <a:latin typeface="Arial" panose="020B0604020202020204" pitchFamily="34" charset="0"/>
+                <a:ea typeface="Calibri" panose="020F0502020204030204" pitchFamily="34" charset="0"/>
+                <a:cs typeface="Times New Roman" panose="02020603050405020304" pitchFamily="18" charset="0"/>
+              </a:rPr>
+              <a:t>. Se requiere de una subred con dos direcciones. Utilizar la siguiente subred </a:t>
+            </a:r>
+            <a:r>
+              <a:rPr lang="es-ES" sz="1800" b="1" dirty="0">
+                <a:effectLst/>
+                <a:latin typeface="Arial" panose="020B0604020202020204" pitchFamily="34" charset="0"/>
+                <a:ea typeface="Calibri" panose="020F0502020204030204" pitchFamily="34" charset="0"/>
+                <a:cs typeface="Times New Roman" panose="02020603050405020304" pitchFamily="18" charset="0"/>
+              </a:rPr>
+              <a:t>/30</a:t>
+            </a:r>
+            <a:r>
+              <a:rPr lang="es-ES" sz="1800" dirty="0">
+                <a:effectLst/>
+                <a:latin typeface="Arial" panose="020B0604020202020204" pitchFamily="34" charset="0"/>
+                <a:ea typeface="Calibri" panose="020F0502020204030204" pitchFamily="34" charset="0"/>
+                <a:cs typeface="Times New Roman" panose="02020603050405020304" pitchFamily="18" charset="0"/>
+              </a:rPr>
+              <a:t>.</a:t>
+            </a:r>
+            <a:endParaRPr lang="es-MX" sz="1800" dirty="0">
+              <a:effectLst/>
+              <a:latin typeface="Calibri" panose="020F0502020204030204" pitchFamily="34" charset="0"/>
+              <a:ea typeface="Calibri" panose="020F0502020204030204" pitchFamily="34" charset="0"/>
+              <a:cs typeface="Times New Roman" panose="02020603050405020304" pitchFamily="18" charset="0"/>
+            </a:endParaRPr>
+          </a:p>
+        </p:txBody>
+      </p:sp>
+      <p:pic>
+        <p:nvPicPr>
+          <p:cNvPr id="9" name="Imagen 8">
+            <a:extLst>
+              <a:ext uri="{FF2B5EF4-FFF2-40B4-BE49-F238E27FC236}">
+                <a16:creationId xmlns:a16="http://schemas.microsoft.com/office/drawing/2014/main" id="{E65F3D27-932C-480F-A3A0-59C8D29BFC23}"/>
+              </a:ext>
+            </a:extLst>
+          </p:cNvPr>
+          <p:cNvPicPr/>
+          <p:nvPr/>
+        </p:nvPicPr>
+        <p:blipFill>
+          <a:blip r:embed="rId3">
+            <a:extLst>
+              <a:ext uri="{28A0092B-C50C-407E-A947-70E740481C1C}">
+                <a14:useLocalDpi xmlns:a14="http://schemas.microsoft.com/office/drawing/2010/main" val="0"/>
+              </a:ext>
+            </a:extLst>
+          </a:blip>
+          <a:srcRect/>
+          <a:stretch>
+            <a:fillRect/>
+          </a:stretch>
+        </p:blipFill>
+        <p:spPr bwMode="auto">
+          <a:xfrm>
+            <a:off x="5333999" y="3006072"/>
+            <a:ext cx="6398443" cy="3166128"/>
+          </a:xfrm>
+          <a:prstGeom prst="rect">
+            <a:avLst/>
+          </a:prstGeom>
+          <a:noFill/>
+          <a:ln>
+            <a:noFill/>
+          </a:ln>
+        </p:spPr>
+      </p:pic>
+      <p:sp>
+        <p:nvSpPr>
+          <p:cNvPr id="13" name="CuadroTexto 12">
+            <a:extLst>
+              <a:ext uri="{FF2B5EF4-FFF2-40B4-BE49-F238E27FC236}">
+                <a16:creationId xmlns:a16="http://schemas.microsoft.com/office/drawing/2014/main" id="{65A7A396-7B87-4984-8622-FCF54166426E}"/>
+              </a:ext>
+            </a:extLst>
+          </p:cNvPr>
+          <p:cNvSpPr txBox="1"/>
+          <p:nvPr/>
+        </p:nvSpPr>
+        <p:spPr>
+          <a:xfrm>
+            <a:off x="457200" y="2039589"/>
+            <a:ext cx="11277600" cy="966483"/>
+          </a:xfrm>
+          <a:prstGeom prst="rect">
+            <a:avLst/>
+          </a:prstGeom>
+          <a:noFill/>
+        </p:spPr>
+        <p:txBody>
+          <a:bodyPr wrap="square">
+            <a:spAutoFit/>
+          </a:bodyPr>
+          <a:lstStyle/>
+          <a:p>
+            <a:pPr marL="263525" indent="-263525" algn="just">
+              <a:lnSpc>
+                <a:spcPct val="107000"/>
+              </a:lnSpc>
+              <a:spcAft>
+                <a:spcPts val="800"/>
+              </a:spcAft>
+            </a:pPr>
+            <a:r>
+              <a:rPr lang="es-ES" sz="1800" b="1" dirty="0">
+                <a:effectLst/>
+                <a:latin typeface="Arial" panose="020B0604020202020204" pitchFamily="34" charset="0"/>
+                <a:ea typeface="Calibri" panose="020F0502020204030204" pitchFamily="34" charset="0"/>
+                <a:cs typeface="Times New Roman" panose="02020603050405020304" pitchFamily="18" charset="0"/>
+              </a:rPr>
+              <a:t>6. </a:t>
+            </a:r>
+            <a:r>
+              <a:rPr lang="es-ES" sz="1800" dirty="0">
+                <a:effectLst/>
+                <a:latin typeface="Arial" panose="020B0604020202020204" pitchFamily="34" charset="0"/>
+                <a:ea typeface="Calibri" panose="020F0502020204030204" pitchFamily="34" charset="0"/>
+                <a:cs typeface="Times New Roman" panose="02020603050405020304" pitchFamily="18" charset="0"/>
+              </a:rPr>
+              <a:t>Perder la conexión con el </a:t>
+            </a:r>
+            <a:r>
+              <a:rPr lang="es-ES" sz="1800" b="1" dirty="0">
+                <a:effectLst/>
+                <a:latin typeface="Arial" panose="020B0604020202020204" pitchFamily="34" charset="0"/>
+                <a:ea typeface="Calibri" panose="020F0502020204030204" pitchFamily="34" charset="0"/>
+                <a:cs typeface="Times New Roman" panose="02020603050405020304" pitchFamily="18" charset="0"/>
+              </a:rPr>
+              <a:t>ISP</a:t>
+            </a:r>
+            <a:r>
+              <a:rPr lang="es-ES" sz="1800" dirty="0">
+                <a:effectLst/>
+                <a:latin typeface="Arial" panose="020B0604020202020204" pitchFamily="34" charset="0"/>
+                <a:ea typeface="Calibri" panose="020F0502020204030204" pitchFamily="34" charset="0"/>
+                <a:cs typeface="Times New Roman" panose="02020603050405020304" pitchFamily="18" charset="0"/>
+              </a:rPr>
+              <a:t> de </a:t>
+            </a:r>
+            <a:r>
+              <a:rPr lang="es-ES" sz="1800" b="1" dirty="0">
+                <a:effectLst/>
+                <a:latin typeface="Arial" panose="020B0604020202020204" pitchFamily="34" charset="0"/>
+                <a:ea typeface="Calibri" panose="020F0502020204030204" pitchFamily="34" charset="0"/>
+                <a:cs typeface="Times New Roman" panose="02020603050405020304" pitchFamily="18" charset="0"/>
+              </a:rPr>
+              <a:t>IZZI</a:t>
+            </a:r>
+            <a:r>
+              <a:rPr lang="es-ES" sz="1800" dirty="0">
+                <a:effectLst/>
+                <a:latin typeface="Arial" panose="020B0604020202020204" pitchFamily="34" charset="0"/>
+                <a:ea typeface="Calibri" panose="020F0502020204030204" pitchFamily="34" charset="0"/>
+                <a:cs typeface="Times New Roman" panose="02020603050405020304" pitchFamily="18" charset="0"/>
+              </a:rPr>
+              <a:t> implica que ya se va a tener NATEO en el </a:t>
+            </a:r>
+            <a:r>
+              <a:rPr lang="es-ES" sz="1800" b="1" dirty="0" err="1">
+                <a:effectLst/>
+                <a:latin typeface="Arial" panose="020B0604020202020204" pitchFamily="34" charset="0"/>
+                <a:ea typeface="Calibri" panose="020F0502020204030204" pitchFamily="34" charset="0"/>
+                <a:cs typeface="Times New Roman" panose="02020603050405020304" pitchFamily="18" charset="0"/>
+              </a:rPr>
+              <a:t>Router</a:t>
+            </a:r>
+            <a:r>
+              <a:rPr lang="es-ES" sz="1800" b="1" dirty="0">
+                <a:effectLst/>
+                <a:latin typeface="Arial" panose="020B0604020202020204" pitchFamily="34" charset="0"/>
+                <a:ea typeface="Calibri" panose="020F0502020204030204" pitchFamily="34" charset="0"/>
+                <a:cs typeface="Times New Roman" panose="02020603050405020304" pitchFamily="18" charset="0"/>
+              </a:rPr>
+              <a:t> Guadalajara</a:t>
+            </a:r>
+            <a:r>
+              <a:rPr lang="es-ES" sz="1800" dirty="0">
+                <a:effectLst/>
+                <a:latin typeface="Arial" panose="020B0604020202020204" pitchFamily="34" charset="0"/>
+                <a:ea typeface="Calibri" panose="020F0502020204030204" pitchFamily="34" charset="0"/>
+                <a:cs typeface="Times New Roman" panose="02020603050405020304" pitchFamily="18" charset="0"/>
+              </a:rPr>
+              <a:t>, por lo que hay que eliminar esta configuración. Se configurará </a:t>
+            </a:r>
+            <a:r>
+              <a:rPr lang="es-ES" dirty="0">
+                <a:latin typeface="Arial" panose="020B0604020202020204" pitchFamily="34" charset="0"/>
+                <a:ea typeface="Calibri" panose="020F0502020204030204" pitchFamily="34" charset="0"/>
+                <a:cs typeface="Times New Roman" panose="02020603050405020304" pitchFamily="18" charset="0"/>
+              </a:rPr>
+              <a:t>el </a:t>
+            </a:r>
+            <a:r>
+              <a:rPr lang="es-ES" sz="1800" dirty="0">
+                <a:effectLst/>
+                <a:latin typeface="Arial" panose="020B0604020202020204" pitchFamily="34" charset="0"/>
+                <a:ea typeface="Calibri" panose="020F0502020204030204" pitchFamily="34" charset="0"/>
+                <a:cs typeface="Times New Roman" panose="02020603050405020304" pitchFamily="18" charset="0"/>
+              </a:rPr>
+              <a:t>NATEO en el </a:t>
+            </a:r>
+            <a:r>
+              <a:rPr lang="es-ES" sz="1800" b="1" dirty="0" err="1">
+                <a:effectLst/>
+                <a:latin typeface="Arial" panose="020B0604020202020204" pitchFamily="34" charset="0"/>
+                <a:ea typeface="Calibri" panose="020F0502020204030204" pitchFamily="34" charset="0"/>
+                <a:cs typeface="Times New Roman" panose="02020603050405020304" pitchFamily="18" charset="0"/>
+              </a:rPr>
+              <a:t>router</a:t>
+            </a:r>
+            <a:r>
+              <a:rPr lang="es-ES" sz="1800" b="1" dirty="0">
+                <a:effectLst/>
+                <a:latin typeface="Arial" panose="020B0604020202020204" pitchFamily="34" charset="0"/>
+                <a:ea typeface="Calibri" panose="020F0502020204030204" pitchFamily="34" charset="0"/>
+                <a:cs typeface="Times New Roman" panose="02020603050405020304" pitchFamily="18" charset="0"/>
+              </a:rPr>
+              <a:t> frontera (Querétaro) </a:t>
+            </a:r>
+            <a:r>
+              <a:rPr lang="es-ES" sz="1800" dirty="0">
+                <a:effectLst/>
+                <a:latin typeface="Arial" panose="020B0604020202020204" pitchFamily="34" charset="0"/>
+                <a:ea typeface="Calibri" panose="020F0502020204030204" pitchFamily="34" charset="0"/>
+                <a:cs typeface="Times New Roman" panose="02020603050405020304" pitchFamily="18" charset="0"/>
+              </a:rPr>
+              <a:t>que conecta con el </a:t>
+            </a:r>
+            <a:r>
+              <a:rPr lang="es-ES" sz="1800" b="1" dirty="0">
+                <a:effectLst/>
+                <a:latin typeface="Arial" panose="020B0604020202020204" pitchFamily="34" charset="0"/>
+                <a:ea typeface="Calibri" panose="020F0502020204030204" pitchFamily="34" charset="0"/>
+                <a:cs typeface="Times New Roman" panose="02020603050405020304" pitchFamily="18" charset="0"/>
+              </a:rPr>
+              <a:t>ISP </a:t>
+            </a:r>
+            <a:r>
+              <a:rPr lang="es-ES" sz="1800" dirty="0">
+                <a:effectLst/>
+                <a:latin typeface="Arial" panose="020B0604020202020204" pitchFamily="34" charset="0"/>
+                <a:ea typeface="Calibri" panose="020F0502020204030204" pitchFamily="34" charset="0"/>
+                <a:cs typeface="Times New Roman" panose="02020603050405020304" pitchFamily="18" charset="0"/>
+              </a:rPr>
+              <a:t>de</a:t>
+            </a:r>
+            <a:r>
+              <a:rPr lang="es-ES" sz="1800" b="1" dirty="0">
+                <a:effectLst/>
+                <a:latin typeface="Arial" panose="020B0604020202020204" pitchFamily="34" charset="0"/>
+                <a:ea typeface="Calibri" panose="020F0502020204030204" pitchFamily="34" charset="0"/>
+                <a:cs typeface="Times New Roman" panose="02020603050405020304" pitchFamily="18" charset="0"/>
+              </a:rPr>
+              <a:t> Telmex</a:t>
+            </a:r>
+            <a:r>
+              <a:rPr lang="es-ES" sz="1800" dirty="0">
+                <a:effectLst/>
+                <a:latin typeface="Arial" panose="020B0604020202020204" pitchFamily="34" charset="0"/>
+                <a:ea typeface="Calibri" panose="020F0502020204030204" pitchFamily="34" charset="0"/>
+                <a:cs typeface="Times New Roman" panose="02020603050405020304" pitchFamily="18" charset="0"/>
+              </a:rPr>
+              <a:t>.</a:t>
+            </a:r>
+            <a:endParaRPr lang="es-MX" sz="1800" dirty="0">
+              <a:effectLst/>
+              <a:latin typeface="Calibri" panose="020F0502020204030204" pitchFamily="34" charset="0"/>
+              <a:ea typeface="Calibri" panose="020F0502020204030204" pitchFamily="34" charset="0"/>
+              <a:cs typeface="Times New Roman" panose="02020603050405020304" pitchFamily="18" charset="0"/>
+            </a:endParaRPr>
+          </a:p>
+        </p:txBody>
+      </p:sp>
+      <p:sp>
+        <p:nvSpPr>
+          <p:cNvPr id="14" name="CuadroTexto 13">
+            <a:extLst>
+              <a:ext uri="{FF2B5EF4-FFF2-40B4-BE49-F238E27FC236}">
+                <a16:creationId xmlns:a16="http://schemas.microsoft.com/office/drawing/2014/main" id="{F2AFE641-CB45-4D98-8243-E0CA40E5C396}"/>
+              </a:ext>
+            </a:extLst>
+          </p:cNvPr>
+          <p:cNvSpPr txBox="1"/>
+          <p:nvPr/>
+        </p:nvSpPr>
+        <p:spPr>
+          <a:xfrm>
+            <a:off x="459557" y="3223181"/>
+            <a:ext cx="4493443" cy="966483"/>
+          </a:xfrm>
+          <a:prstGeom prst="rect">
+            <a:avLst/>
+          </a:prstGeom>
+          <a:noFill/>
+        </p:spPr>
+        <p:txBody>
+          <a:bodyPr wrap="square">
+            <a:spAutoFit/>
+          </a:bodyPr>
+          <a:lstStyle/>
+          <a:p>
+            <a:pPr marL="263525" indent="-263525" algn="just">
+              <a:lnSpc>
+                <a:spcPct val="107000"/>
+              </a:lnSpc>
+              <a:spcAft>
+                <a:spcPts val="800"/>
+              </a:spcAft>
+            </a:pPr>
+            <a:r>
+              <a:rPr lang="es-ES" sz="1800" b="1" dirty="0">
+                <a:effectLst/>
+                <a:latin typeface="Arial" panose="020B0604020202020204" pitchFamily="34" charset="0"/>
+                <a:ea typeface="Calibri" panose="020F0502020204030204" pitchFamily="34" charset="0"/>
+                <a:cs typeface="Times New Roman" panose="02020603050405020304" pitchFamily="18" charset="0"/>
+              </a:rPr>
+              <a:t>7. </a:t>
+            </a:r>
+            <a:r>
+              <a:rPr lang="es-ES" sz="1800" dirty="0">
+                <a:effectLst/>
+                <a:latin typeface="Arial" panose="020B0604020202020204" pitchFamily="34" charset="0"/>
+                <a:ea typeface="Calibri" panose="020F0502020204030204" pitchFamily="34" charset="0"/>
+                <a:cs typeface="Times New Roman" panose="02020603050405020304" pitchFamily="18" charset="0"/>
+              </a:rPr>
+              <a:t>Actualizar la configuración del protocolo de enrutamiento </a:t>
+            </a:r>
+            <a:r>
+              <a:rPr lang="es-ES" sz="1800" b="1" dirty="0">
+                <a:effectLst/>
+                <a:latin typeface="Arial" panose="020B0604020202020204" pitchFamily="34" charset="0"/>
+                <a:ea typeface="Calibri" panose="020F0502020204030204" pitchFamily="34" charset="0"/>
+                <a:cs typeface="Times New Roman" panose="02020603050405020304" pitchFamily="18" charset="0"/>
+              </a:rPr>
+              <a:t>OSPF</a:t>
+            </a:r>
+            <a:r>
+              <a:rPr lang="es-ES" sz="1800" dirty="0">
+                <a:effectLst/>
+                <a:latin typeface="Arial" panose="020B0604020202020204" pitchFamily="34" charset="0"/>
+                <a:ea typeface="Calibri" panose="020F0502020204030204" pitchFamily="34" charset="0"/>
+                <a:cs typeface="Times New Roman" panose="02020603050405020304" pitchFamily="18" charset="0"/>
+              </a:rPr>
+              <a:t> en el </a:t>
+            </a:r>
+            <a:r>
+              <a:rPr lang="es-ES" sz="1800" b="1" dirty="0" err="1">
+                <a:effectLst/>
+                <a:latin typeface="Arial" panose="020B0604020202020204" pitchFamily="34" charset="0"/>
+                <a:ea typeface="Calibri" panose="020F0502020204030204" pitchFamily="34" charset="0"/>
+                <a:cs typeface="Times New Roman" panose="02020603050405020304" pitchFamily="18" charset="0"/>
+              </a:rPr>
+              <a:t>router</a:t>
+            </a:r>
+            <a:r>
+              <a:rPr lang="es-ES" sz="1800" b="1" dirty="0">
+                <a:effectLst/>
+                <a:latin typeface="Arial" panose="020B0604020202020204" pitchFamily="34" charset="0"/>
+                <a:ea typeface="Calibri" panose="020F0502020204030204" pitchFamily="34" charset="0"/>
+                <a:cs typeface="Times New Roman" panose="02020603050405020304" pitchFamily="18" charset="0"/>
+              </a:rPr>
+              <a:t> Guadalajara</a:t>
+            </a:r>
+            <a:r>
+              <a:rPr lang="es-ES" sz="1800" dirty="0">
+                <a:effectLst/>
+                <a:latin typeface="Arial" panose="020B0604020202020204" pitchFamily="34" charset="0"/>
+                <a:ea typeface="Calibri" panose="020F0502020204030204" pitchFamily="34" charset="0"/>
+                <a:cs typeface="Times New Roman" panose="02020603050405020304" pitchFamily="18" charset="0"/>
+              </a:rPr>
+              <a:t> y eliminar ruta estática.</a:t>
+            </a:r>
+            <a:endParaRPr lang="es-MX" sz="1800" dirty="0">
+              <a:effectLst/>
+              <a:latin typeface="Calibri" panose="020F0502020204030204" pitchFamily="34" charset="0"/>
+              <a:ea typeface="Calibri" panose="020F0502020204030204" pitchFamily="34" charset="0"/>
+              <a:cs typeface="Times New Roman" panose="02020603050405020304" pitchFamily="18" charset="0"/>
+            </a:endParaRPr>
+          </a:p>
+        </p:txBody>
+      </p:sp>
+    </p:spTree>
+    <p:extLst>
+      <p:ext uri="{BB962C8B-B14F-4D97-AF65-F5344CB8AC3E}">
+        <p14:creationId xmlns:p14="http://schemas.microsoft.com/office/powerpoint/2010/main" val="3454697612"/>
+      </p:ext>
+    </p:extLst>
+  </p:cSld>
+  <p:clrMapOvr>
+    <a:masterClrMapping/>
+  </p:clrMapOvr>
+</p:sld>
+</file>
+
+<file path=ppt/slides/slide8.xml><?xml version="1.0" encoding="utf-8"?>
+<p:sld xmlns:a="http://schemas.openxmlformats.org/drawingml/2006/main" xmlns:r="http://schemas.openxmlformats.org/officeDocument/2006/relationships" xmlns:p="http://schemas.openxmlformats.org/presentationml/2006/main">
+  <p:cSld>
+    <p:spTree>
+      <p:nvGrpSpPr>
+        <p:cNvPr id="1" name=""/>
+        <p:cNvGrpSpPr/>
+        <p:nvPr/>
+      </p:nvGrpSpPr>
+      <p:grpSpPr>
+        <a:xfrm>
+          <a:off x="0" y="0"/>
+          <a:ext cx="0" cy="0"/>
+          <a:chOff x="0" y="0"/>
+          <a:chExt cx="0" cy="0"/>
+        </a:xfrm>
+      </p:grpSpPr>
+      <p:sp>
+        <p:nvSpPr>
+          <p:cNvPr id="5" name="CuadroTexto 4">
+            <a:extLst>
+              <a:ext uri="{FF2B5EF4-FFF2-40B4-BE49-F238E27FC236}">
+                <a16:creationId xmlns:a16="http://schemas.microsoft.com/office/drawing/2014/main" id="{6AA9D110-6FFC-455A-8208-CF01108FD59E}"/>
+              </a:ext>
+            </a:extLst>
+          </p:cNvPr>
+          <p:cNvSpPr txBox="1"/>
+          <p:nvPr/>
+        </p:nvSpPr>
+        <p:spPr>
+          <a:xfrm>
+            <a:off x="304800" y="108427"/>
+            <a:ext cx="11277600" cy="892552"/>
+          </a:xfrm>
+          <a:prstGeom prst="rect">
+            <a:avLst/>
+          </a:prstGeom>
+          <a:noFill/>
+        </p:spPr>
+        <p:txBody>
+          <a:bodyPr wrap="square" rtlCol="0">
+            <a:spAutoFit/>
+          </a:bodyPr>
+          <a:lstStyle/>
+          <a:p>
+            <a:pPr algn="ctr"/>
+            <a:r>
+              <a:rPr lang="es-ES" sz="2800" b="1" dirty="0"/>
+              <a:t>Proyecto </a:t>
+            </a:r>
+            <a:r>
+              <a:rPr lang="es-ES" sz="2800" b="1" dirty="0" err="1"/>
+              <a:t>YEYO’s</a:t>
+            </a:r>
+            <a:r>
+              <a:rPr lang="es-ES" sz="2800" b="1" dirty="0"/>
+              <a:t> Store</a:t>
+            </a:r>
+          </a:p>
+          <a:p>
+            <a:pPr algn="ctr"/>
+            <a:r>
+              <a:rPr lang="es-ES" sz="2400" dirty="0"/>
+              <a:t>Nueva configuración del </a:t>
+            </a:r>
+            <a:r>
+              <a:rPr lang="es-ES" sz="2400" dirty="0" err="1"/>
+              <a:t>router</a:t>
+            </a:r>
+            <a:r>
+              <a:rPr lang="es-ES" sz="2400" dirty="0"/>
+              <a:t> Querétaro</a:t>
+            </a:r>
+            <a:endParaRPr lang="es-MX" sz="2400" dirty="0"/>
+          </a:p>
+        </p:txBody>
+      </p:sp>
+      <p:sp>
+        <p:nvSpPr>
+          <p:cNvPr id="8" name="CuadroTexto 7">
+            <a:extLst>
+              <a:ext uri="{FF2B5EF4-FFF2-40B4-BE49-F238E27FC236}">
+                <a16:creationId xmlns:a16="http://schemas.microsoft.com/office/drawing/2014/main" id="{F8162220-B66C-48DB-B5AA-BC509244B7E6}"/>
+              </a:ext>
+            </a:extLst>
+          </p:cNvPr>
+          <p:cNvSpPr txBox="1"/>
+          <p:nvPr/>
+        </p:nvSpPr>
+        <p:spPr>
+          <a:xfrm>
+            <a:off x="452486" y="2235726"/>
+            <a:ext cx="4805314" cy="670120"/>
+          </a:xfrm>
+          <a:prstGeom prst="rect">
+            <a:avLst/>
+          </a:prstGeom>
+          <a:noFill/>
+        </p:spPr>
+        <p:txBody>
+          <a:bodyPr wrap="square">
+            <a:spAutoFit/>
+          </a:bodyPr>
+          <a:lstStyle/>
+          <a:p>
+            <a:pPr marL="358775" indent="-358775" algn="just">
+              <a:lnSpc>
+                <a:spcPct val="107000"/>
+              </a:lnSpc>
+              <a:spcAft>
+                <a:spcPts val="800"/>
+              </a:spcAft>
+            </a:pPr>
+            <a:r>
+              <a:rPr lang="es-ES" sz="1800" b="1" dirty="0">
+                <a:effectLst/>
+                <a:latin typeface="Arial" panose="020B0604020202020204" pitchFamily="34" charset="0"/>
+                <a:ea typeface="Calibri" panose="020F0502020204030204" pitchFamily="34" charset="0"/>
+                <a:cs typeface="Times New Roman" panose="02020603050405020304" pitchFamily="18" charset="0"/>
+              </a:rPr>
+              <a:t>2. </a:t>
+            </a:r>
+            <a:r>
+              <a:rPr lang="es-ES" sz="1800" dirty="0">
+                <a:effectLst/>
+                <a:latin typeface="Arial" panose="020B0604020202020204" pitchFamily="34" charset="0"/>
+                <a:ea typeface="Calibri" panose="020F0502020204030204" pitchFamily="34" charset="0"/>
+                <a:cs typeface="Times New Roman" panose="02020603050405020304" pitchFamily="18" charset="0"/>
+              </a:rPr>
+              <a:t>Agregar la configuración de la interface </a:t>
+            </a:r>
+            <a:r>
+              <a:rPr lang="es-ES" sz="1800" b="1" dirty="0">
+                <a:effectLst/>
+                <a:latin typeface="Arial" panose="020B0604020202020204" pitchFamily="34" charset="0"/>
+                <a:ea typeface="Calibri" panose="020F0502020204030204" pitchFamily="34" charset="0"/>
+                <a:cs typeface="Times New Roman" panose="02020603050405020304" pitchFamily="18" charset="0"/>
+              </a:rPr>
+              <a:t>g0/1</a:t>
+            </a:r>
+            <a:r>
+              <a:rPr lang="es-ES" sz="1800" dirty="0">
+                <a:effectLst/>
+                <a:latin typeface="Arial" panose="020B0604020202020204" pitchFamily="34" charset="0"/>
+                <a:ea typeface="Calibri" panose="020F0502020204030204" pitchFamily="34" charset="0"/>
+                <a:cs typeface="Times New Roman" panose="02020603050405020304" pitchFamily="18" charset="0"/>
+              </a:rPr>
+              <a:t> en el </a:t>
+            </a:r>
+            <a:r>
+              <a:rPr lang="es-ES" sz="1800" b="1" dirty="0" err="1">
+                <a:effectLst/>
+                <a:latin typeface="Arial" panose="020B0604020202020204" pitchFamily="34" charset="0"/>
+                <a:ea typeface="Calibri" panose="020F0502020204030204" pitchFamily="34" charset="0"/>
+                <a:cs typeface="Times New Roman" panose="02020603050405020304" pitchFamily="18" charset="0"/>
+              </a:rPr>
+              <a:t>router</a:t>
+            </a:r>
+            <a:r>
+              <a:rPr lang="es-ES" sz="1800" b="1" dirty="0">
+                <a:effectLst/>
+                <a:latin typeface="Arial" panose="020B0604020202020204" pitchFamily="34" charset="0"/>
+                <a:ea typeface="Calibri" panose="020F0502020204030204" pitchFamily="34" charset="0"/>
+                <a:cs typeface="Times New Roman" panose="02020603050405020304" pitchFamily="18" charset="0"/>
+              </a:rPr>
+              <a:t> Querétaro</a:t>
+            </a:r>
+            <a:r>
+              <a:rPr lang="es-ES" sz="1800" dirty="0">
+                <a:effectLst/>
+                <a:latin typeface="Arial" panose="020B0604020202020204" pitchFamily="34" charset="0"/>
+                <a:ea typeface="Calibri" panose="020F0502020204030204" pitchFamily="34" charset="0"/>
+                <a:cs typeface="Times New Roman" panose="02020603050405020304" pitchFamily="18" charset="0"/>
+              </a:rPr>
+              <a:t>.</a:t>
+            </a:r>
+            <a:endParaRPr lang="es-MX" sz="1800" dirty="0">
+              <a:effectLst/>
+              <a:latin typeface="Calibri" panose="020F0502020204030204" pitchFamily="34" charset="0"/>
+              <a:ea typeface="Calibri" panose="020F0502020204030204" pitchFamily="34" charset="0"/>
+              <a:cs typeface="Times New Roman" panose="02020603050405020304" pitchFamily="18" charset="0"/>
+            </a:endParaRPr>
+          </a:p>
+        </p:txBody>
+      </p:sp>
+      <p:sp>
+        <p:nvSpPr>
+          <p:cNvPr id="13" name="CuadroTexto 12">
+            <a:extLst>
+              <a:ext uri="{FF2B5EF4-FFF2-40B4-BE49-F238E27FC236}">
+                <a16:creationId xmlns:a16="http://schemas.microsoft.com/office/drawing/2014/main" id="{65A7A396-7B87-4984-8622-FCF54166426E}"/>
+              </a:ext>
+            </a:extLst>
+          </p:cNvPr>
+          <p:cNvSpPr txBox="1"/>
+          <p:nvPr/>
+        </p:nvSpPr>
+        <p:spPr>
+          <a:xfrm>
+            <a:off x="452486" y="3047441"/>
+            <a:ext cx="4652914" cy="670120"/>
+          </a:xfrm>
+          <a:prstGeom prst="rect">
+            <a:avLst/>
+          </a:prstGeom>
+          <a:noFill/>
+        </p:spPr>
+        <p:txBody>
+          <a:bodyPr wrap="square">
+            <a:spAutoFit/>
+          </a:bodyPr>
+          <a:lstStyle/>
+          <a:p>
+            <a:pPr marL="358775" indent="-358775" algn="just">
+              <a:lnSpc>
+                <a:spcPct val="107000"/>
+              </a:lnSpc>
+              <a:spcAft>
+                <a:spcPts val="800"/>
+              </a:spcAft>
+            </a:pPr>
+            <a:r>
+              <a:rPr lang="es-ES" sz="1800" b="1" dirty="0">
+                <a:effectLst/>
+                <a:latin typeface="Arial" panose="020B0604020202020204" pitchFamily="34" charset="0"/>
+                <a:ea typeface="Calibri" panose="020F0502020204030204" pitchFamily="34" charset="0"/>
+                <a:cs typeface="Times New Roman" panose="02020603050405020304" pitchFamily="18" charset="0"/>
+              </a:rPr>
+              <a:t>3.  </a:t>
+            </a:r>
+            <a:r>
+              <a:rPr lang="es-ES" sz="1800" dirty="0">
+                <a:effectLst/>
+                <a:latin typeface="Arial" panose="020B0604020202020204" pitchFamily="34" charset="0"/>
+                <a:ea typeface="Calibri" panose="020F0502020204030204" pitchFamily="34" charset="0"/>
+                <a:cs typeface="Times New Roman" panose="02020603050405020304" pitchFamily="18" charset="0"/>
+              </a:rPr>
+              <a:t>Revisar</a:t>
+            </a:r>
+            <a:r>
+              <a:rPr lang="es-ES" sz="1800" b="1" dirty="0">
+                <a:effectLst/>
+                <a:latin typeface="Arial" panose="020B0604020202020204" pitchFamily="34" charset="0"/>
+                <a:ea typeface="Calibri" panose="020F0502020204030204" pitchFamily="34" charset="0"/>
+                <a:cs typeface="Times New Roman" panose="02020603050405020304" pitchFamily="18" charset="0"/>
+              </a:rPr>
+              <a:t> NAT estático </a:t>
+            </a:r>
+            <a:r>
+              <a:rPr lang="es-ES" sz="1800" dirty="0">
+                <a:effectLst/>
+                <a:latin typeface="Arial" panose="020B0604020202020204" pitchFamily="34" charset="0"/>
+                <a:ea typeface="Calibri" panose="020F0502020204030204" pitchFamily="34" charset="0"/>
+                <a:cs typeface="Times New Roman" panose="02020603050405020304" pitchFamily="18" charset="0"/>
+              </a:rPr>
+              <a:t>para el </a:t>
+            </a:r>
+            <a:r>
+              <a:rPr lang="es-ES" sz="1800" b="1" dirty="0">
+                <a:effectLst/>
+                <a:latin typeface="Arial" panose="020B0604020202020204" pitchFamily="34" charset="0"/>
+                <a:ea typeface="Calibri" panose="020F0502020204030204" pitchFamily="34" charset="0"/>
+                <a:cs typeface="Times New Roman" panose="02020603050405020304" pitchFamily="18" charset="0"/>
+              </a:rPr>
+              <a:t>servidor </a:t>
+            </a:r>
+            <a:r>
+              <a:rPr lang="es-ES" sz="1800" dirty="0">
+                <a:effectLst/>
+                <a:latin typeface="Arial" panose="020B0604020202020204" pitchFamily="34" charset="0"/>
+                <a:ea typeface="Calibri" panose="020F0502020204030204" pitchFamily="34" charset="0"/>
+                <a:cs typeface="Times New Roman" panose="02020603050405020304" pitchFamily="18" charset="0"/>
+              </a:rPr>
+              <a:t>y la </a:t>
+            </a:r>
+            <a:r>
+              <a:rPr lang="es-ES" sz="1800" b="1" dirty="0">
+                <a:effectLst/>
+                <a:latin typeface="Arial" panose="020B0604020202020204" pitchFamily="34" charset="0"/>
+                <a:ea typeface="Calibri" panose="020F0502020204030204" pitchFamily="34" charset="0"/>
+                <a:cs typeface="Times New Roman" panose="02020603050405020304" pitchFamily="18" charset="0"/>
+              </a:rPr>
+              <a:t>cámara Web.</a:t>
+            </a:r>
+            <a:endParaRPr lang="es-MX" sz="1800" dirty="0">
+              <a:effectLst/>
+              <a:latin typeface="Calibri" panose="020F0502020204030204" pitchFamily="34" charset="0"/>
+              <a:ea typeface="Calibri" panose="020F0502020204030204" pitchFamily="34" charset="0"/>
+              <a:cs typeface="Times New Roman" panose="02020603050405020304" pitchFamily="18" charset="0"/>
+            </a:endParaRPr>
+          </a:p>
+        </p:txBody>
+      </p:sp>
+      <p:sp>
+        <p:nvSpPr>
+          <p:cNvPr id="10" name="CuadroTexto 9">
+            <a:extLst>
+              <a:ext uri="{FF2B5EF4-FFF2-40B4-BE49-F238E27FC236}">
+                <a16:creationId xmlns:a16="http://schemas.microsoft.com/office/drawing/2014/main" id="{87250A36-4B30-4DA0-B0C2-2CA76B66FF2F}"/>
+              </a:ext>
+            </a:extLst>
+          </p:cNvPr>
+          <p:cNvSpPr txBox="1"/>
+          <p:nvPr/>
+        </p:nvSpPr>
+        <p:spPr>
+          <a:xfrm>
+            <a:off x="457200" y="1524000"/>
+            <a:ext cx="4800600" cy="670120"/>
+          </a:xfrm>
+          <a:prstGeom prst="rect">
+            <a:avLst/>
+          </a:prstGeom>
+          <a:noFill/>
+        </p:spPr>
+        <p:txBody>
+          <a:bodyPr wrap="square">
+            <a:spAutoFit/>
+          </a:bodyPr>
+          <a:lstStyle/>
+          <a:p>
+            <a:pPr marL="358775" indent="-358775" algn="just">
+              <a:lnSpc>
+                <a:spcPct val="107000"/>
+              </a:lnSpc>
+              <a:spcAft>
+                <a:spcPts val="800"/>
+              </a:spcAft>
+            </a:pPr>
+            <a:r>
+              <a:rPr lang="es-ES" sz="1800" b="1" dirty="0">
+                <a:effectLst/>
+                <a:latin typeface="Arial" panose="020B0604020202020204" pitchFamily="34" charset="0"/>
+                <a:ea typeface="Calibri" panose="020F0502020204030204" pitchFamily="34" charset="0"/>
+                <a:cs typeface="Times New Roman" panose="02020603050405020304" pitchFamily="18" charset="0"/>
+              </a:rPr>
+              <a:t>1. </a:t>
+            </a:r>
+            <a:r>
+              <a:rPr lang="es-ES" dirty="0">
+                <a:latin typeface="Arial" panose="020B0604020202020204" pitchFamily="34" charset="0"/>
+                <a:ea typeface="Calibri" panose="020F0502020204030204" pitchFamily="34" charset="0"/>
+                <a:cs typeface="Times New Roman" panose="02020603050405020304" pitchFamily="18" charset="0"/>
+              </a:rPr>
+              <a:t>Revisar configuración de</a:t>
+            </a:r>
+            <a:r>
+              <a:rPr lang="es-ES" b="1" dirty="0">
+                <a:latin typeface="Arial" panose="020B0604020202020204" pitchFamily="34" charset="0"/>
+                <a:ea typeface="Calibri" panose="020F0502020204030204" pitchFamily="34" charset="0"/>
+                <a:cs typeface="Times New Roman" panose="02020603050405020304" pitchFamily="18" charset="0"/>
+              </a:rPr>
+              <a:t> DHCP </a:t>
+            </a:r>
+            <a:r>
+              <a:rPr lang="es-ES" sz="1800" dirty="0">
+                <a:effectLst/>
+                <a:latin typeface="Arial" panose="020B0604020202020204" pitchFamily="34" charset="0"/>
+                <a:ea typeface="Calibri" panose="020F0502020204030204" pitchFamily="34" charset="0"/>
+                <a:cs typeface="Times New Roman" panose="02020603050405020304" pitchFamily="18" charset="0"/>
+              </a:rPr>
+              <a:t>en el </a:t>
+            </a:r>
+            <a:r>
+              <a:rPr lang="es-ES" sz="1800" b="1" dirty="0" err="1">
+                <a:effectLst/>
+                <a:latin typeface="Arial" panose="020B0604020202020204" pitchFamily="34" charset="0"/>
+                <a:ea typeface="Calibri" panose="020F0502020204030204" pitchFamily="34" charset="0"/>
+                <a:cs typeface="Times New Roman" panose="02020603050405020304" pitchFamily="18" charset="0"/>
+              </a:rPr>
+              <a:t>router</a:t>
+            </a:r>
+            <a:r>
+              <a:rPr lang="es-ES" sz="1800" b="1" dirty="0">
+                <a:effectLst/>
+                <a:latin typeface="Arial" panose="020B0604020202020204" pitchFamily="34" charset="0"/>
+                <a:ea typeface="Calibri" panose="020F0502020204030204" pitchFamily="34" charset="0"/>
+                <a:cs typeface="Times New Roman" panose="02020603050405020304" pitchFamily="18" charset="0"/>
+              </a:rPr>
+              <a:t> Querétaro</a:t>
+            </a:r>
+            <a:r>
+              <a:rPr lang="es-ES" sz="1800" dirty="0">
+                <a:effectLst/>
+                <a:latin typeface="Arial" panose="020B0604020202020204" pitchFamily="34" charset="0"/>
+                <a:ea typeface="Calibri" panose="020F0502020204030204" pitchFamily="34" charset="0"/>
+                <a:cs typeface="Times New Roman" panose="02020603050405020304" pitchFamily="18" charset="0"/>
+              </a:rPr>
+              <a:t>.</a:t>
+            </a:r>
+            <a:endParaRPr lang="es-MX" sz="1800" dirty="0">
+              <a:effectLst/>
+              <a:latin typeface="Calibri" panose="020F0502020204030204" pitchFamily="34" charset="0"/>
+              <a:ea typeface="Calibri" panose="020F0502020204030204" pitchFamily="34" charset="0"/>
+              <a:cs typeface="Times New Roman" panose="02020603050405020304" pitchFamily="18" charset="0"/>
+            </a:endParaRPr>
+          </a:p>
+        </p:txBody>
+      </p:sp>
+      <p:pic>
+        <p:nvPicPr>
+          <p:cNvPr id="3" name="Imagen 2">
+            <a:extLst>
+              <a:ext uri="{FF2B5EF4-FFF2-40B4-BE49-F238E27FC236}">
+                <a16:creationId xmlns:a16="http://schemas.microsoft.com/office/drawing/2014/main" id="{B09EAB7B-D8EA-49DB-BEF6-B0CD00EBBA95}"/>
+              </a:ext>
+            </a:extLst>
+          </p:cNvPr>
+          <p:cNvPicPr>
+            <a:picLocks noChangeAspect="1"/>
+          </p:cNvPicPr>
+          <p:nvPr/>
+        </p:nvPicPr>
+        <p:blipFill>
+          <a:blip r:embed="rId3"/>
+          <a:stretch>
+            <a:fillRect/>
+          </a:stretch>
+        </p:blipFill>
+        <p:spPr>
+          <a:xfrm>
+            <a:off x="5791200" y="1295400"/>
+            <a:ext cx="5791200" cy="4505818"/>
           </a:xfrm>
           <a:prstGeom prst="rect">
             <a:avLst/>
@@ -1628,7 +6156,498 @@
     </p:spTree>
     <p:extLst>
       <p:ext uri="{BB962C8B-B14F-4D97-AF65-F5344CB8AC3E}">
-        <p14:creationId xmlns:p14="http://schemas.microsoft.com/office/powerpoint/2010/main" val="3068353970"/>
+        <p14:creationId xmlns:p14="http://schemas.microsoft.com/office/powerpoint/2010/main" val="2779144483"/>
+      </p:ext>
+    </p:extLst>
+  </p:cSld>
+  <p:clrMapOvr>
+    <a:masterClrMapping/>
+  </p:clrMapOvr>
+</p:sld>
+</file>
+
+<file path=ppt/slides/slide9.xml><?xml version="1.0" encoding="utf-8"?>
+<p:sld xmlns:a="http://schemas.openxmlformats.org/drawingml/2006/main" xmlns:r="http://schemas.openxmlformats.org/officeDocument/2006/relationships" xmlns:p="http://schemas.openxmlformats.org/presentationml/2006/main">
+  <p:cSld>
+    <p:spTree>
+      <p:nvGrpSpPr>
+        <p:cNvPr id="1" name=""/>
+        <p:cNvGrpSpPr/>
+        <p:nvPr/>
+      </p:nvGrpSpPr>
+      <p:grpSpPr>
+        <a:xfrm>
+          <a:off x="0" y="0"/>
+          <a:ext cx="0" cy="0"/>
+          <a:chOff x="0" y="0"/>
+          <a:chExt cx="0" cy="0"/>
+        </a:xfrm>
+      </p:grpSpPr>
+      <p:sp>
+        <p:nvSpPr>
+          <p:cNvPr id="5" name="CuadroTexto 4">
+            <a:extLst>
+              <a:ext uri="{FF2B5EF4-FFF2-40B4-BE49-F238E27FC236}">
+                <a16:creationId xmlns:a16="http://schemas.microsoft.com/office/drawing/2014/main" id="{6AA9D110-6FFC-455A-8208-CF01108FD59E}"/>
+              </a:ext>
+            </a:extLst>
+          </p:cNvPr>
+          <p:cNvSpPr txBox="1"/>
+          <p:nvPr/>
+        </p:nvSpPr>
+        <p:spPr>
+          <a:xfrm>
+            <a:off x="304800" y="108427"/>
+            <a:ext cx="11277600" cy="892552"/>
+          </a:xfrm>
+          <a:prstGeom prst="rect">
+            <a:avLst/>
+          </a:prstGeom>
+          <a:noFill/>
+        </p:spPr>
+        <p:txBody>
+          <a:bodyPr wrap="square" rtlCol="0">
+            <a:spAutoFit/>
+          </a:bodyPr>
+          <a:lstStyle/>
+          <a:p>
+            <a:pPr algn="ctr"/>
+            <a:r>
+              <a:rPr lang="es-ES" sz="2800" b="1" dirty="0"/>
+              <a:t>Proyecto </a:t>
+            </a:r>
+            <a:r>
+              <a:rPr lang="es-ES" sz="2800" b="1" dirty="0" err="1"/>
+              <a:t>YEYO’s</a:t>
+            </a:r>
+            <a:r>
+              <a:rPr lang="es-ES" sz="2800" b="1" dirty="0"/>
+              <a:t> Store</a:t>
+            </a:r>
+          </a:p>
+          <a:p>
+            <a:pPr algn="ctr"/>
+            <a:r>
+              <a:rPr lang="es-ES" sz="2400" dirty="0"/>
+              <a:t>Nueva configuración del </a:t>
+            </a:r>
+            <a:r>
+              <a:rPr lang="es-ES" sz="2400" dirty="0" err="1"/>
+              <a:t>router</a:t>
+            </a:r>
+            <a:r>
+              <a:rPr lang="es-ES" sz="2400" dirty="0"/>
+              <a:t> Querétaro</a:t>
+            </a:r>
+            <a:endParaRPr lang="es-MX" sz="2400" dirty="0"/>
+          </a:p>
+        </p:txBody>
+      </p:sp>
+      <p:sp>
+        <p:nvSpPr>
+          <p:cNvPr id="8" name="CuadroTexto 7">
+            <a:extLst>
+              <a:ext uri="{FF2B5EF4-FFF2-40B4-BE49-F238E27FC236}">
+                <a16:creationId xmlns:a16="http://schemas.microsoft.com/office/drawing/2014/main" id="{F8162220-B66C-48DB-B5AA-BC509244B7E6}"/>
+              </a:ext>
+            </a:extLst>
+          </p:cNvPr>
+          <p:cNvSpPr txBox="1"/>
+          <p:nvPr/>
+        </p:nvSpPr>
+        <p:spPr>
+          <a:xfrm>
+            <a:off x="533400" y="1711276"/>
+            <a:ext cx="11125200" cy="367216"/>
+          </a:xfrm>
+          <a:prstGeom prst="rect">
+            <a:avLst/>
+          </a:prstGeom>
+          <a:noFill/>
+        </p:spPr>
+        <p:txBody>
+          <a:bodyPr wrap="square">
+            <a:spAutoFit/>
+          </a:bodyPr>
+          <a:lstStyle/>
+          <a:p>
+            <a:pPr>
+              <a:lnSpc>
+                <a:spcPct val="107000"/>
+              </a:lnSpc>
+              <a:spcAft>
+                <a:spcPts val="800"/>
+              </a:spcAft>
+            </a:pPr>
+            <a:r>
+              <a:rPr lang="es-ES" sz="1800" dirty="0">
+                <a:effectLst/>
+                <a:latin typeface="Arial" panose="020B0604020202020204" pitchFamily="34" charset="0"/>
+                <a:ea typeface="Calibri" panose="020F0502020204030204" pitchFamily="34" charset="0"/>
+                <a:cs typeface="Times New Roman" panose="02020603050405020304" pitchFamily="18" charset="0"/>
+              </a:rPr>
+              <a:t>El protocolo </a:t>
+            </a:r>
+            <a:r>
+              <a:rPr lang="es-ES" sz="1800" b="1" dirty="0">
+                <a:effectLst/>
+                <a:latin typeface="Arial" panose="020B0604020202020204" pitchFamily="34" charset="0"/>
+                <a:ea typeface="Calibri" panose="020F0502020204030204" pitchFamily="34" charset="0"/>
+                <a:cs typeface="Times New Roman" panose="02020603050405020304" pitchFamily="18" charset="0"/>
+              </a:rPr>
+              <a:t>EIGRP </a:t>
+            </a:r>
+            <a:r>
+              <a:rPr lang="es-ES" sz="1800" dirty="0">
+                <a:effectLst/>
+                <a:latin typeface="Arial" panose="020B0604020202020204" pitchFamily="34" charset="0"/>
+                <a:ea typeface="Calibri" panose="020F0502020204030204" pitchFamily="34" charset="0"/>
+                <a:cs typeface="Times New Roman" panose="02020603050405020304" pitchFamily="18" charset="0"/>
+              </a:rPr>
+              <a:t>puede publicar la </a:t>
+            </a:r>
+            <a:r>
+              <a:rPr lang="es-ES" sz="1800" b="1" dirty="0">
+                <a:effectLst/>
+                <a:latin typeface="Arial" panose="020B0604020202020204" pitchFamily="34" charset="0"/>
+                <a:ea typeface="Calibri" panose="020F0502020204030204" pitchFamily="34" charset="0"/>
+                <a:cs typeface="Times New Roman" panose="02020603050405020304" pitchFamily="18" charset="0"/>
+              </a:rPr>
+              <a:t>red completa </a:t>
+            </a:r>
+            <a:r>
+              <a:rPr lang="es-ES" sz="1800" dirty="0">
+                <a:effectLst/>
+                <a:latin typeface="Arial" panose="020B0604020202020204" pitchFamily="34" charset="0"/>
+                <a:ea typeface="Calibri" panose="020F0502020204030204" pitchFamily="34" charset="0"/>
+                <a:cs typeface="Times New Roman" panose="02020603050405020304" pitchFamily="18" charset="0"/>
+              </a:rPr>
+              <a:t>o la clase o puede publicar las </a:t>
+            </a:r>
+            <a:r>
+              <a:rPr lang="es-ES" sz="1800" b="1" dirty="0">
+                <a:effectLst/>
+                <a:latin typeface="Arial" panose="020B0604020202020204" pitchFamily="34" charset="0"/>
+                <a:ea typeface="Calibri" panose="020F0502020204030204" pitchFamily="34" charset="0"/>
+                <a:cs typeface="Times New Roman" panose="02020603050405020304" pitchFamily="18" charset="0"/>
+              </a:rPr>
+              <a:t>subredes</a:t>
+            </a:r>
+            <a:r>
+              <a:rPr lang="es-ES" sz="1800" dirty="0">
+                <a:effectLst/>
+                <a:latin typeface="Arial" panose="020B0604020202020204" pitchFamily="34" charset="0"/>
+                <a:ea typeface="Calibri" panose="020F0502020204030204" pitchFamily="34" charset="0"/>
+                <a:cs typeface="Times New Roman" panose="02020603050405020304" pitchFamily="18" charset="0"/>
+              </a:rPr>
+              <a:t>.</a:t>
+            </a:r>
+          </a:p>
+        </p:txBody>
+      </p:sp>
+      <p:pic>
+        <p:nvPicPr>
+          <p:cNvPr id="7" name="Imagen 6">
+            <a:extLst>
+              <a:ext uri="{FF2B5EF4-FFF2-40B4-BE49-F238E27FC236}">
+                <a16:creationId xmlns:a16="http://schemas.microsoft.com/office/drawing/2014/main" id="{3FA5EDCD-8BE5-4C1A-8A15-F682EAA2B9B2}"/>
+              </a:ext>
+            </a:extLst>
+          </p:cNvPr>
+          <p:cNvPicPr/>
+          <p:nvPr/>
+        </p:nvPicPr>
+        <p:blipFill>
+          <a:blip r:embed="rId3" cstate="print">
+            <a:extLst>
+              <a:ext uri="{28A0092B-C50C-407E-A947-70E740481C1C}">
+                <a14:useLocalDpi xmlns:a14="http://schemas.microsoft.com/office/drawing/2010/main" val="0"/>
+              </a:ext>
+            </a:extLst>
+          </a:blip>
+          <a:srcRect/>
+          <a:stretch>
+            <a:fillRect/>
+          </a:stretch>
+        </p:blipFill>
+        <p:spPr bwMode="auto">
+          <a:xfrm>
+            <a:off x="3657600" y="2190849"/>
+            <a:ext cx="7696200" cy="3857739"/>
+          </a:xfrm>
+          <a:prstGeom prst="rect">
+            <a:avLst/>
+          </a:prstGeom>
+          <a:noFill/>
+          <a:ln>
+            <a:noFill/>
+          </a:ln>
+        </p:spPr>
+      </p:pic>
+      <p:sp>
+        <p:nvSpPr>
+          <p:cNvPr id="6" name="CuadroTexto 5">
+            <a:extLst>
+              <a:ext uri="{FF2B5EF4-FFF2-40B4-BE49-F238E27FC236}">
+                <a16:creationId xmlns:a16="http://schemas.microsoft.com/office/drawing/2014/main" id="{9225B94E-6A54-47E3-986D-94C503CDD126}"/>
+              </a:ext>
+            </a:extLst>
+          </p:cNvPr>
+          <p:cNvSpPr txBox="1"/>
+          <p:nvPr/>
+        </p:nvSpPr>
+        <p:spPr>
+          <a:xfrm>
+            <a:off x="340936" y="1249477"/>
+            <a:ext cx="11470064" cy="373757"/>
+          </a:xfrm>
+          <a:prstGeom prst="rect">
+            <a:avLst/>
+          </a:prstGeom>
+          <a:noFill/>
+        </p:spPr>
+        <p:txBody>
+          <a:bodyPr wrap="square">
+            <a:spAutoFit/>
+          </a:bodyPr>
+          <a:lstStyle/>
+          <a:p>
+            <a:pPr marL="263525" indent="-263525">
+              <a:lnSpc>
+                <a:spcPct val="107000"/>
+              </a:lnSpc>
+              <a:spcAft>
+                <a:spcPts val="800"/>
+              </a:spcAft>
+            </a:pPr>
+            <a:r>
+              <a:rPr lang="es-ES" sz="1800" b="1" dirty="0">
+                <a:effectLst/>
+                <a:latin typeface="Arial" panose="020B0604020202020204" pitchFamily="34" charset="0"/>
+                <a:ea typeface="Calibri" panose="020F0502020204030204" pitchFamily="34" charset="0"/>
+                <a:cs typeface="Times New Roman" panose="02020603050405020304" pitchFamily="18" charset="0"/>
+              </a:rPr>
+              <a:t>4. </a:t>
+            </a:r>
+            <a:r>
+              <a:rPr lang="es-ES" sz="1800" dirty="0">
+                <a:effectLst/>
+                <a:latin typeface="Arial" panose="020B0604020202020204" pitchFamily="34" charset="0"/>
+                <a:ea typeface="Calibri" panose="020F0502020204030204" pitchFamily="34" charset="0"/>
+                <a:cs typeface="Times New Roman" panose="02020603050405020304" pitchFamily="18" charset="0"/>
+              </a:rPr>
+              <a:t>Revisar </a:t>
+            </a:r>
+            <a:r>
+              <a:rPr lang="es-ES" dirty="0">
+                <a:latin typeface="Arial" panose="020B0604020202020204" pitchFamily="34" charset="0"/>
+                <a:ea typeface="Calibri" panose="020F0502020204030204" pitchFamily="34" charset="0"/>
+                <a:cs typeface="Times New Roman" panose="02020603050405020304" pitchFamily="18" charset="0"/>
+              </a:rPr>
+              <a:t>y actualizar </a:t>
+            </a:r>
+            <a:r>
+              <a:rPr lang="es-ES" sz="1800" dirty="0">
+                <a:effectLst/>
+                <a:latin typeface="Arial" panose="020B0604020202020204" pitchFamily="34" charset="0"/>
+                <a:ea typeface="Calibri" panose="020F0502020204030204" pitchFamily="34" charset="0"/>
+                <a:cs typeface="Times New Roman" panose="02020603050405020304" pitchFamily="18" charset="0"/>
+              </a:rPr>
+              <a:t>la configuración del </a:t>
+            </a:r>
+            <a:r>
+              <a:rPr lang="es-ES" sz="1800" b="1" dirty="0">
+                <a:effectLst/>
+                <a:latin typeface="Arial" panose="020B0604020202020204" pitchFamily="34" charset="0"/>
+                <a:ea typeface="Calibri" panose="020F0502020204030204" pitchFamily="34" charset="0"/>
+                <a:cs typeface="Times New Roman" panose="02020603050405020304" pitchFamily="18" charset="0"/>
+              </a:rPr>
+              <a:t>protocolo de ruteo EIGRP</a:t>
+            </a:r>
+            <a:r>
+              <a:rPr lang="es-ES" sz="1800" dirty="0">
+                <a:effectLst/>
+                <a:latin typeface="Arial" panose="020B0604020202020204" pitchFamily="34" charset="0"/>
+                <a:ea typeface="Calibri" panose="020F0502020204030204" pitchFamily="34" charset="0"/>
+                <a:cs typeface="Times New Roman" panose="02020603050405020304" pitchFamily="18" charset="0"/>
+              </a:rPr>
+              <a:t>. </a:t>
+            </a:r>
+            <a:endParaRPr lang="es-MX" sz="1800" dirty="0">
+              <a:effectLst/>
+              <a:latin typeface="Calibri" panose="020F0502020204030204" pitchFamily="34" charset="0"/>
+              <a:ea typeface="Calibri" panose="020F0502020204030204" pitchFamily="34" charset="0"/>
+              <a:cs typeface="Times New Roman" panose="02020603050405020304" pitchFamily="18" charset="0"/>
+            </a:endParaRPr>
+          </a:p>
+        </p:txBody>
+      </p:sp>
+      <p:sp>
+        <p:nvSpPr>
+          <p:cNvPr id="9" name="CuadroTexto 8">
+            <a:extLst>
+              <a:ext uri="{FF2B5EF4-FFF2-40B4-BE49-F238E27FC236}">
+                <a16:creationId xmlns:a16="http://schemas.microsoft.com/office/drawing/2014/main" id="{E187674B-0DAA-4116-ACAF-643D3BC81B8F}"/>
+              </a:ext>
+            </a:extLst>
+          </p:cNvPr>
+          <p:cNvSpPr txBox="1"/>
+          <p:nvPr/>
+        </p:nvSpPr>
+        <p:spPr>
+          <a:xfrm>
+            <a:off x="527115" y="2190849"/>
+            <a:ext cx="2970229" cy="966483"/>
+          </a:xfrm>
+          <a:prstGeom prst="rect">
+            <a:avLst/>
+          </a:prstGeom>
+          <a:noFill/>
+        </p:spPr>
+        <p:txBody>
+          <a:bodyPr wrap="square">
+            <a:spAutoFit/>
+          </a:bodyPr>
+          <a:lstStyle/>
+          <a:p>
+            <a:pPr>
+              <a:lnSpc>
+                <a:spcPct val="107000"/>
+              </a:lnSpc>
+              <a:spcAft>
+                <a:spcPts val="800"/>
+              </a:spcAft>
+            </a:pPr>
+            <a:r>
+              <a:rPr lang="es-ES" sz="1800" dirty="0">
+                <a:effectLst/>
+                <a:latin typeface="Arial" panose="020B0604020202020204" pitchFamily="34" charset="0"/>
+                <a:ea typeface="Calibri" panose="020F0502020204030204" pitchFamily="34" charset="0"/>
+                <a:cs typeface="Times New Roman" panose="02020603050405020304" pitchFamily="18" charset="0"/>
+              </a:rPr>
+              <a:t>El protocolo </a:t>
+            </a:r>
+            <a:r>
+              <a:rPr lang="es-ES" sz="1800" b="1" dirty="0">
+                <a:effectLst/>
+                <a:latin typeface="Arial" panose="020B0604020202020204" pitchFamily="34" charset="0"/>
+                <a:ea typeface="Calibri" panose="020F0502020204030204" pitchFamily="34" charset="0"/>
+                <a:cs typeface="Times New Roman" panose="02020603050405020304" pitchFamily="18" charset="0"/>
+              </a:rPr>
+              <a:t>EIGRP</a:t>
+            </a:r>
+            <a:r>
+              <a:rPr lang="es-ES" sz="1800" dirty="0">
+                <a:effectLst/>
+                <a:latin typeface="Arial" panose="020B0604020202020204" pitchFamily="34" charset="0"/>
+                <a:ea typeface="Calibri" panose="020F0502020204030204" pitchFamily="34" charset="0"/>
+                <a:cs typeface="Times New Roman" panose="02020603050405020304" pitchFamily="18" charset="0"/>
+              </a:rPr>
+              <a:t> ya está configurado y da servicio a la red de </a:t>
+            </a:r>
+            <a:r>
+              <a:rPr lang="es-ES" sz="1800" b="1" dirty="0">
+                <a:effectLst/>
+                <a:latin typeface="Arial" panose="020B0604020202020204" pitchFamily="34" charset="0"/>
+                <a:ea typeface="Calibri" panose="020F0502020204030204" pitchFamily="34" charset="0"/>
+                <a:cs typeface="Times New Roman" panose="02020603050405020304" pitchFamily="18" charset="0"/>
+              </a:rPr>
+              <a:t>Querétaro.</a:t>
+            </a:r>
+            <a:endParaRPr lang="es-MX" sz="1800" dirty="0">
+              <a:effectLst/>
+              <a:latin typeface="Calibri" panose="020F0502020204030204" pitchFamily="34" charset="0"/>
+              <a:ea typeface="Calibri" panose="020F0502020204030204" pitchFamily="34" charset="0"/>
+              <a:cs typeface="Times New Roman" panose="02020603050405020304" pitchFamily="18" charset="0"/>
+            </a:endParaRPr>
+          </a:p>
+        </p:txBody>
+      </p:sp>
+      <p:sp>
+        <p:nvSpPr>
+          <p:cNvPr id="10" name="CuadroTexto 9">
+            <a:extLst>
+              <a:ext uri="{FF2B5EF4-FFF2-40B4-BE49-F238E27FC236}">
+                <a16:creationId xmlns:a16="http://schemas.microsoft.com/office/drawing/2014/main" id="{432842FC-E9B6-4D64-BDB7-535C19E9B935}"/>
+              </a:ext>
+            </a:extLst>
+          </p:cNvPr>
+          <p:cNvSpPr txBox="1"/>
+          <p:nvPr/>
+        </p:nvSpPr>
+        <p:spPr>
+          <a:xfrm>
+            <a:off x="271806" y="3505200"/>
+            <a:ext cx="3200400" cy="670120"/>
+          </a:xfrm>
+          <a:prstGeom prst="rect">
+            <a:avLst/>
+          </a:prstGeom>
+          <a:noFill/>
+        </p:spPr>
+        <p:txBody>
+          <a:bodyPr wrap="square">
+            <a:spAutoFit/>
+          </a:bodyPr>
+          <a:lstStyle/>
+          <a:p>
+            <a:pPr marL="263525" indent="-263525">
+              <a:lnSpc>
+                <a:spcPct val="107000"/>
+              </a:lnSpc>
+              <a:spcAft>
+                <a:spcPts val="800"/>
+              </a:spcAft>
+            </a:pPr>
+            <a:r>
+              <a:rPr lang="es-ES" sz="1800" b="1" dirty="0">
+                <a:effectLst/>
+                <a:latin typeface="Arial" panose="020B0604020202020204" pitchFamily="34" charset="0"/>
+                <a:ea typeface="Calibri" panose="020F0502020204030204" pitchFamily="34" charset="0"/>
+                <a:cs typeface="Times New Roman" panose="02020603050405020304" pitchFamily="18" charset="0"/>
+              </a:rPr>
+              <a:t>5.</a:t>
+            </a:r>
+            <a:r>
+              <a:rPr lang="es-ES" sz="1800" dirty="0">
+                <a:effectLst/>
+                <a:latin typeface="Arial" panose="020B0604020202020204" pitchFamily="34" charset="0"/>
+                <a:ea typeface="Calibri" panose="020F0502020204030204" pitchFamily="34" charset="0"/>
+                <a:cs typeface="Times New Roman" panose="02020603050405020304" pitchFamily="18" charset="0"/>
+              </a:rPr>
+              <a:t> Configurar el protocolo </a:t>
+            </a:r>
+            <a:r>
+              <a:rPr lang="es-ES" sz="1800" b="1" dirty="0">
+                <a:effectLst/>
+                <a:latin typeface="Arial" panose="020B0604020202020204" pitchFamily="34" charset="0"/>
+                <a:ea typeface="Calibri" panose="020F0502020204030204" pitchFamily="34" charset="0"/>
+                <a:cs typeface="Times New Roman" panose="02020603050405020304" pitchFamily="18" charset="0"/>
+              </a:rPr>
+              <a:t>OSPF</a:t>
+            </a:r>
+            <a:r>
+              <a:rPr lang="es-ES" sz="1800" dirty="0">
+                <a:effectLst/>
+                <a:latin typeface="Arial" panose="020B0604020202020204" pitchFamily="34" charset="0"/>
+                <a:ea typeface="Calibri" panose="020F0502020204030204" pitchFamily="34" charset="0"/>
+                <a:cs typeface="Times New Roman" panose="02020603050405020304" pitchFamily="18" charset="0"/>
+              </a:rPr>
+              <a:t>.</a:t>
+            </a:r>
+            <a:endParaRPr lang="es-MX" sz="1800" dirty="0">
+              <a:effectLst/>
+              <a:latin typeface="Calibri" panose="020F0502020204030204" pitchFamily="34" charset="0"/>
+              <a:ea typeface="Calibri" panose="020F0502020204030204" pitchFamily="34" charset="0"/>
+              <a:cs typeface="Times New Roman" panose="02020603050405020304" pitchFamily="18" charset="0"/>
+            </a:endParaRPr>
+          </a:p>
+        </p:txBody>
+      </p:sp>
+    </p:spTree>
+    <p:extLst>
+      <p:ext uri="{BB962C8B-B14F-4D97-AF65-F5344CB8AC3E}">
+        <p14:creationId xmlns:p14="http://schemas.microsoft.com/office/powerpoint/2010/main" val="1553158107"/>
       </p:ext>
     </p:extLst>
   </p:cSld>
